--- a/docs/diagrams/ModelComponentClassDiagram.pptx
+++ b/docs/diagrams/ModelComponentClassDiagram.pptx
@@ -208,7 +208,7 @@
           <a:p>
             <a:fld id="{F5CC4B3F-88C1-4FFA-B1B6-F41C21DC6924}" type="datetimeFigureOut">
               <a:rPr lang="en-US" smtClean="0"/>
-              <a:t>12/5/2018</a:t>
+              <a:t>4/13/19</a:t>
             </a:fld>
             <a:endParaRPr lang="en-US"/>
           </a:p>
@@ -654,7 +654,7 @@
           <a:p>
             <a:fld id="{78C97017-6FC3-485B-9764-EAC9E56C1D49}" type="datetimeFigureOut">
               <a:rPr lang="en-US" smtClean="0"/>
-              <a:t>12/5/2018</a:t>
+              <a:t>4/13/19</a:t>
             </a:fld>
             <a:endParaRPr lang="en-US"/>
           </a:p>
@@ -822,7 +822,7 @@
           <a:p>
             <a:fld id="{78C97017-6FC3-485B-9764-EAC9E56C1D49}" type="datetimeFigureOut">
               <a:rPr lang="en-US" smtClean="0"/>
-              <a:t>12/5/2018</a:t>
+              <a:t>4/13/19</a:t>
             </a:fld>
             <a:endParaRPr lang="en-US"/>
           </a:p>
@@ -1000,7 +1000,7 @@
           <a:p>
             <a:fld id="{78C97017-6FC3-485B-9764-EAC9E56C1D49}" type="datetimeFigureOut">
               <a:rPr lang="en-US" smtClean="0"/>
-              <a:t>12/5/2018</a:t>
+              <a:t>4/13/19</a:t>
             </a:fld>
             <a:endParaRPr lang="en-US"/>
           </a:p>
@@ -1168,7 +1168,7 @@
           <a:p>
             <a:fld id="{78C97017-6FC3-485B-9764-EAC9E56C1D49}" type="datetimeFigureOut">
               <a:rPr lang="en-US" smtClean="0"/>
-              <a:t>12/5/2018</a:t>
+              <a:t>4/13/19</a:t>
             </a:fld>
             <a:endParaRPr lang="en-US"/>
           </a:p>
@@ -1413,7 +1413,7 @@
           <a:p>
             <a:fld id="{78C97017-6FC3-485B-9764-EAC9E56C1D49}" type="datetimeFigureOut">
               <a:rPr lang="en-US" smtClean="0"/>
-              <a:t>12/5/2018</a:t>
+              <a:t>4/13/19</a:t>
             </a:fld>
             <a:endParaRPr lang="en-US"/>
           </a:p>
@@ -1698,7 +1698,7 @@
           <a:p>
             <a:fld id="{78C97017-6FC3-485B-9764-EAC9E56C1D49}" type="datetimeFigureOut">
               <a:rPr lang="en-US" smtClean="0"/>
-              <a:t>12/5/2018</a:t>
+              <a:t>4/13/19</a:t>
             </a:fld>
             <a:endParaRPr lang="en-US"/>
           </a:p>
@@ -2117,7 +2117,7 @@
           <a:p>
             <a:fld id="{78C97017-6FC3-485B-9764-EAC9E56C1D49}" type="datetimeFigureOut">
               <a:rPr lang="en-US" smtClean="0"/>
-              <a:t>12/5/2018</a:t>
+              <a:t>4/13/19</a:t>
             </a:fld>
             <a:endParaRPr lang="en-US"/>
           </a:p>
@@ -2234,7 +2234,7 @@
           <a:p>
             <a:fld id="{78C97017-6FC3-485B-9764-EAC9E56C1D49}" type="datetimeFigureOut">
               <a:rPr lang="en-US" smtClean="0"/>
-              <a:t>12/5/2018</a:t>
+              <a:t>4/13/19</a:t>
             </a:fld>
             <a:endParaRPr lang="en-US"/>
           </a:p>
@@ -2329,7 +2329,7 @@
           <a:p>
             <a:fld id="{78C97017-6FC3-485B-9764-EAC9E56C1D49}" type="datetimeFigureOut">
               <a:rPr lang="en-US" smtClean="0"/>
-              <a:t>12/5/2018</a:t>
+              <a:t>4/13/19</a:t>
             </a:fld>
             <a:endParaRPr lang="en-US"/>
           </a:p>
@@ -2604,7 +2604,7 @@
           <a:p>
             <a:fld id="{78C97017-6FC3-485B-9764-EAC9E56C1D49}" type="datetimeFigureOut">
               <a:rPr lang="en-US" smtClean="0"/>
-              <a:t>12/5/2018</a:t>
+              <a:t>4/13/19</a:t>
             </a:fld>
             <a:endParaRPr lang="en-US"/>
           </a:p>
@@ -2856,7 +2856,7 @@
           <a:p>
             <a:fld id="{78C97017-6FC3-485B-9764-EAC9E56C1D49}" type="datetimeFigureOut">
               <a:rPr lang="en-US" smtClean="0"/>
-              <a:t>12/5/2018</a:t>
+              <a:t>4/13/19</a:t>
             </a:fld>
             <a:endParaRPr lang="en-US"/>
           </a:p>
@@ -3067,7 +3067,7 @@
           <a:p>
             <a:fld id="{78C97017-6FC3-485B-9764-EAC9E56C1D49}" type="datetimeFigureOut">
               <a:rPr lang="en-US" smtClean="0"/>
-              <a:t>12/5/2018</a:t>
+              <a:t>4/13/19</a:t>
             </a:fld>
             <a:endParaRPr lang="en-US"/>
           </a:p>
@@ -3444,14 +3444,14 @@
       </p:grpSpPr>
       <p:sp>
         <p:nvSpPr>
-          <p:cNvPr id="118" name="Rectangle 65"/>
+          <p:cNvPr id="248" name="Google Shape;367;p30"/>
           <p:cNvSpPr/>
           <p:nvPr/>
         </p:nvSpPr>
         <p:spPr>
           <a:xfrm>
-            <a:off x="1119865" y="1600200"/>
-            <a:ext cx="7490735" cy="3124200"/>
+            <a:off x="503025" y="1488300"/>
+            <a:ext cx="8445900" cy="3236100"/>
           </a:xfrm>
           <a:prstGeom prst="roundRect">
             <a:avLst>
@@ -3459,220 +3459,138 @@
             </a:avLst>
           </a:prstGeom>
           <a:solidFill>
-            <a:schemeClr val="accent4">
-              <a:lumMod val="20000"/>
-              <a:lumOff val="80000"/>
-            </a:schemeClr>
+            <a:srgbClr val="E5DFEC"/>
           </a:solidFill>
-          <a:ln w="19050">
+          <a:ln>
             <a:noFill/>
           </a:ln>
-          <a:effectLst/>
-        </p:spPr>
-        <p:style>
-          <a:lnRef idx="1">
-            <a:schemeClr val="accent2"/>
-          </a:lnRef>
-          <a:fillRef idx="2">
-            <a:schemeClr val="accent2"/>
-          </a:fillRef>
-          <a:effectRef idx="1">
-            <a:schemeClr val="accent2"/>
-          </a:effectRef>
-          <a:fontRef idx="minor">
-            <a:schemeClr val="dk1"/>
-          </a:fontRef>
-        </p:style>
-        <p:txBody>
-          <a:bodyPr rtlCol="0" anchor="t"/>
-          <a:lstStyle/>
-          <a:p>
-            <a:r>
-              <a:rPr lang="en-US" sz="1200" b="1" dirty="0">
+        </p:spPr>
+        <p:txBody>
+          <a:bodyPr spcFirstLastPara="1" wrap="square" lIns="91425" tIns="45700" rIns="91425" bIns="45700" anchor="t" anchorCtr="0">
+            <a:noAutofit/>
+          </a:bodyPr>
+          <a:lstStyle/>
+          <a:p>
+            <a:pPr marL="0" marR="0" lvl="0" indent="0" algn="l" rtl="0">
+              <a:spcBef>
+                <a:spcPts val="0"/>
+              </a:spcBef>
+              <a:spcAft>
+                <a:spcPts val="0"/>
+              </a:spcAft>
+              <a:buNone/>
+            </a:pPr>
+            <a:r>
+              <a:rPr lang="en" sz="1200" b="1" i="0" u="none" strike="noStrike" cap="none">
                 <a:solidFill>
                   <a:srgbClr val="7030A0"/>
                 </a:solidFill>
+                <a:latin typeface="Calibri"/>
+                <a:ea typeface="Calibri"/>
+                <a:cs typeface="Calibri"/>
+                <a:sym typeface="Calibri"/>
               </a:rPr>
               <a:t>Model</a:t>
             </a:r>
-            <a:endParaRPr lang="en-SG" sz="1200" b="1" dirty="0">
+            <a:endParaRPr sz="1200" b="1">
               <a:solidFill>
                 <a:srgbClr val="7030A0"/>
               </a:solidFill>
+              <a:latin typeface="Calibri"/>
+              <a:ea typeface="Calibri"/>
+              <a:cs typeface="Calibri"/>
+              <a:sym typeface="Calibri"/>
             </a:endParaRPr>
           </a:p>
         </p:txBody>
       </p:sp>
       <p:sp>
         <p:nvSpPr>
-          <p:cNvPr id="2" name="Rectangle 8"/>
+          <p:cNvPr id="249" name="Google Shape;368;p30"/>
           <p:cNvSpPr/>
           <p:nvPr/>
         </p:nvSpPr>
         <p:spPr>
           <a:xfrm>
-            <a:off x="2825280" y="3463240"/>
-            <a:ext cx="878211" cy="346760"/>
+            <a:off x="2208430" y="3544830"/>
+            <a:ext cx="878100" cy="260100"/>
           </a:xfrm>
           <a:prstGeom prst="rect">
             <a:avLst/>
           </a:prstGeom>
-          <a:ln w="19050">
-            <a:solidFill>
-              <a:srgbClr val="7030A0"/>
-            </a:solidFill>
-          </a:ln>
-          <a:effectLst/>
-        </p:spPr>
-        <p:style>
-          <a:lnRef idx="1">
-            <a:schemeClr val="accent4"/>
-          </a:lnRef>
-          <a:fillRef idx="2">
-            <a:schemeClr val="accent4"/>
-          </a:fillRef>
-          <a:effectRef idx="1">
-            <a:schemeClr val="accent4"/>
-          </a:effectRef>
-          <a:fontRef idx="minor">
-            <a:schemeClr val="dk1"/>
-          </a:fontRef>
-        </p:style>
-        <p:txBody>
-          <a:bodyPr rtlCol="0" anchor="ctr"/>
-          <a:lstStyle/>
-          <a:p>
-            <a:pPr algn="ctr"/>
-            <a:r>
-              <a:rPr lang="en-US" sz="1050" dirty="0" err="1">
-                <a:solidFill>
-                  <a:srgbClr val="7030A0"/>
-                </a:solidFill>
-              </a:rPr>
-              <a:t>UserPrefs</a:t>
-            </a:r>
-            <a:endParaRPr lang="en-SG" sz="1050" dirty="0">
-              <a:solidFill>
-                <a:srgbClr val="7030A0"/>
-              </a:solidFill>
-            </a:endParaRPr>
-          </a:p>
-        </p:txBody>
-      </p:sp>
-      <p:sp>
-        <p:nvSpPr>
-          <p:cNvPr id="9" name="Rectangle 62"/>
-          <p:cNvSpPr/>
-          <p:nvPr/>
-        </p:nvSpPr>
-        <p:spPr>
-          <a:xfrm rot="16200000">
-            <a:off x="1661548" y="3097750"/>
-            <a:ext cx="1093635" cy="346760"/>
-          </a:xfrm>
-          <a:prstGeom prst="rect">
-            <a:avLst/>
-          </a:prstGeom>
-          <a:solidFill>
-            <a:srgbClr val="7030A0"/>
-          </a:solidFill>
-          <a:ln w="19050">
-            <a:solidFill>
-              <a:srgbClr val="7030A0"/>
-            </a:solidFill>
-          </a:ln>
-          <a:effectLst/>
-        </p:spPr>
-        <p:style>
-          <a:lnRef idx="1">
-            <a:schemeClr val="accent2"/>
-          </a:lnRef>
-          <a:fillRef idx="2">
-            <a:schemeClr val="accent2"/>
-          </a:fillRef>
-          <a:effectRef idx="1">
-            <a:schemeClr val="accent2"/>
-          </a:effectRef>
-          <a:fontRef idx="minor">
-            <a:schemeClr val="dk1"/>
-          </a:fontRef>
-        </p:style>
-        <p:txBody>
-          <a:bodyPr rtlCol="0" anchor="ctr"/>
-          <a:lstStyle/>
-          <a:p>
-            <a:pPr algn="ctr"/>
-            <a:r>
-              <a:rPr lang="en-US" sz="1050" dirty="0" err="1">
-                <a:solidFill>
-                  <a:schemeClr val="bg1"/>
-                </a:solidFill>
-              </a:rPr>
-              <a:t>ModelManager</a:t>
-            </a:r>
-            <a:endParaRPr lang="en-SG" sz="1050" dirty="0">
-              <a:solidFill>
-                <a:schemeClr val="bg1"/>
-              </a:solidFill>
-            </a:endParaRPr>
-          </a:p>
-        </p:txBody>
-      </p:sp>
-      <p:cxnSp>
-        <p:nvCxnSpPr>
-          <p:cNvPr id="107" name="Elbow Connector 106"/>
-          <p:cNvCxnSpPr>
-            <a:cxnSpLocks/>
-            <a:stCxn id="9" idx="1"/>
-            <a:endCxn id="62" idx="2"/>
-          </p:cNvCxnSpPr>
-          <p:nvPr/>
-        </p:nvCxnSpPr>
-        <p:spPr>
-          <a:xfrm rot="5400000" flipH="1" flipV="1">
-            <a:off x="4131507" y="1281685"/>
-            <a:ext cx="613122" cy="4459404"/>
-          </a:xfrm>
-          <a:prstGeom prst="bentConnector3">
-            <a:avLst>
-              <a:gd name="adj1" fmla="val -26668"/>
-            </a:avLst>
-          </a:prstGeom>
-          <a:ln w="19050">
+          <a:gradFill>
+            <a:gsLst>
+              <a:gs pos="0">
+                <a:srgbClr val="C8B2E9"/>
+              </a:gs>
+              <a:gs pos="35000">
+                <a:srgbClr val="D6CAED"/>
+              </a:gs>
+              <a:gs pos="100000">
+                <a:srgbClr val="EFE8FA"/>
+              </a:gs>
+            </a:gsLst>
+            <a:lin ang="16200038" scaled="0"/>
+          </a:gradFill>
+          <a:ln w="19050" cap="flat" cmpd="sng">
             <a:solidFill>
               <a:srgbClr val="7030A0"/>
             </a:solidFill>
             <a:prstDash val="solid"/>
-            <a:headEnd type="none" w="med" len="med"/>
-            <a:tailEnd type="arrow" w="med" len="med"/>
+            <a:round/>
+            <a:headEnd type="none" w="sm" len="sm"/>
+            <a:tailEnd type="none" w="sm" len="sm"/>
           </a:ln>
-          <a:effectLst/>
-        </p:spPr>
-        <p:style>
-          <a:lnRef idx="1">
-            <a:schemeClr val="accent2"/>
-          </a:lnRef>
-          <a:fillRef idx="2">
-            <a:schemeClr val="accent2"/>
-          </a:fillRef>
-          <a:effectRef idx="1">
-            <a:schemeClr val="accent2"/>
-          </a:effectRef>
-          <a:fontRef idx="minor">
-            <a:schemeClr val="dk1"/>
-          </a:fontRef>
-        </p:style>
-      </p:cxnSp>
-      <p:sp>
-        <p:nvSpPr>
-          <p:cNvPr id="119" name="Rectangle 62"/>
+        </p:spPr>
+        <p:txBody>
+          <a:bodyPr spcFirstLastPara="1" wrap="square" lIns="91425" tIns="45700" rIns="91425" bIns="45700" anchor="ctr" anchorCtr="0">
+            <a:noAutofit/>
+          </a:bodyPr>
+          <a:lstStyle/>
+          <a:p>
+            <a:pPr marL="0" marR="0" lvl="0" indent="0" algn="ctr" rtl="0">
+              <a:spcBef>
+                <a:spcPts val="0"/>
+              </a:spcBef>
+              <a:spcAft>
+                <a:spcPts val="0"/>
+              </a:spcAft>
+              <a:buNone/>
+            </a:pPr>
+            <a:r>
+              <a:rPr lang="en" sz="1050">
+                <a:solidFill>
+                  <a:srgbClr val="7030A0"/>
+                </a:solidFill>
+                <a:latin typeface="Calibri"/>
+                <a:ea typeface="Calibri"/>
+                <a:cs typeface="Calibri"/>
+                <a:sym typeface="Calibri"/>
+              </a:rPr>
+              <a:t>UserPrefs</a:t>
+            </a:r>
+            <a:endParaRPr sz="1050">
+              <a:solidFill>
+                <a:srgbClr val="7030A0"/>
+              </a:solidFill>
+              <a:latin typeface="Calibri"/>
+              <a:ea typeface="Calibri"/>
+              <a:cs typeface="Calibri"/>
+              <a:sym typeface="Calibri"/>
+            </a:endParaRPr>
+          </a:p>
+        </p:txBody>
+      </p:sp>
+      <p:sp>
+        <p:nvSpPr>
+          <p:cNvPr id="250" name="Google Shape;369;p30"/>
           <p:cNvSpPr/>
           <p:nvPr/>
         </p:nvSpPr>
         <p:spPr>
-          <a:xfrm rot="16200000">
-            <a:off x="956202" y="2861202"/>
-            <a:ext cx="1093635" cy="346760"/>
+          <a:xfrm rot="-5400000">
+            <a:off x="1064875" y="3227150"/>
+            <a:ext cx="1053300" cy="346800"/>
           </a:xfrm>
           <a:prstGeom prst="rect">
             <a:avLst/>
@@ -3680,1878 +3598,1912 @@
           <a:solidFill>
             <a:srgbClr val="7030A0"/>
           </a:solidFill>
-          <a:ln w="19050">
+          <a:ln w="19050" cap="flat" cmpd="sng">
             <a:solidFill>
               <a:srgbClr val="7030A0"/>
             </a:solidFill>
+            <a:prstDash val="solid"/>
+            <a:round/>
+            <a:headEnd type="none" w="sm" len="sm"/>
+            <a:tailEnd type="none" w="sm" len="sm"/>
           </a:ln>
-          <a:effectLst/>
-        </p:spPr>
-        <p:style>
-          <a:lnRef idx="1">
-            <a:schemeClr val="accent2"/>
-          </a:lnRef>
-          <a:fillRef idx="2">
-            <a:schemeClr val="accent2"/>
-          </a:fillRef>
-          <a:effectRef idx="1">
-            <a:schemeClr val="accent2"/>
-          </a:effectRef>
-          <a:fontRef idx="minor">
-            <a:schemeClr val="dk1"/>
-          </a:fontRef>
-        </p:style>
-        <p:txBody>
-          <a:bodyPr rtlCol="0" anchor="ctr"/>
-          <a:lstStyle/>
-          <a:p>
-            <a:pPr algn="ctr"/>
-            <a:r>
-              <a:rPr lang="en-US" sz="1050" dirty="0">
+        </p:spPr>
+        <p:txBody>
+          <a:bodyPr spcFirstLastPara="1" wrap="square" lIns="91425" tIns="45700" rIns="91425" bIns="45700" anchor="ctr" anchorCtr="0">
+            <a:noAutofit/>
+          </a:bodyPr>
+          <a:lstStyle/>
+          <a:p>
+            <a:pPr marL="0" marR="0" lvl="0" indent="0" algn="ctr" rtl="0">
+              <a:spcBef>
+                <a:spcPts val="0"/>
+              </a:spcBef>
+              <a:spcAft>
+                <a:spcPts val="0"/>
+              </a:spcAft>
+              <a:buNone/>
+            </a:pPr>
+            <a:r>
+              <a:rPr lang="en" sz="1050">
                 <a:solidFill>
-                  <a:schemeClr val="bg1"/>
+                  <a:srgbClr val="FFFFFF"/>
                 </a:solidFill>
+                <a:latin typeface="Calibri"/>
+                <a:ea typeface="Calibri"/>
+                <a:cs typeface="Calibri"/>
+                <a:sym typeface="Calibri"/>
               </a:rPr>
-              <a:t>&lt;&lt;interface&gt;&gt;</a:t>
-            </a:r>
-          </a:p>
-          <a:p>
-            <a:pPr algn="ctr"/>
-            <a:r>
-              <a:rPr lang="en-US" sz="1050" dirty="0">
-                <a:solidFill>
-                  <a:schemeClr val="bg1"/>
-                </a:solidFill>
-              </a:rPr>
-              <a:t>Model</a:t>
-            </a:r>
-            <a:endParaRPr lang="en-SG" sz="1050" dirty="0">
+              <a:t>ModelManager</a:t>
+            </a:r>
+            <a:endParaRPr sz="1050">
               <a:solidFill>
-                <a:schemeClr val="bg1"/>
+                <a:srgbClr val="FFFFFF"/>
               </a:solidFill>
+              <a:latin typeface="Calibri"/>
+              <a:ea typeface="Calibri"/>
+              <a:cs typeface="Calibri"/>
+              <a:sym typeface="Calibri"/>
             </a:endParaRPr>
           </a:p>
         </p:txBody>
       </p:sp>
-      <p:sp>
-        <p:nvSpPr>
-          <p:cNvPr id="120" name="Isosceles Triangle 102"/>
+      <p:cxnSp>
+        <p:nvCxnSpPr>
+          <p:cNvPr id="251" name="Google Shape;370;p30"/>
+          <p:cNvCxnSpPr/>
+          <p:nvPr/>
+        </p:nvCxnSpPr>
+        <p:spPr>
+          <a:xfrm rot="-5400000">
+            <a:off x="3699175" y="1243250"/>
+            <a:ext cx="576300" cy="4791600"/>
+          </a:xfrm>
+          <a:prstGeom prst="bentConnector3">
+            <a:avLst>
+              <a:gd name="adj1" fmla="val -41320"/>
+            </a:avLst>
+          </a:prstGeom>
+          <a:gradFill>
+            <a:gsLst>
+              <a:gs pos="0">
+                <a:srgbClr val="FFA09D"/>
+              </a:gs>
+              <a:gs pos="35000">
+                <a:srgbClr val="FFBCBC"/>
+              </a:gs>
+              <a:gs pos="100000">
+                <a:srgbClr val="FFE2E2"/>
+              </a:gs>
+            </a:gsLst>
+            <a:lin ang="16200038" scaled="0"/>
+          </a:gradFill>
+          <a:ln w="19050" cap="flat" cmpd="sng">
+            <a:solidFill>
+              <a:srgbClr val="7030A0"/>
+            </a:solidFill>
+            <a:prstDash val="solid"/>
+            <a:round/>
+            <a:headEnd type="none" w="sm" len="sm"/>
+            <a:tailEnd type="stealth" w="med" len="med"/>
+          </a:ln>
+        </p:spPr>
+      </p:cxnSp>
+      <p:sp>
+        <p:nvSpPr>
+          <p:cNvPr id="252" name="Google Shape;372;p30"/>
           <p:cNvSpPr/>
           <p:nvPr/>
         </p:nvSpPr>
         <p:spPr>
-          <a:xfrm rot="16200000">
-            <a:off x="1626910" y="2952291"/>
-            <a:ext cx="270504" cy="175523"/>
-          </a:xfrm>
-          <a:prstGeom prst="triangle">
+          <a:xfrm rot="-5400000">
+            <a:off x="381450" y="3144675"/>
+            <a:ext cx="1009500" cy="346800"/>
+          </a:xfrm>
+          <a:prstGeom prst="rect">
             <a:avLst/>
           </a:prstGeom>
           <a:solidFill>
             <a:srgbClr val="7030A0"/>
           </a:solidFill>
-          <a:ln w="19050">
+          <a:ln w="19050" cap="flat" cmpd="sng">
             <a:solidFill>
               <a:srgbClr val="7030A0"/>
             </a:solidFill>
+            <a:prstDash val="solid"/>
+            <a:round/>
+            <a:headEnd type="none" w="sm" len="sm"/>
+            <a:tailEnd type="none" w="sm" len="sm"/>
           </a:ln>
-          <a:effectLst/>
-        </p:spPr>
-        <p:style>
-          <a:lnRef idx="1">
-            <a:schemeClr val="accent6"/>
-          </a:lnRef>
-          <a:fillRef idx="2">
-            <a:schemeClr val="accent6"/>
-          </a:fillRef>
-          <a:effectRef idx="1">
-            <a:schemeClr val="accent6"/>
-          </a:effectRef>
-          <a:fontRef idx="minor">
-            <a:schemeClr val="dk1"/>
-          </a:fontRef>
-        </p:style>
-        <p:txBody>
-          <a:bodyPr rtlCol="0" anchor="ctr"/>
-          <a:lstStyle/>
-          <a:p>
-            <a:pPr algn="ctr"/>
-            <a:endParaRPr lang="en-SG" sz="1050"/>
-          </a:p>
-        </p:txBody>
-      </p:sp>
-      <p:cxnSp>
-        <p:nvCxnSpPr>
-          <p:cNvPr id="58" name="Straight Arrow Connector 57"/>
-          <p:cNvCxnSpPr>
-            <a:cxnSpLocks/>
-            <a:stCxn id="42" idx="3"/>
-            <a:endCxn id="2" idx="1"/>
-          </p:cNvCxnSpPr>
+        </p:spPr>
+        <p:txBody>
+          <a:bodyPr spcFirstLastPara="1" wrap="square" lIns="91425" tIns="45700" rIns="91425" bIns="45700" anchor="ctr" anchorCtr="0">
+            <a:noAutofit/>
+          </a:bodyPr>
+          <a:lstStyle/>
+          <a:p>
+            <a:pPr marL="0" marR="0" lvl="0" indent="0" algn="ctr" rtl="0">
+              <a:spcBef>
+                <a:spcPts val="0"/>
+              </a:spcBef>
+              <a:spcAft>
+                <a:spcPts val="0"/>
+              </a:spcAft>
+              <a:buNone/>
+            </a:pPr>
+            <a:r>
+              <a:rPr lang="en" sz="1050">
+                <a:solidFill>
+                  <a:srgbClr val="FFFFFF"/>
+                </a:solidFill>
+                <a:latin typeface="Calibri"/>
+                <a:ea typeface="Calibri"/>
+                <a:cs typeface="Calibri"/>
+                <a:sym typeface="Calibri"/>
+              </a:rPr>
+              <a:t>&lt;&lt;interface&gt;&gt;</a:t>
+            </a:r>
+            <a:endParaRPr/>
+          </a:p>
+          <a:p>
+            <a:pPr marL="0" marR="0" lvl="0" indent="0" algn="ctr" rtl="0">
+              <a:spcBef>
+                <a:spcPts val="0"/>
+              </a:spcBef>
+              <a:spcAft>
+                <a:spcPts val="0"/>
+              </a:spcAft>
+              <a:buNone/>
+            </a:pPr>
+            <a:r>
+              <a:rPr lang="en" sz="1050">
+                <a:solidFill>
+                  <a:srgbClr val="FFFFFF"/>
+                </a:solidFill>
+                <a:latin typeface="Calibri"/>
+                <a:ea typeface="Calibri"/>
+                <a:cs typeface="Calibri"/>
+                <a:sym typeface="Calibri"/>
+              </a:rPr>
+              <a:t>Model</a:t>
+            </a:r>
+            <a:endParaRPr sz="1050">
+              <a:solidFill>
+                <a:srgbClr val="FFFFFF"/>
+              </a:solidFill>
+              <a:latin typeface="Calibri"/>
+              <a:ea typeface="Calibri"/>
+              <a:cs typeface="Calibri"/>
+              <a:sym typeface="Calibri"/>
+            </a:endParaRPr>
+          </a:p>
+        </p:txBody>
+      </p:sp>
+      <p:sp>
+        <p:nvSpPr>
+          <p:cNvPr id="253" name="Google Shape;373;p30"/>
+          <p:cNvSpPr/>
           <p:nvPr/>
-        </p:nvCxnSpPr>
-        <p:spPr>
-          <a:xfrm>
-            <a:off x="2609828" y="3636620"/>
-            <a:ext cx="215452" cy="0"/>
-          </a:xfrm>
-          <a:prstGeom prst="straightConnector1">
-            <a:avLst/>
-          </a:prstGeom>
-          <a:ln w="19050">
+        </p:nvSpPr>
+        <p:spPr>
+          <a:xfrm rot="-5400000">
+            <a:off x="1043901" y="3139728"/>
+            <a:ext cx="202800" cy="175500"/>
+          </a:xfrm>
+          <a:prstGeom prst="triangle">
+            <a:avLst>
+              <a:gd name="adj" fmla="val 50000"/>
+            </a:avLst>
+          </a:prstGeom>
+          <a:solidFill>
+            <a:srgbClr val="7030A0"/>
+          </a:solidFill>
+          <a:ln w="19050" cap="flat" cmpd="sng">
             <a:solidFill>
               <a:srgbClr val="7030A0"/>
             </a:solidFill>
-            <a:headEnd type="none" w="med" len="med"/>
-            <a:tailEnd type="arrow" w="med" len="med"/>
+            <a:prstDash val="solid"/>
+            <a:round/>
+            <a:headEnd type="none" w="sm" len="sm"/>
+            <a:tailEnd type="none" w="sm" len="sm"/>
           </a:ln>
-          <a:effectLst/>
-        </p:spPr>
-        <p:style>
-          <a:lnRef idx="1">
-            <a:schemeClr val="accent2"/>
-          </a:lnRef>
-          <a:fillRef idx="2">
-            <a:schemeClr val="accent2"/>
-          </a:fillRef>
-          <a:effectRef idx="1">
-            <a:schemeClr val="accent2"/>
-          </a:effectRef>
-          <a:fontRef idx="minor">
-            <a:schemeClr val="dk1"/>
-          </a:fontRef>
-        </p:style>
+        </p:spPr>
+        <p:txBody>
+          <a:bodyPr spcFirstLastPara="1" wrap="square" lIns="91425" tIns="45700" rIns="91425" bIns="45700" anchor="ctr" anchorCtr="0">
+            <a:noAutofit/>
+          </a:bodyPr>
+          <a:lstStyle/>
+          <a:p>
+            <a:pPr marL="0" marR="0" lvl="0" indent="0" algn="ctr" rtl="0">
+              <a:spcBef>
+                <a:spcPts val="0"/>
+              </a:spcBef>
+              <a:spcAft>
+                <a:spcPts val="0"/>
+              </a:spcAft>
+              <a:buNone/>
+            </a:pPr>
+            <a:endParaRPr sz="1050">
+              <a:solidFill>
+                <a:srgbClr val="000000"/>
+              </a:solidFill>
+              <a:latin typeface="Calibri"/>
+              <a:ea typeface="Calibri"/>
+              <a:cs typeface="Calibri"/>
+              <a:sym typeface="Calibri"/>
+            </a:endParaRPr>
+          </a:p>
+        </p:txBody>
+      </p:sp>
+      <p:cxnSp>
+        <p:nvCxnSpPr>
+          <p:cNvPr id="254" name="Google Shape;374;p30"/>
+          <p:cNvCxnSpPr/>
+          <p:nvPr/>
+        </p:nvCxnSpPr>
+        <p:spPr>
+          <a:xfrm>
+            <a:off x="1992978" y="3674865"/>
+            <a:ext cx="215400" cy="0"/>
+          </a:xfrm>
+          <a:prstGeom prst="straightConnector1">
+            <a:avLst/>
+          </a:prstGeom>
+          <a:gradFill>
+            <a:gsLst>
+              <a:gs pos="0">
+                <a:srgbClr val="FFA09D"/>
+              </a:gs>
+              <a:gs pos="35000">
+                <a:srgbClr val="FFBCBC"/>
+              </a:gs>
+              <a:gs pos="100000">
+                <a:srgbClr val="FFE2E2"/>
+              </a:gs>
+            </a:gsLst>
+            <a:lin ang="16200038" scaled="0"/>
+          </a:gradFill>
+          <a:ln w="19050" cap="flat" cmpd="sng">
+            <a:solidFill>
+              <a:srgbClr val="7030A0"/>
+            </a:solidFill>
+            <a:prstDash val="solid"/>
+            <a:round/>
+            <a:headEnd type="none" w="sm" len="sm"/>
+            <a:tailEnd type="stealth" w="med" len="med"/>
+          </a:ln>
+        </p:spPr>
       </p:cxnSp>
       <p:cxnSp>
         <p:nvCxnSpPr>
-          <p:cNvPr id="75" name="Elbow Connector 122"/>
+          <p:cNvPr id="255" name="Google Shape;376;p30"/>
           <p:cNvCxnSpPr/>
           <p:nvPr/>
         </p:nvCxnSpPr>
         <p:spPr>
           <a:xfrm>
-            <a:off x="910091" y="3040053"/>
-            <a:ext cx="419548" cy="2860"/>
+            <a:off x="293241" y="3227440"/>
+            <a:ext cx="419400" cy="2400"/>
+          </a:xfrm>
+          <a:prstGeom prst="bentConnector3">
+            <a:avLst>
+              <a:gd name="adj1" fmla="val 50018"/>
+            </a:avLst>
+          </a:prstGeom>
+          <a:gradFill>
+            <a:gsLst>
+              <a:gs pos="0">
+                <a:srgbClr val="FFA09D"/>
+              </a:gs>
+              <a:gs pos="35000">
+                <a:srgbClr val="FFBCBC"/>
+              </a:gs>
+              <a:gs pos="100000">
+                <a:srgbClr val="FFE2E2"/>
+              </a:gs>
+            </a:gsLst>
+            <a:lin ang="16200038" scaled="0"/>
+          </a:gradFill>
+          <a:ln w="19050" cap="flat" cmpd="sng">
+            <a:solidFill>
+              <a:srgbClr val="BFBFBF"/>
+            </a:solidFill>
+            <a:prstDash val="dot"/>
+            <a:round/>
+            <a:headEnd type="none" w="sm" len="sm"/>
+            <a:tailEnd type="stealth" w="med" len="med"/>
+          </a:ln>
+        </p:spPr>
+      </p:cxnSp>
+      <p:cxnSp>
+        <p:nvCxnSpPr>
+          <p:cNvPr id="256" name="Google Shape;377;p30"/>
+          <p:cNvCxnSpPr/>
+          <p:nvPr/>
+        </p:nvCxnSpPr>
+        <p:spPr>
+          <a:xfrm>
+            <a:off x="1233051" y="3227478"/>
+            <a:ext cx="216000" cy="0"/>
+          </a:xfrm>
+          <a:prstGeom prst="straightConnector1">
+            <a:avLst/>
+          </a:prstGeom>
+          <a:gradFill>
+            <a:gsLst>
+              <a:gs pos="0">
+                <a:srgbClr val="FFA09D"/>
+              </a:gs>
+              <a:gs pos="35000">
+                <a:srgbClr val="FFBCBC"/>
+              </a:gs>
+              <a:gs pos="100000">
+                <a:srgbClr val="FFE2E2"/>
+              </a:gs>
+            </a:gsLst>
+            <a:lin ang="16200038" scaled="0"/>
+          </a:gradFill>
+          <a:ln w="19050" cap="flat" cmpd="sng">
+            <a:solidFill>
+              <a:srgbClr val="7030A0"/>
+            </a:solidFill>
+            <a:prstDash val="dot"/>
+            <a:round/>
+            <a:headEnd type="none" w="sm" len="sm"/>
+            <a:tailEnd type="none" w="sm" len="sm"/>
+          </a:ln>
+        </p:spPr>
+      </p:cxnSp>
+      <p:sp>
+        <p:nvSpPr>
+          <p:cNvPr id="257" name="Google Shape;375;p30"/>
+          <p:cNvSpPr/>
+          <p:nvPr/>
+        </p:nvSpPr>
+        <p:spPr>
+          <a:xfrm>
+            <a:off x="1756930" y="3609848"/>
+            <a:ext cx="236048" cy="130035"/>
+          </a:xfrm>
+          <a:prstGeom prst="flowChartDecision">
+            <a:avLst/>
+          </a:prstGeom>
+          <a:noFill/>
+          <a:ln w="19050" cap="flat" cmpd="sng">
+            <a:solidFill>
+              <a:srgbClr val="7030A0"/>
+            </a:solidFill>
+            <a:prstDash val="solid"/>
+            <a:round/>
+            <a:headEnd type="none" w="sm" len="sm"/>
+            <a:tailEnd type="none" w="sm" len="sm"/>
+          </a:ln>
+        </p:spPr>
+        <p:txBody>
+          <a:bodyPr spcFirstLastPara="1" wrap="square" lIns="91425" tIns="45700" rIns="91425" bIns="45700" anchor="ctr" anchorCtr="0">
+            <a:noAutofit/>
+          </a:bodyPr>
+          <a:lstStyle/>
+          <a:p>
+            <a:pPr marL="0" marR="0" lvl="0" indent="0" algn="ctr" rtl="0">
+              <a:spcBef>
+                <a:spcPts val="0"/>
+              </a:spcBef>
+              <a:spcAft>
+                <a:spcPts val="0"/>
+              </a:spcAft>
+              <a:buNone/>
+            </a:pPr>
+            <a:endParaRPr sz="1050">
+              <a:solidFill>
+                <a:srgbClr val="000000"/>
+              </a:solidFill>
+              <a:latin typeface="Calibri"/>
+              <a:ea typeface="Calibri"/>
+              <a:cs typeface="Calibri"/>
+              <a:sym typeface="Calibri"/>
+            </a:endParaRPr>
+          </a:p>
+        </p:txBody>
+      </p:sp>
+      <p:sp>
+        <p:nvSpPr>
+          <p:cNvPr id="258" name="Google Shape;378;p30"/>
+          <p:cNvSpPr/>
+          <p:nvPr/>
+        </p:nvSpPr>
+        <p:spPr>
+          <a:xfrm>
+            <a:off x="2172043" y="2854309"/>
+            <a:ext cx="1490700" cy="251100"/>
+          </a:xfrm>
+          <a:prstGeom prst="rect">
+            <a:avLst/>
+          </a:prstGeom>
+          <a:gradFill>
+            <a:gsLst>
+              <a:gs pos="0">
+                <a:srgbClr val="C8B2E9"/>
+              </a:gs>
+              <a:gs pos="35000">
+                <a:srgbClr val="D6CAED"/>
+              </a:gs>
+              <a:gs pos="100000">
+                <a:srgbClr val="EFE8FA"/>
+              </a:gs>
+            </a:gsLst>
+            <a:lin ang="16200038" scaled="0"/>
+          </a:gradFill>
+          <a:ln w="19050" cap="flat" cmpd="sng">
+            <a:solidFill>
+              <a:srgbClr val="7030A0"/>
+            </a:solidFill>
+            <a:prstDash val="solid"/>
+            <a:round/>
+            <a:headEnd type="none" w="sm" len="sm"/>
+            <a:tailEnd type="none" w="sm" len="sm"/>
+          </a:ln>
+        </p:spPr>
+        <p:txBody>
+          <a:bodyPr spcFirstLastPara="1" wrap="square" lIns="91425" tIns="45700" rIns="91425" bIns="45700" anchor="ctr" anchorCtr="0">
+            <a:noAutofit/>
+          </a:bodyPr>
+          <a:lstStyle/>
+          <a:p>
+            <a:pPr marL="0" marR="0" lvl="0" indent="0" algn="ctr" rtl="0">
+              <a:spcBef>
+                <a:spcPts val="0"/>
+              </a:spcBef>
+              <a:spcAft>
+                <a:spcPts val="0"/>
+              </a:spcAft>
+              <a:buNone/>
+            </a:pPr>
+            <a:r>
+              <a:rPr lang="en" sz="1050">
+                <a:solidFill>
+                  <a:srgbClr val="7030A0"/>
+                </a:solidFill>
+                <a:latin typeface="Calibri"/>
+                <a:ea typeface="Calibri"/>
+                <a:cs typeface="Calibri"/>
+                <a:sym typeface="Calibri"/>
+              </a:rPr>
+              <a:t>VersionedUltiStudent</a:t>
+            </a:r>
+            <a:endParaRPr sz="1050">
+              <a:solidFill>
+                <a:srgbClr val="7030A0"/>
+              </a:solidFill>
+              <a:latin typeface="Calibri"/>
+              <a:ea typeface="Calibri"/>
+              <a:cs typeface="Calibri"/>
+              <a:sym typeface="Calibri"/>
+            </a:endParaRPr>
+          </a:p>
+        </p:txBody>
+      </p:sp>
+      <p:cxnSp>
+        <p:nvCxnSpPr>
+          <p:cNvPr id="259" name="Google Shape;379;p30"/>
+          <p:cNvCxnSpPr/>
+          <p:nvPr/>
+        </p:nvCxnSpPr>
+        <p:spPr>
+          <a:xfrm>
+            <a:off x="2007510" y="2971075"/>
+            <a:ext cx="164400" cy="8700"/>
+          </a:xfrm>
+          <a:prstGeom prst="straightConnector1">
+            <a:avLst/>
+          </a:prstGeom>
+          <a:gradFill>
+            <a:gsLst>
+              <a:gs pos="0">
+                <a:srgbClr val="FFA09D"/>
+              </a:gs>
+              <a:gs pos="35000">
+                <a:srgbClr val="FFBCBC"/>
+              </a:gs>
+              <a:gs pos="100000">
+                <a:srgbClr val="FFE2E2"/>
+              </a:gs>
+            </a:gsLst>
+            <a:lin ang="16200038" scaled="0"/>
+          </a:gradFill>
+          <a:ln w="19050" cap="flat" cmpd="sng">
+            <a:solidFill>
+              <a:srgbClr val="7030A0"/>
+            </a:solidFill>
+            <a:prstDash val="solid"/>
+            <a:round/>
+            <a:headEnd type="none" w="sm" len="sm"/>
+            <a:tailEnd type="stealth" w="med" len="med"/>
+          </a:ln>
+        </p:spPr>
+      </p:cxnSp>
+      <p:sp>
+        <p:nvSpPr>
+          <p:cNvPr id="260" name="Google Shape;380;p30"/>
+          <p:cNvSpPr/>
+          <p:nvPr/>
+        </p:nvSpPr>
+        <p:spPr>
+          <a:xfrm>
+            <a:off x="1771462" y="2906057"/>
+            <a:ext cx="236048" cy="130035"/>
+          </a:xfrm>
+          <a:prstGeom prst="flowChartDecision">
+            <a:avLst/>
+          </a:prstGeom>
+          <a:noFill/>
+          <a:ln w="19050" cap="flat" cmpd="sng">
+            <a:solidFill>
+              <a:srgbClr val="7030A0"/>
+            </a:solidFill>
+            <a:prstDash val="solid"/>
+            <a:round/>
+            <a:headEnd type="none" w="sm" len="sm"/>
+            <a:tailEnd type="none" w="sm" len="sm"/>
+          </a:ln>
+        </p:spPr>
+        <p:txBody>
+          <a:bodyPr spcFirstLastPara="1" wrap="square" lIns="91425" tIns="45700" rIns="91425" bIns="45700" anchor="ctr" anchorCtr="0">
+            <a:noAutofit/>
+          </a:bodyPr>
+          <a:lstStyle/>
+          <a:p>
+            <a:pPr marL="0" marR="0" lvl="0" indent="0" algn="ctr" rtl="0">
+              <a:spcBef>
+                <a:spcPts val="0"/>
+              </a:spcBef>
+              <a:spcAft>
+                <a:spcPts val="0"/>
+              </a:spcAft>
+              <a:buNone/>
+            </a:pPr>
+            <a:endParaRPr sz="1050">
+              <a:solidFill>
+                <a:srgbClr val="000000"/>
+              </a:solidFill>
+              <a:latin typeface="Calibri"/>
+              <a:ea typeface="Calibri"/>
+              <a:cs typeface="Calibri"/>
+              <a:sym typeface="Calibri"/>
+            </a:endParaRPr>
+          </a:p>
+        </p:txBody>
+      </p:sp>
+      <p:sp>
+        <p:nvSpPr>
+          <p:cNvPr id="261" name="Google Shape;381;p30"/>
+          <p:cNvSpPr/>
+          <p:nvPr/>
+        </p:nvSpPr>
+        <p:spPr>
+          <a:xfrm>
+            <a:off x="4075800" y="3082025"/>
+            <a:ext cx="1443600" cy="260100"/>
+          </a:xfrm>
+          <a:prstGeom prst="rect">
+            <a:avLst/>
+          </a:prstGeom>
+          <a:gradFill>
+            <a:gsLst>
+              <a:gs pos="0">
+                <a:srgbClr val="C8B2E9"/>
+              </a:gs>
+              <a:gs pos="35000">
+                <a:srgbClr val="D6CAED"/>
+              </a:gs>
+              <a:gs pos="100000">
+                <a:srgbClr val="EFE8FA"/>
+              </a:gs>
+            </a:gsLst>
+            <a:lin ang="16200038" scaled="0"/>
+          </a:gradFill>
+          <a:ln w="19050" cap="flat" cmpd="sng">
+            <a:solidFill>
+              <a:srgbClr val="7030A0"/>
+            </a:solidFill>
+            <a:prstDash val="solid"/>
+            <a:round/>
+            <a:headEnd type="none" w="sm" len="sm"/>
+            <a:tailEnd type="none" w="sm" len="sm"/>
+          </a:ln>
+        </p:spPr>
+        <p:txBody>
+          <a:bodyPr spcFirstLastPara="1" wrap="square" lIns="91425" tIns="45700" rIns="91425" bIns="45700" anchor="ctr" anchorCtr="0">
+            <a:noAutofit/>
+          </a:bodyPr>
+          <a:lstStyle/>
+          <a:p>
+            <a:pPr marL="0" marR="0" lvl="0" indent="0" algn="ctr" rtl="0">
+              <a:spcBef>
+                <a:spcPts val="0"/>
+              </a:spcBef>
+              <a:spcAft>
+                <a:spcPts val="0"/>
+              </a:spcAft>
+              <a:buNone/>
+            </a:pPr>
+            <a:r>
+              <a:rPr lang="en" sz="1050">
+                <a:solidFill>
+                  <a:srgbClr val="7030A0"/>
+                </a:solidFill>
+                <a:latin typeface="Calibri"/>
+                <a:ea typeface="Calibri"/>
+                <a:cs typeface="Calibri"/>
+                <a:sym typeface="Calibri"/>
+              </a:rPr>
+              <a:t>UniqueCapEntryList</a:t>
+            </a:r>
+            <a:endParaRPr sz="1050">
+              <a:solidFill>
+                <a:srgbClr val="7030A0"/>
+              </a:solidFill>
+              <a:latin typeface="Calibri"/>
+              <a:ea typeface="Calibri"/>
+              <a:cs typeface="Calibri"/>
+              <a:sym typeface="Calibri"/>
+            </a:endParaRPr>
+          </a:p>
+        </p:txBody>
+      </p:sp>
+      <p:sp>
+        <p:nvSpPr>
+          <p:cNvPr id="262" name="Google Shape;382;p30"/>
+          <p:cNvSpPr/>
+          <p:nvPr/>
+        </p:nvSpPr>
+        <p:spPr>
+          <a:xfrm>
+            <a:off x="3662747" y="2910412"/>
+            <a:ext cx="236048" cy="130035"/>
+          </a:xfrm>
+          <a:prstGeom prst="flowChartDecision">
+            <a:avLst/>
+          </a:prstGeom>
+          <a:solidFill>
+            <a:srgbClr val="7030A0"/>
+          </a:solidFill>
+          <a:ln w="19050" cap="flat" cmpd="sng">
+            <a:solidFill>
+              <a:srgbClr val="7030A0"/>
+            </a:solidFill>
+            <a:prstDash val="solid"/>
+            <a:round/>
+            <a:headEnd type="none" w="sm" len="sm"/>
+            <a:tailEnd type="none" w="sm" len="sm"/>
+          </a:ln>
+        </p:spPr>
+        <p:txBody>
+          <a:bodyPr spcFirstLastPara="1" wrap="square" lIns="91425" tIns="45700" rIns="91425" bIns="45700" anchor="ctr" anchorCtr="0">
+            <a:noAutofit/>
+          </a:bodyPr>
+          <a:lstStyle/>
+          <a:p>
+            <a:pPr marL="0" marR="0" lvl="0" indent="0" algn="ctr" rtl="0">
+              <a:spcBef>
+                <a:spcPts val="0"/>
+              </a:spcBef>
+              <a:spcAft>
+                <a:spcPts val="0"/>
+              </a:spcAft>
+              <a:buNone/>
+            </a:pPr>
+            <a:endParaRPr sz="1050">
+              <a:solidFill>
+                <a:srgbClr val="000000"/>
+              </a:solidFill>
+              <a:latin typeface="Calibri"/>
+              <a:ea typeface="Calibri"/>
+              <a:cs typeface="Calibri"/>
+              <a:sym typeface="Calibri"/>
+            </a:endParaRPr>
+          </a:p>
+        </p:txBody>
+      </p:sp>
+      <p:sp>
+        <p:nvSpPr>
+          <p:cNvPr id="263" name="Google Shape;371;p30"/>
+          <p:cNvSpPr/>
+          <p:nvPr/>
+        </p:nvSpPr>
+        <p:spPr>
+          <a:xfrm>
+            <a:off x="5969825" y="3090950"/>
+            <a:ext cx="826500" cy="260100"/>
+          </a:xfrm>
+          <a:prstGeom prst="rect">
+            <a:avLst/>
+          </a:prstGeom>
+          <a:gradFill>
+            <a:gsLst>
+              <a:gs pos="0">
+                <a:srgbClr val="C8B2E9"/>
+              </a:gs>
+              <a:gs pos="35000">
+                <a:srgbClr val="D6CAED"/>
+              </a:gs>
+              <a:gs pos="100000">
+                <a:srgbClr val="EFE8FA"/>
+              </a:gs>
+            </a:gsLst>
+            <a:lin ang="16200038" scaled="0"/>
+          </a:gradFill>
+          <a:ln w="19050" cap="flat" cmpd="sng">
+            <a:solidFill>
+              <a:srgbClr val="7030A0"/>
+            </a:solidFill>
+            <a:prstDash val="solid"/>
+            <a:round/>
+            <a:headEnd type="none" w="sm" len="sm"/>
+            <a:tailEnd type="none" w="sm" len="sm"/>
+          </a:ln>
+        </p:spPr>
+        <p:txBody>
+          <a:bodyPr spcFirstLastPara="1" wrap="square" lIns="91425" tIns="45700" rIns="91425" bIns="45700" anchor="ctr" anchorCtr="0">
+            <a:noAutofit/>
+          </a:bodyPr>
+          <a:lstStyle/>
+          <a:p>
+            <a:pPr marL="0" marR="0" lvl="0" indent="0" algn="ctr" rtl="0">
+              <a:spcBef>
+                <a:spcPts val="0"/>
+              </a:spcBef>
+              <a:spcAft>
+                <a:spcPts val="0"/>
+              </a:spcAft>
+              <a:buNone/>
+            </a:pPr>
+            <a:r>
+              <a:rPr lang="en" sz="1050">
+                <a:solidFill>
+                  <a:srgbClr val="7030A0"/>
+                </a:solidFill>
+                <a:latin typeface="Calibri"/>
+                <a:ea typeface="Calibri"/>
+                <a:cs typeface="Calibri"/>
+                <a:sym typeface="Calibri"/>
+              </a:rPr>
+              <a:t>CapEntry</a:t>
+            </a:r>
+            <a:endParaRPr sz="1050">
+              <a:solidFill>
+                <a:srgbClr val="7030A0"/>
+              </a:solidFill>
+              <a:latin typeface="Calibri"/>
+              <a:ea typeface="Calibri"/>
+              <a:cs typeface="Calibri"/>
+              <a:sym typeface="Calibri"/>
+            </a:endParaRPr>
+          </a:p>
+        </p:txBody>
+      </p:sp>
+      <p:sp>
+        <p:nvSpPr>
+          <p:cNvPr id="264" name="Google Shape;383;p30"/>
+          <p:cNvSpPr/>
+          <p:nvPr/>
+        </p:nvSpPr>
+        <p:spPr>
+          <a:xfrm>
+            <a:off x="5547476" y="3153657"/>
+            <a:ext cx="236048" cy="130035"/>
+          </a:xfrm>
+          <a:prstGeom prst="flowChartDecision">
+            <a:avLst/>
+          </a:prstGeom>
+          <a:noFill/>
+          <a:ln w="19050" cap="flat" cmpd="sng">
+            <a:solidFill>
+              <a:srgbClr val="7030A0"/>
+            </a:solidFill>
+            <a:prstDash val="solid"/>
+            <a:round/>
+            <a:headEnd type="none" w="sm" len="sm"/>
+            <a:tailEnd type="none" w="sm" len="sm"/>
+          </a:ln>
+        </p:spPr>
+        <p:txBody>
+          <a:bodyPr spcFirstLastPara="1" wrap="square" lIns="91425" tIns="45700" rIns="91425" bIns="45700" anchor="ctr" anchorCtr="0">
+            <a:noAutofit/>
+          </a:bodyPr>
+          <a:lstStyle/>
+          <a:p>
+            <a:pPr marL="0" marR="0" lvl="0" indent="0" algn="ctr" rtl="0">
+              <a:spcBef>
+                <a:spcPts val="0"/>
+              </a:spcBef>
+              <a:spcAft>
+                <a:spcPts val="0"/>
+              </a:spcAft>
+              <a:buNone/>
+            </a:pPr>
+            <a:endParaRPr sz="1050">
+              <a:solidFill>
+                <a:srgbClr val="000000"/>
+              </a:solidFill>
+              <a:latin typeface="Calibri"/>
+              <a:ea typeface="Calibri"/>
+              <a:cs typeface="Calibri"/>
+              <a:sym typeface="Calibri"/>
+            </a:endParaRPr>
+          </a:p>
+        </p:txBody>
+      </p:sp>
+      <p:cxnSp>
+        <p:nvCxnSpPr>
+          <p:cNvPr id="265" name="Google Shape;384;p30"/>
+          <p:cNvCxnSpPr/>
+          <p:nvPr/>
+        </p:nvCxnSpPr>
+        <p:spPr>
+          <a:xfrm>
+            <a:off x="5783524" y="3218674"/>
+            <a:ext cx="186300" cy="2400"/>
           </a:xfrm>
           <a:prstGeom prst="bentConnector3">
             <a:avLst>
               <a:gd name="adj1" fmla="val 50000"/>
             </a:avLst>
           </a:prstGeom>
-          <a:ln w="19050">
+          <a:gradFill>
+            <a:gsLst>
+              <a:gs pos="0">
+                <a:srgbClr val="FFA09D"/>
+              </a:gs>
+              <a:gs pos="35000">
+                <a:srgbClr val="FFBCBC"/>
+              </a:gs>
+              <a:gs pos="100000">
+                <a:srgbClr val="FFE2E2"/>
+              </a:gs>
+            </a:gsLst>
+            <a:lin ang="16200038" scaled="0"/>
+          </a:gradFill>
+          <a:ln w="19050" cap="flat" cmpd="sng">
             <a:solidFill>
-              <a:schemeClr val="bg1">
-                <a:lumMod val="75000"/>
-              </a:schemeClr>
+              <a:srgbClr val="7030A0"/>
             </a:solidFill>
-            <a:prstDash val="sysDot"/>
-            <a:headEnd type="none" w="med" len="med"/>
-            <a:tailEnd type="arrow" w="med" len="med"/>
+            <a:prstDash val="solid"/>
+            <a:round/>
+            <a:headEnd type="none" w="sm" len="sm"/>
+            <a:tailEnd type="stealth" w="med" len="med"/>
           </a:ln>
-          <a:effectLst/>
-        </p:spPr>
-        <p:style>
-          <a:lnRef idx="1">
-            <a:schemeClr val="accent2"/>
-          </a:lnRef>
-          <a:fillRef idx="2">
-            <a:schemeClr val="accent2"/>
-          </a:fillRef>
-          <a:effectRef idx="1">
-            <a:schemeClr val="accent2"/>
-          </a:effectRef>
-          <a:fontRef idx="minor">
-            <a:schemeClr val="dk1"/>
-          </a:fontRef>
-        </p:style>
+        </p:spPr>
+      </p:cxnSp>
+      <p:sp>
+        <p:nvSpPr>
+          <p:cNvPr id="266" name="Google Shape;385;p30"/>
+          <p:cNvSpPr/>
+          <p:nvPr/>
+        </p:nvSpPr>
+        <p:spPr>
+          <a:xfrm>
+            <a:off x="6806097" y="3158551"/>
+            <a:ext cx="236048" cy="130035"/>
+          </a:xfrm>
+          <a:prstGeom prst="flowChartDecision">
+            <a:avLst/>
+          </a:prstGeom>
+          <a:solidFill>
+            <a:srgbClr val="7030A0"/>
+          </a:solidFill>
+          <a:ln w="19050" cap="flat" cmpd="sng">
+            <a:solidFill>
+              <a:srgbClr val="7030A0"/>
+            </a:solidFill>
+            <a:prstDash val="solid"/>
+            <a:round/>
+            <a:headEnd type="none" w="sm" len="sm"/>
+            <a:tailEnd type="none" w="sm" len="sm"/>
+          </a:ln>
+        </p:spPr>
+        <p:txBody>
+          <a:bodyPr spcFirstLastPara="1" wrap="square" lIns="91425" tIns="45700" rIns="91425" bIns="45700" anchor="ctr" anchorCtr="0">
+            <a:noAutofit/>
+          </a:bodyPr>
+          <a:lstStyle/>
+          <a:p>
+            <a:pPr marL="0" marR="0" lvl="0" indent="0" algn="ctr" rtl="0">
+              <a:spcBef>
+                <a:spcPts val="0"/>
+              </a:spcBef>
+              <a:spcAft>
+                <a:spcPts val="0"/>
+              </a:spcAft>
+              <a:buNone/>
+            </a:pPr>
+            <a:endParaRPr sz="1050">
+              <a:solidFill>
+                <a:srgbClr val="000000"/>
+              </a:solidFill>
+              <a:latin typeface="Calibri"/>
+              <a:ea typeface="Calibri"/>
+              <a:cs typeface="Calibri"/>
+              <a:sym typeface="Calibri"/>
+            </a:endParaRPr>
+          </a:p>
+        </p:txBody>
+      </p:sp>
+      <p:cxnSp>
+        <p:nvCxnSpPr>
+          <p:cNvPr id="267" name="Google Shape;386;p30"/>
+          <p:cNvCxnSpPr/>
+          <p:nvPr/>
+        </p:nvCxnSpPr>
+        <p:spPr>
+          <a:xfrm>
+            <a:off x="7042145" y="3223568"/>
+            <a:ext cx="471900" cy="420300"/>
+          </a:xfrm>
+          <a:prstGeom prst="bentConnector3">
+            <a:avLst>
+              <a:gd name="adj1" fmla="val 50011"/>
+            </a:avLst>
+          </a:prstGeom>
+          <a:gradFill>
+            <a:gsLst>
+              <a:gs pos="0">
+                <a:srgbClr val="FFA09D"/>
+              </a:gs>
+              <a:gs pos="35000">
+                <a:srgbClr val="FFBCBC"/>
+              </a:gs>
+              <a:gs pos="100000">
+                <a:srgbClr val="FFE2E2"/>
+              </a:gs>
+            </a:gsLst>
+            <a:lin ang="16200038" scaled="0"/>
+          </a:gradFill>
+          <a:ln w="19050" cap="flat" cmpd="sng">
+            <a:solidFill>
+              <a:srgbClr val="7030A0"/>
+            </a:solidFill>
+            <a:prstDash val="solid"/>
+            <a:round/>
+            <a:headEnd type="none" w="sm" len="sm"/>
+            <a:tailEnd type="stealth" w="med" len="med"/>
+          </a:ln>
+        </p:spPr>
       </p:cxnSp>
       <p:cxnSp>
         <p:nvCxnSpPr>
-          <p:cNvPr id="21" name="Straight Connector 20"/>
-          <p:cNvCxnSpPr>
-            <a:stCxn id="120" idx="3"/>
-          </p:cNvCxnSpPr>
+          <p:cNvPr id="268" name="Google Shape;388;p30"/>
+          <p:cNvCxnSpPr/>
           <p:nvPr/>
         </p:nvCxnSpPr>
         <p:spPr>
-          <a:xfrm flipV="1">
-            <a:off x="1849924" y="3040052"/>
-            <a:ext cx="216105" cy="1"/>
-          </a:xfrm>
-          <a:prstGeom prst="line">
-            <a:avLst/>
-          </a:prstGeom>
-          <a:ln w="19050">
+          <a:xfrm>
+            <a:off x="7042145" y="3223568"/>
+            <a:ext cx="484800" cy="690900"/>
+          </a:xfrm>
+          <a:prstGeom prst="bentConnector3">
+            <a:avLst>
+              <a:gd name="adj1" fmla="val 50003"/>
+            </a:avLst>
+          </a:prstGeom>
+          <a:gradFill>
+            <a:gsLst>
+              <a:gs pos="0">
+                <a:srgbClr val="FFA09D"/>
+              </a:gs>
+              <a:gs pos="35000">
+                <a:srgbClr val="FFBCBC"/>
+              </a:gs>
+              <a:gs pos="100000">
+                <a:srgbClr val="FFE2E2"/>
+              </a:gs>
+            </a:gsLst>
+            <a:lin ang="16200038" scaled="0"/>
+          </a:gradFill>
+          <a:ln w="19050" cap="flat" cmpd="sng">
             <a:solidFill>
               <a:srgbClr val="7030A0"/>
             </a:solidFill>
-            <a:prstDash val="sysDot"/>
-            <a:headEnd type="none" w="med" len="med"/>
-            <a:tailEnd type="none" w="med" len="med"/>
+            <a:prstDash val="solid"/>
+            <a:round/>
+            <a:headEnd type="none" w="sm" len="sm"/>
+            <a:tailEnd type="stealth" w="med" len="med"/>
           </a:ln>
-          <a:effectLst/>
-        </p:spPr>
-        <p:style>
-          <a:lnRef idx="1">
-            <a:schemeClr val="accent2"/>
-          </a:lnRef>
-          <a:fillRef idx="2">
-            <a:schemeClr val="accent2"/>
-          </a:fillRef>
-          <a:effectRef idx="1">
-            <a:schemeClr val="accent2"/>
-          </a:effectRef>
-          <a:fontRef idx="minor">
-            <a:schemeClr val="dk1"/>
-          </a:fontRef>
-        </p:style>
+        </p:spPr>
       </p:cxnSp>
-      <p:sp>
-        <p:nvSpPr>
-          <p:cNvPr id="42" name="Flowchart: Decision 96"/>
-          <p:cNvSpPr/>
+      <p:cxnSp>
+        <p:nvCxnSpPr>
+          <p:cNvPr id="269" name="Google Shape;390;p30"/>
+          <p:cNvCxnSpPr/>
           <p:nvPr/>
-        </p:nvSpPr>
-        <p:spPr>
-          <a:xfrm>
-            <a:off x="2373780" y="3549930"/>
-            <a:ext cx="236048" cy="173380"/>
-          </a:xfrm>
-          <a:prstGeom prst="flowChartDecision">
-            <a:avLst/>
-          </a:prstGeom>
-          <a:noFill/>
-          <a:ln w="19050">
+        </p:nvCxnSpPr>
+        <p:spPr>
+          <a:xfrm>
+            <a:off x="7042145" y="3223568"/>
+            <a:ext cx="484800" cy="961500"/>
+          </a:xfrm>
+          <a:prstGeom prst="bentConnector3">
+            <a:avLst>
+              <a:gd name="adj1" fmla="val 50003"/>
+            </a:avLst>
+          </a:prstGeom>
+          <a:gradFill>
+            <a:gsLst>
+              <a:gs pos="0">
+                <a:srgbClr val="FFA09D"/>
+              </a:gs>
+              <a:gs pos="35000">
+                <a:srgbClr val="FFBCBC"/>
+              </a:gs>
+              <a:gs pos="100000">
+                <a:srgbClr val="FFE2E2"/>
+              </a:gs>
+            </a:gsLst>
+            <a:lin ang="16200038" scaled="0"/>
+          </a:gradFill>
+          <a:ln w="19050" cap="flat" cmpd="sng">
             <a:solidFill>
               <a:srgbClr val="7030A0"/>
             </a:solidFill>
+            <a:prstDash val="solid"/>
+            <a:round/>
+            <a:headEnd type="none" w="sm" len="sm"/>
+            <a:tailEnd type="stealth" w="med" len="med"/>
           </a:ln>
-          <a:effectLst/>
-        </p:spPr>
-        <p:style>
-          <a:lnRef idx="1">
-            <a:schemeClr val="accent6"/>
-          </a:lnRef>
-          <a:fillRef idx="2">
-            <a:schemeClr val="accent6"/>
-          </a:fillRef>
-          <a:effectRef idx="1">
-            <a:schemeClr val="accent6"/>
-          </a:effectRef>
-          <a:fontRef idx="minor">
-            <a:schemeClr val="dk1"/>
-          </a:fontRef>
-        </p:style>
-        <p:txBody>
-          <a:bodyPr rtlCol="0" anchor="ctr"/>
-          <a:lstStyle/>
-          <a:p>
-            <a:pPr algn="ctr"/>
-            <a:endParaRPr lang="en-US" sz="1050"/>
-          </a:p>
-        </p:txBody>
-      </p:sp>
-      <p:sp>
-        <p:nvSpPr>
-          <p:cNvPr id="46" name="Rectangle 8"/>
-          <p:cNvSpPr/>
-          <p:nvPr/>
-        </p:nvSpPr>
-        <p:spPr>
-          <a:xfrm>
-            <a:off x="2825280" y="2846162"/>
-            <a:ext cx="1490560" cy="334856"/>
-          </a:xfrm>
-          <a:prstGeom prst="rect">
-            <a:avLst/>
-          </a:prstGeom>
-          <a:ln w="19050">
-            <a:solidFill>
-              <a:srgbClr val="7030A0"/>
-            </a:solidFill>
-          </a:ln>
-          <a:effectLst/>
-        </p:spPr>
-        <p:style>
-          <a:lnRef idx="1">
-            <a:schemeClr val="accent4"/>
-          </a:lnRef>
-          <a:fillRef idx="2">
-            <a:schemeClr val="accent4"/>
-          </a:fillRef>
-          <a:effectRef idx="1">
-            <a:schemeClr val="accent4"/>
-          </a:effectRef>
-          <a:fontRef idx="minor">
-            <a:schemeClr val="dk1"/>
-          </a:fontRef>
-        </p:style>
-        <p:txBody>
-          <a:bodyPr rtlCol="0" anchor="ctr"/>
-          <a:lstStyle/>
-          <a:p>
-            <a:pPr algn="ctr"/>
-            <a:r>
-              <a:rPr lang="en-US" sz="1050" dirty="0" err="1">
-                <a:solidFill>
-                  <a:srgbClr val="7030A0"/>
-                </a:solidFill>
-              </a:rPr>
-              <a:t>VersionedAddressBook</a:t>
-            </a:r>
-            <a:endParaRPr lang="en-SG" sz="1050" dirty="0">
-              <a:solidFill>
-                <a:srgbClr val="7030A0"/>
-              </a:solidFill>
-            </a:endParaRPr>
-          </a:p>
-        </p:txBody>
-      </p:sp>
-      <p:cxnSp>
-        <p:nvCxnSpPr>
-          <p:cNvPr id="47" name="Straight Arrow Connector 46"/>
-          <p:cNvCxnSpPr>
-            <a:stCxn id="48" idx="3"/>
-            <a:endCxn id="46" idx="1"/>
-          </p:cNvCxnSpPr>
-          <p:nvPr/>
-        </p:nvCxnSpPr>
-        <p:spPr>
-          <a:xfrm>
-            <a:off x="2624360" y="3003033"/>
-            <a:ext cx="200920" cy="10557"/>
-          </a:xfrm>
-          <a:prstGeom prst="straightConnector1">
-            <a:avLst/>
-          </a:prstGeom>
-          <a:ln w="19050">
-            <a:solidFill>
-              <a:srgbClr val="7030A0"/>
-            </a:solidFill>
-            <a:headEnd type="none" w="med" len="med"/>
-            <a:tailEnd type="arrow" w="med" len="med"/>
-          </a:ln>
-          <a:effectLst/>
-        </p:spPr>
-        <p:style>
-          <a:lnRef idx="1">
-            <a:schemeClr val="accent2"/>
-          </a:lnRef>
-          <a:fillRef idx="2">
-            <a:schemeClr val="accent2"/>
-          </a:fillRef>
-          <a:effectRef idx="1">
-            <a:schemeClr val="accent2"/>
-          </a:effectRef>
-          <a:fontRef idx="minor">
-            <a:schemeClr val="dk1"/>
-          </a:fontRef>
-        </p:style>
-      </p:cxnSp>
-      <p:sp>
-        <p:nvSpPr>
-          <p:cNvPr id="48" name="Flowchart: Decision 96"/>
-          <p:cNvSpPr/>
-          <p:nvPr/>
-        </p:nvSpPr>
-        <p:spPr>
-          <a:xfrm>
-            <a:off x="2388312" y="2916343"/>
-            <a:ext cx="236048" cy="173380"/>
-          </a:xfrm>
-          <a:prstGeom prst="flowChartDecision">
-            <a:avLst/>
-          </a:prstGeom>
-          <a:noFill/>
-          <a:ln w="19050">
-            <a:solidFill>
-              <a:srgbClr val="7030A0"/>
-            </a:solidFill>
-          </a:ln>
-          <a:effectLst/>
-        </p:spPr>
-        <p:style>
-          <a:lnRef idx="1">
-            <a:schemeClr val="accent6"/>
-          </a:lnRef>
-          <a:fillRef idx="2">
-            <a:schemeClr val="accent6"/>
-          </a:fillRef>
-          <a:effectRef idx="1">
-            <a:schemeClr val="accent6"/>
-          </a:effectRef>
-          <a:fontRef idx="minor">
-            <a:schemeClr val="dk1"/>
-          </a:fontRef>
-        </p:style>
-        <p:txBody>
-          <a:bodyPr rtlCol="0" anchor="ctr"/>
-          <a:lstStyle/>
-          <a:p>
-            <a:pPr algn="ctr"/>
-            <a:endParaRPr lang="en-US" sz="1050"/>
-          </a:p>
-        </p:txBody>
-      </p:sp>
-      <p:sp>
-        <p:nvSpPr>
-          <p:cNvPr id="49" name="Rectangle 8"/>
-          <p:cNvSpPr/>
-          <p:nvPr/>
-        </p:nvSpPr>
-        <p:spPr>
-          <a:xfrm>
-            <a:off x="4692650" y="2846162"/>
-            <a:ext cx="1156969" cy="346760"/>
-          </a:xfrm>
-          <a:prstGeom prst="rect">
-            <a:avLst/>
-          </a:prstGeom>
-          <a:ln w="19050">
-            <a:solidFill>
-              <a:srgbClr val="7030A0"/>
-            </a:solidFill>
-          </a:ln>
-          <a:effectLst/>
-        </p:spPr>
-        <p:style>
-          <a:lnRef idx="1">
-            <a:schemeClr val="accent4"/>
-          </a:lnRef>
-          <a:fillRef idx="2">
-            <a:schemeClr val="accent4"/>
-          </a:fillRef>
-          <a:effectRef idx="1">
-            <a:schemeClr val="accent4"/>
-          </a:effectRef>
-          <a:fontRef idx="minor">
-            <a:schemeClr val="dk1"/>
-          </a:fontRef>
-        </p:style>
-        <p:txBody>
-          <a:bodyPr rtlCol="0" anchor="ctr"/>
-          <a:lstStyle/>
-          <a:p>
-            <a:pPr algn="ctr"/>
-            <a:r>
-              <a:rPr lang="en-US" sz="1050" dirty="0" err="1">
-                <a:solidFill>
-                  <a:srgbClr val="7030A0"/>
-                </a:solidFill>
-              </a:rPr>
-              <a:t>UniquePersonList</a:t>
-            </a:r>
-            <a:endParaRPr lang="en-SG" sz="1050" dirty="0">
-              <a:solidFill>
-                <a:srgbClr val="7030A0"/>
-              </a:solidFill>
-            </a:endParaRPr>
-          </a:p>
-        </p:txBody>
-      </p:sp>
-      <p:sp>
-        <p:nvSpPr>
-          <p:cNvPr id="51" name="Flowchart: Decision 96"/>
-          <p:cNvSpPr/>
-          <p:nvPr/>
-        </p:nvSpPr>
-        <p:spPr>
-          <a:xfrm>
-            <a:off x="4324972" y="2920532"/>
-            <a:ext cx="236048" cy="173380"/>
-          </a:xfrm>
-          <a:prstGeom prst="flowChartDecision">
-            <a:avLst/>
-          </a:prstGeom>
-          <a:solidFill>
-            <a:srgbClr val="7030A0"/>
-          </a:solidFill>
-          <a:ln w="19050">
-            <a:solidFill>
-              <a:srgbClr val="7030A0"/>
-            </a:solidFill>
-          </a:ln>
-          <a:effectLst/>
-        </p:spPr>
-        <p:style>
-          <a:lnRef idx="1">
-            <a:schemeClr val="accent6"/>
-          </a:lnRef>
-          <a:fillRef idx="2">
-            <a:schemeClr val="accent6"/>
-          </a:fillRef>
-          <a:effectRef idx="1">
-            <a:schemeClr val="accent6"/>
-          </a:effectRef>
-          <a:fontRef idx="minor">
-            <a:schemeClr val="dk1"/>
-          </a:fontRef>
-        </p:style>
-        <p:txBody>
-          <a:bodyPr rtlCol="0" anchor="ctr"/>
-          <a:lstStyle/>
-          <a:p>
-            <a:pPr algn="ctr"/>
-            <a:endParaRPr lang="en-US" sz="1050"/>
-          </a:p>
-        </p:txBody>
-      </p:sp>
-      <p:sp>
-        <p:nvSpPr>
-          <p:cNvPr id="62" name="Rectangle 8"/>
-          <p:cNvSpPr/>
-          <p:nvPr/>
-        </p:nvSpPr>
-        <p:spPr>
-          <a:xfrm>
-            <a:off x="6313677" y="2858066"/>
-            <a:ext cx="708186" cy="346760"/>
-          </a:xfrm>
-          <a:prstGeom prst="rect">
-            <a:avLst/>
-          </a:prstGeom>
-          <a:ln w="19050">
-            <a:solidFill>
-              <a:srgbClr val="7030A0"/>
-            </a:solidFill>
-          </a:ln>
-          <a:effectLst/>
-        </p:spPr>
-        <p:style>
-          <a:lnRef idx="1">
-            <a:schemeClr val="accent4"/>
-          </a:lnRef>
-          <a:fillRef idx="2">
-            <a:schemeClr val="accent4"/>
-          </a:fillRef>
-          <a:effectRef idx="1">
-            <a:schemeClr val="accent4"/>
-          </a:effectRef>
-          <a:fontRef idx="minor">
-            <a:schemeClr val="dk1"/>
-          </a:fontRef>
-        </p:style>
-        <p:txBody>
-          <a:bodyPr rtlCol="0" anchor="ctr"/>
-          <a:lstStyle/>
-          <a:p>
-            <a:pPr algn="ctr"/>
-            <a:r>
-              <a:rPr lang="en-US" sz="1050" dirty="0">
-                <a:solidFill>
-                  <a:srgbClr val="7030A0"/>
-                </a:solidFill>
-              </a:rPr>
-              <a:t>Person</a:t>
-            </a:r>
-            <a:endParaRPr lang="en-SG" sz="1050" dirty="0">
-              <a:solidFill>
-                <a:srgbClr val="7030A0"/>
-              </a:solidFill>
-            </a:endParaRPr>
-          </a:p>
-        </p:txBody>
-      </p:sp>
-      <p:sp>
-        <p:nvSpPr>
-          <p:cNvPr id="63" name="Flowchart: Decision 96"/>
-          <p:cNvSpPr/>
-          <p:nvPr/>
-        </p:nvSpPr>
-        <p:spPr>
-          <a:xfrm>
-            <a:off x="5858751" y="2941676"/>
-            <a:ext cx="236048" cy="173380"/>
-          </a:xfrm>
-          <a:prstGeom prst="flowChartDecision">
-            <a:avLst/>
-          </a:prstGeom>
-          <a:noFill/>
-          <a:ln w="19050">
-            <a:solidFill>
-              <a:srgbClr val="7030A0"/>
-            </a:solidFill>
-          </a:ln>
-          <a:effectLst/>
-        </p:spPr>
-        <p:style>
-          <a:lnRef idx="1">
-            <a:schemeClr val="accent6"/>
-          </a:lnRef>
-          <a:fillRef idx="2">
-            <a:schemeClr val="accent6"/>
-          </a:fillRef>
-          <a:effectRef idx="1">
-            <a:schemeClr val="accent6"/>
-          </a:effectRef>
-          <a:fontRef idx="minor">
-            <a:schemeClr val="dk1"/>
-          </a:fontRef>
-        </p:style>
-        <p:txBody>
-          <a:bodyPr rtlCol="0" anchor="ctr"/>
-          <a:lstStyle/>
-          <a:p>
-            <a:pPr algn="ctr"/>
-            <a:endParaRPr lang="en-US" sz="1050"/>
-          </a:p>
-        </p:txBody>
-      </p:sp>
-      <p:cxnSp>
-        <p:nvCxnSpPr>
-          <p:cNvPr id="64" name="Elbow Connector 63"/>
-          <p:cNvCxnSpPr>
-            <a:stCxn id="63" idx="3"/>
-            <a:endCxn id="62" idx="1"/>
-          </p:cNvCxnSpPr>
-          <p:nvPr/>
-        </p:nvCxnSpPr>
-        <p:spPr>
-          <a:xfrm>
-            <a:off x="6094799" y="3028366"/>
-            <a:ext cx="218878" cy="3080"/>
-          </a:xfrm>
-          <a:prstGeom prst="bentConnector3">
-            <a:avLst/>
-          </a:prstGeom>
-          <a:ln w="19050">
-            <a:solidFill>
-              <a:srgbClr val="7030A0"/>
-            </a:solidFill>
-            <a:headEnd type="none" w="med" len="med"/>
-            <a:tailEnd type="arrow" w="med" len="med"/>
-          </a:ln>
-          <a:effectLst/>
-        </p:spPr>
-        <p:style>
-          <a:lnRef idx="1">
-            <a:schemeClr val="accent2"/>
-          </a:lnRef>
-          <a:fillRef idx="2">
-            <a:schemeClr val="accent2"/>
-          </a:fillRef>
-          <a:effectRef idx="1">
-            <a:schemeClr val="accent2"/>
-          </a:effectRef>
-          <a:fontRef idx="minor">
-            <a:schemeClr val="dk1"/>
-          </a:fontRef>
-        </p:style>
-      </p:cxnSp>
-      <p:sp>
-        <p:nvSpPr>
-          <p:cNvPr id="76" name="Rectangle 8"/>
-          <p:cNvSpPr/>
-          <p:nvPr/>
-        </p:nvSpPr>
-        <p:spPr>
-          <a:xfrm>
-            <a:off x="7712397" y="2564238"/>
-            <a:ext cx="708186" cy="285783"/>
-          </a:xfrm>
-          <a:prstGeom prst="rect">
-            <a:avLst/>
-          </a:prstGeom>
-          <a:ln w="19050">
-            <a:solidFill>
-              <a:srgbClr val="7030A0"/>
-            </a:solidFill>
-          </a:ln>
-          <a:effectLst/>
-        </p:spPr>
-        <p:style>
-          <a:lnRef idx="1">
-            <a:schemeClr val="accent4"/>
-          </a:lnRef>
-          <a:fillRef idx="2">
-            <a:schemeClr val="accent4"/>
-          </a:fillRef>
-          <a:effectRef idx="1">
-            <a:schemeClr val="accent4"/>
-          </a:effectRef>
-          <a:fontRef idx="minor">
-            <a:schemeClr val="dk1"/>
-          </a:fontRef>
-        </p:style>
-        <p:txBody>
-          <a:bodyPr rtlCol="0" anchor="ctr"/>
-          <a:lstStyle/>
-          <a:p>
-            <a:pPr algn="ctr"/>
-            <a:r>
-              <a:rPr lang="en-US" sz="1050" dirty="0">
-                <a:solidFill>
-                  <a:srgbClr val="7030A0"/>
-                </a:solidFill>
-              </a:rPr>
-              <a:t>Name</a:t>
-            </a:r>
-            <a:endParaRPr lang="en-SG" sz="1050" dirty="0">
-              <a:solidFill>
-                <a:srgbClr val="7030A0"/>
-              </a:solidFill>
-            </a:endParaRPr>
-          </a:p>
-        </p:txBody>
-      </p:sp>
-      <p:sp>
-        <p:nvSpPr>
-          <p:cNvPr id="78" name="Flowchart: Decision 96"/>
-          <p:cNvSpPr/>
-          <p:nvPr/>
-        </p:nvSpPr>
-        <p:spPr>
-          <a:xfrm>
-            <a:off x="7041947" y="2948201"/>
-            <a:ext cx="236048" cy="173380"/>
-          </a:xfrm>
-          <a:prstGeom prst="flowChartDecision">
-            <a:avLst/>
-          </a:prstGeom>
-          <a:solidFill>
-            <a:srgbClr val="7030A0"/>
-          </a:solidFill>
-          <a:ln w="19050">
-            <a:solidFill>
-              <a:srgbClr val="7030A0"/>
-            </a:solidFill>
-          </a:ln>
-          <a:effectLst/>
-        </p:spPr>
-        <p:style>
-          <a:lnRef idx="1">
-            <a:schemeClr val="accent6"/>
-          </a:lnRef>
-          <a:fillRef idx="2">
-            <a:schemeClr val="accent6"/>
-          </a:fillRef>
-          <a:effectRef idx="1">
-            <a:schemeClr val="accent6"/>
-          </a:effectRef>
-          <a:fontRef idx="minor">
-            <a:schemeClr val="dk1"/>
-          </a:fontRef>
-        </p:style>
-        <p:txBody>
-          <a:bodyPr rtlCol="0" anchor="ctr"/>
-          <a:lstStyle/>
-          <a:p>
-            <a:pPr algn="ctr"/>
-            <a:endParaRPr lang="en-US" sz="1050"/>
-          </a:p>
-        </p:txBody>
-      </p:sp>
-      <p:cxnSp>
-        <p:nvCxnSpPr>
-          <p:cNvPr id="79" name="Elbow Connector 78"/>
-          <p:cNvCxnSpPr>
-            <a:cxnSpLocks/>
-          </p:cNvCxnSpPr>
-          <p:nvPr/>
-        </p:nvCxnSpPr>
-        <p:spPr>
-          <a:xfrm flipV="1">
-            <a:off x="7277995" y="2706821"/>
-            <a:ext cx="434402" cy="327761"/>
-          </a:xfrm>
-          <a:prstGeom prst="bentConnector3">
-            <a:avLst/>
-          </a:prstGeom>
-          <a:ln w="19050">
-            <a:solidFill>
-              <a:srgbClr val="7030A0"/>
-            </a:solidFill>
-            <a:headEnd type="none" w="med" len="med"/>
-            <a:tailEnd type="arrow" w="med" len="med"/>
-          </a:ln>
-          <a:effectLst/>
-        </p:spPr>
-        <p:style>
-          <a:lnRef idx="1">
-            <a:schemeClr val="accent2"/>
-          </a:lnRef>
-          <a:fillRef idx="2">
-            <a:schemeClr val="accent2"/>
-          </a:fillRef>
-          <a:effectRef idx="1">
-            <a:schemeClr val="accent2"/>
-          </a:effectRef>
-          <a:fontRef idx="minor">
-            <a:schemeClr val="dk1"/>
-          </a:fontRef>
-        </p:style>
-      </p:cxnSp>
-      <p:sp>
-        <p:nvSpPr>
-          <p:cNvPr id="80" name="Rectangle 8"/>
-          <p:cNvSpPr/>
-          <p:nvPr/>
-        </p:nvSpPr>
-        <p:spPr>
-          <a:xfrm>
-            <a:off x="7712397" y="2887216"/>
-            <a:ext cx="708186" cy="285783"/>
-          </a:xfrm>
-          <a:prstGeom prst="rect">
-            <a:avLst/>
-          </a:prstGeom>
-          <a:ln w="19050">
-            <a:solidFill>
-              <a:srgbClr val="7030A0"/>
-            </a:solidFill>
-          </a:ln>
-          <a:effectLst/>
-        </p:spPr>
-        <p:style>
-          <a:lnRef idx="1">
-            <a:schemeClr val="accent4"/>
-          </a:lnRef>
-          <a:fillRef idx="2">
-            <a:schemeClr val="accent4"/>
-          </a:fillRef>
-          <a:effectRef idx="1">
-            <a:schemeClr val="accent4"/>
-          </a:effectRef>
-          <a:fontRef idx="minor">
-            <a:schemeClr val="dk1"/>
-          </a:fontRef>
-        </p:style>
-        <p:txBody>
-          <a:bodyPr rtlCol="0" anchor="ctr"/>
-          <a:lstStyle/>
-          <a:p>
-            <a:pPr algn="ctr"/>
-            <a:r>
-              <a:rPr lang="en-US" sz="1050" dirty="0">
-                <a:solidFill>
-                  <a:srgbClr val="7030A0"/>
-                </a:solidFill>
-              </a:rPr>
-              <a:t>Phone</a:t>
-            </a:r>
-            <a:endParaRPr lang="en-SG" sz="1050" dirty="0">
-              <a:solidFill>
-                <a:srgbClr val="7030A0"/>
-              </a:solidFill>
-            </a:endParaRPr>
-          </a:p>
-        </p:txBody>
-      </p:sp>
-      <p:cxnSp>
-        <p:nvCxnSpPr>
-          <p:cNvPr id="81" name="Elbow Connector 80"/>
-          <p:cNvCxnSpPr>
-            <a:stCxn id="78" idx="3"/>
-            <a:endCxn id="80" idx="1"/>
-          </p:cNvCxnSpPr>
-          <p:nvPr/>
-        </p:nvCxnSpPr>
-        <p:spPr>
-          <a:xfrm flipV="1">
-            <a:off x="7277995" y="3030108"/>
-            <a:ext cx="434402" cy="4783"/>
-          </a:xfrm>
-          <a:prstGeom prst="bentConnector3">
-            <a:avLst/>
-          </a:prstGeom>
-          <a:ln w="19050">
-            <a:solidFill>
-              <a:srgbClr val="7030A0"/>
-            </a:solidFill>
-            <a:headEnd type="none" w="med" len="med"/>
-            <a:tailEnd type="arrow" w="med" len="med"/>
-          </a:ln>
-          <a:effectLst/>
-        </p:spPr>
-        <p:style>
-          <a:lnRef idx="1">
-            <a:schemeClr val="accent2"/>
-          </a:lnRef>
-          <a:fillRef idx="2">
-            <a:schemeClr val="accent2"/>
-          </a:fillRef>
-          <a:effectRef idx="1">
-            <a:schemeClr val="accent2"/>
-          </a:effectRef>
-          <a:fontRef idx="minor">
-            <a:schemeClr val="dk1"/>
-          </a:fontRef>
-        </p:style>
-      </p:cxnSp>
-      <p:sp>
-        <p:nvSpPr>
-          <p:cNvPr id="83" name="Rectangle 8"/>
-          <p:cNvSpPr/>
-          <p:nvPr/>
-        </p:nvSpPr>
-        <p:spPr>
-          <a:xfrm>
-            <a:off x="7712397" y="3210194"/>
-            <a:ext cx="708186" cy="285783"/>
-          </a:xfrm>
-          <a:prstGeom prst="rect">
-            <a:avLst/>
-          </a:prstGeom>
-          <a:ln w="19050">
-            <a:solidFill>
-              <a:srgbClr val="7030A0"/>
-            </a:solidFill>
-          </a:ln>
-          <a:effectLst/>
-        </p:spPr>
-        <p:style>
-          <a:lnRef idx="1">
-            <a:schemeClr val="accent4"/>
-          </a:lnRef>
-          <a:fillRef idx="2">
-            <a:schemeClr val="accent4"/>
-          </a:fillRef>
-          <a:effectRef idx="1">
-            <a:schemeClr val="accent4"/>
-          </a:effectRef>
-          <a:fontRef idx="minor">
-            <a:schemeClr val="dk1"/>
-          </a:fontRef>
-        </p:style>
-        <p:txBody>
-          <a:bodyPr rtlCol="0" anchor="ctr"/>
-          <a:lstStyle/>
-          <a:p>
-            <a:pPr algn="ctr"/>
-            <a:r>
-              <a:rPr lang="en-US" sz="1050" dirty="0">
-                <a:solidFill>
-                  <a:srgbClr val="7030A0"/>
-                </a:solidFill>
-              </a:rPr>
-              <a:t>Email</a:t>
-            </a:r>
-            <a:endParaRPr lang="en-SG" sz="1050" dirty="0">
-              <a:solidFill>
-                <a:srgbClr val="7030A0"/>
-              </a:solidFill>
-            </a:endParaRPr>
-          </a:p>
-        </p:txBody>
-      </p:sp>
-      <p:cxnSp>
-        <p:nvCxnSpPr>
-          <p:cNvPr id="84" name="Elbow Connector 83"/>
-          <p:cNvCxnSpPr>
-            <a:stCxn id="78" idx="3"/>
-            <a:endCxn id="83" idx="1"/>
-          </p:cNvCxnSpPr>
-          <p:nvPr/>
-        </p:nvCxnSpPr>
-        <p:spPr>
-          <a:xfrm>
-            <a:off x="7277995" y="3034891"/>
-            <a:ext cx="434402" cy="318195"/>
-          </a:xfrm>
-          <a:prstGeom prst="bentConnector3">
-            <a:avLst/>
-          </a:prstGeom>
-          <a:ln w="19050">
-            <a:solidFill>
-              <a:srgbClr val="7030A0"/>
-            </a:solidFill>
-            <a:headEnd type="none" w="med" len="med"/>
-            <a:tailEnd type="arrow" w="med" len="med"/>
-          </a:ln>
-          <a:effectLst/>
-        </p:spPr>
-        <p:style>
-          <a:lnRef idx="1">
-            <a:schemeClr val="accent2"/>
-          </a:lnRef>
-          <a:fillRef idx="2">
-            <a:schemeClr val="accent2"/>
-          </a:fillRef>
-          <a:effectRef idx="1">
-            <a:schemeClr val="accent2"/>
-          </a:effectRef>
-          <a:fontRef idx="minor">
-            <a:schemeClr val="dk1"/>
-          </a:fontRef>
-        </p:style>
-      </p:cxnSp>
-      <p:sp>
-        <p:nvSpPr>
-          <p:cNvPr id="85" name="Rectangle 8"/>
-          <p:cNvSpPr/>
-          <p:nvPr/>
-        </p:nvSpPr>
-        <p:spPr>
-          <a:xfrm>
-            <a:off x="7712397" y="3533171"/>
-            <a:ext cx="708186" cy="285783"/>
-          </a:xfrm>
-          <a:prstGeom prst="rect">
-            <a:avLst/>
-          </a:prstGeom>
-          <a:ln w="19050">
-            <a:solidFill>
-              <a:srgbClr val="7030A0"/>
-            </a:solidFill>
-          </a:ln>
-          <a:effectLst/>
-        </p:spPr>
-        <p:style>
-          <a:lnRef idx="1">
-            <a:schemeClr val="accent4"/>
-          </a:lnRef>
-          <a:fillRef idx="2">
-            <a:schemeClr val="accent4"/>
-          </a:fillRef>
-          <a:effectRef idx="1">
-            <a:schemeClr val="accent4"/>
-          </a:effectRef>
-          <a:fontRef idx="minor">
-            <a:schemeClr val="dk1"/>
-          </a:fontRef>
-        </p:style>
-        <p:txBody>
-          <a:bodyPr rtlCol="0" anchor="ctr"/>
-          <a:lstStyle/>
-          <a:p>
-            <a:pPr algn="ctr"/>
-            <a:r>
-              <a:rPr lang="en-US" sz="1050" dirty="0">
-                <a:solidFill>
-                  <a:srgbClr val="7030A0"/>
-                </a:solidFill>
-              </a:rPr>
-              <a:t>Address</a:t>
-            </a:r>
-            <a:endParaRPr lang="en-SG" sz="1050" dirty="0">
-              <a:solidFill>
-                <a:srgbClr val="7030A0"/>
-              </a:solidFill>
-            </a:endParaRPr>
-          </a:p>
-        </p:txBody>
-      </p:sp>
-      <p:cxnSp>
-        <p:nvCxnSpPr>
-          <p:cNvPr id="86" name="Elbow Connector 85"/>
-          <p:cNvCxnSpPr>
-            <a:stCxn id="78" idx="3"/>
-            <a:endCxn id="85" idx="1"/>
-          </p:cNvCxnSpPr>
-          <p:nvPr/>
-        </p:nvCxnSpPr>
-        <p:spPr>
-          <a:xfrm>
-            <a:off x="7277995" y="3034891"/>
-            <a:ext cx="434402" cy="641172"/>
-          </a:xfrm>
-          <a:prstGeom prst="bentConnector3">
-            <a:avLst/>
-          </a:prstGeom>
-          <a:ln w="19050">
-            <a:solidFill>
-              <a:srgbClr val="7030A0"/>
-            </a:solidFill>
-            <a:headEnd type="none" w="med" len="med"/>
-            <a:tailEnd type="arrow" w="med" len="med"/>
-          </a:ln>
-          <a:effectLst/>
-        </p:spPr>
-        <p:style>
-          <a:lnRef idx="1">
-            <a:schemeClr val="accent2"/>
-          </a:lnRef>
-          <a:fillRef idx="2">
-            <a:schemeClr val="accent2"/>
-          </a:fillRef>
-          <a:effectRef idx="1">
-            <a:schemeClr val="accent2"/>
-          </a:effectRef>
-          <a:fontRef idx="minor">
-            <a:schemeClr val="dk1"/>
-          </a:fontRef>
-        </p:style>
+        </p:spPr>
       </p:cxnSp>
       <p:cxnSp>
         <p:nvCxnSpPr>
-          <p:cNvPr id="97" name="Elbow Connector 63"/>
-          <p:cNvCxnSpPr>
-            <a:cxnSpLocks/>
-            <a:stCxn id="99" idx="3"/>
-          </p:cNvCxnSpPr>
+          <p:cNvPr id="270" name="Google Shape;392;p30"/>
+          <p:cNvCxnSpPr/>
           <p:nvPr/>
         </p:nvCxnSpPr>
         <p:spPr>
-          <a:xfrm rot="16200000" flipH="1">
-            <a:off x="3566454" y="2680653"/>
-            <a:ext cx="274076" cy="1"/>
+          <a:xfrm rot="-5400000" flipH="1">
+            <a:off x="2907586" y="2686140"/>
+            <a:ext cx="358800" cy="3300"/>
           </a:xfrm>
           <a:prstGeom prst="bentConnector3">
             <a:avLst>
               <a:gd name="adj1" fmla="val 50000"/>
             </a:avLst>
           </a:prstGeom>
-          <a:ln w="19050">
+          <a:gradFill>
+            <a:gsLst>
+              <a:gs pos="0">
+                <a:srgbClr val="FFA09D"/>
+              </a:gs>
+              <a:gs pos="35000">
+                <a:srgbClr val="FFBCBC"/>
+              </a:gs>
+              <a:gs pos="100000">
+                <a:srgbClr val="FFE2E2"/>
+              </a:gs>
+            </a:gsLst>
+            <a:lin ang="16200038" scaled="0"/>
+          </a:gradFill>
+          <a:ln w="19050" cap="flat" cmpd="sng">
             <a:solidFill>
               <a:srgbClr val="7030A0"/>
             </a:solidFill>
-            <a:prstDash val="sysDot"/>
-            <a:headEnd type="none" w="med" len="med"/>
-            <a:tailEnd type="none" w="med" len="med"/>
+            <a:prstDash val="dot"/>
+            <a:round/>
+            <a:headEnd type="none" w="sm" len="sm"/>
+            <a:tailEnd type="none" w="sm" len="sm"/>
           </a:ln>
-          <a:effectLst/>
-        </p:spPr>
-        <p:style>
-          <a:lnRef idx="1">
-            <a:schemeClr val="accent2"/>
-          </a:lnRef>
-          <a:fillRef idx="2">
-            <a:schemeClr val="accent2"/>
-          </a:fillRef>
-          <a:effectRef idx="1">
-            <a:schemeClr val="accent2"/>
-          </a:effectRef>
-          <a:fontRef idx="minor">
-            <a:schemeClr val="dk1"/>
-          </a:fontRef>
-        </p:style>
+        </p:spPr>
       </p:cxnSp>
       <p:sp>
         <p:nvSpPr>
-          <p:cNvPr id="99" name="Isosceles Triangle 102"/>
+          <p:cNvPr id="271" name="Google Shape;393;p30"/>
           <p:cNvSpPr/>
           <p:nvPr/>
         </p:nvSpPr>
         <p:spPr>
-          <a:xfrm rot="10800000" flipV="1">
-            <a:off x="3562299" y="2386554"/>
-            <a:ext cx="282387" cy="157062"/>
+          <a:xfrm flipH="1">
+            <a:off x="2945836" y="2447440"/>
+            <a:ext cx="282300" cy="117900"/>
           </a:xfrm>
           <a:prstGeom prst="triangle">
-            <a:avLst/>
+            <a:avLst>
+              <a:gd name="adj" fmla="val 50000"/>
+            </a:avLst>
           </a:prstGeom>
           <a:solidFill>
-            <a:schemeClr val="accent4">
-              <a:lumMod val="20000"/>
-              <a:lumOff val="80000"/>
-            </a:schemeClr>
+            <a:srgbClr val="E5DFEC"/>
           </a:solidFill>
-          <a:ln w="19050">
+          <a:ln w="19050" cap="flat" cmpd="sng">
             <a:solidFill>
               <a:srgbClr val="7030A0"/>
             </a:solidFill>
+            <a:prstDash val="solid"/>
+            <a:round/>
+            <a:headEnd type="none" w="sm" len="sm"/>
+            <a:tailEnd type="none" w="sm" len="sm"/>
           </a:ln>
-          <a:effectLst/>
-        </p:spPr>
-        <p:style>
-          <a:lnRef idx="1">
-            <a:schemeClr val="accent4"/>
-          </a:lnRef>
-          <a:fillRef idx="2">
-            <a:schemeClr val="accent4"/>
-          </a:fillRef>
-          <a:effectRef idx="1">
-            <a:schemeClr val="accent4"/>
-          </a:effectRef>
-          <a:fontRef idx="minor">
-            <a:schemeClr val="dk1"/>
-          </a:fontRef>
-        </p:style>
-        <p:txBody>
-          <a:bodyPr rtlCol="0" anchor="ctr"/>
-          <a:lstStyle/>
-          <a:p>
-            <a:pPr algn="ctr"/>
-            <a:endParaRPr lang="en-SG" sz="1050" b="1">
+        </p:spPr>
+        <p:txBody>
+          <a:bodyPr spcFirstLastPara="1" wrap="square" lIns="91425" tIns="45700" rIns="91425" bIns="45700" anchor="ctr" anchorCtr="0">
+            <a:noAutofit/>
+          </a:bodyPr>
+          <a:lstStyle/>
+          <a:p>
+            <a:pPr marL="0" marR="0" lvl="0" indent="0" algn="ctr" rtl="0">
+              <a:spcBef>
+                <a:spcPts val="0"/>
+              </a:spcBef>
+              <a:spcAft>
+                <a:spcPts val="0"/>
+              </a:spcAft>
+              <a:buNone/>
+            </a:pPr>
+            <a:endParaRPr sz="1050" b="1">
               <a:solidFill>
                 <a:srgbClr val="92D050"/>
               </a:solidFill>
+              <a:latin typeface="Calibri"/>
+              <a:ea typeface="Calibri"/>
+              <a:cs typeface="Calibri"/>
+              <a:sym typeface="Calibri"/>
             </a:endParaRPr>
           </a:p>
         </p:txBody>
       </p:sp>
       <p:sp>
         <p:nvSpPr>
-          <p:cNvPr id="100" name="Rectangle 8"/>
+          <p:cNvPr id="272" name="Google Shape;394;p30"/>
           <p:cNvSpPr/>
           <p:nvPr/>
         </p:nvSpPr>
         <p:spPr>
           <a:xfrm>
-            <a:off x="1260922" y="1998350"/>
-            <a:ext cx="1443661" cy="364396"/>
+            <a:off x="658300" y="2129678"/>
+            <a:ext cx="1443600" cy="328500"/>
           </a:xfrm>
           <a:prstGeom prst="rect">
             <a:avLst/>
           </a:prstGeom>
-          <a:ln w="19050">
+          <a:gradFill>
+            <a:gsLst>
+              <a:gs pos="0">
+                <a:srgbClr val="C8B2E9"/>
+              </a:gs>
+              <a:gs pos="35000">
+                <a:srgbClr val="D6CAED"/>
+              </a:gs>
+              <a:gs pos="100000">
+                <a:srgbClr val="EFE8FA"/>
+              </a:gs>
+            </a:gsLst>
+            <a:lin ang="16200038" scaled="0"/>
+          </a:gradFill>
+          <a:ln w="19050" cap="flat" cmpd="sng">
             <a:solidFill>
               <a:srgbClr val="7030A0"/>
             </a:solidFill>
+            <a:prstDash val="solid"/>
+            <a:round/>
+            <a:headEnd type="none" w="sm" len="sm"/>
+            <a:tailEnd type="none" w="sm" len="sm"/>
           </a:ln>
-          <a:effectLst/>
-        </p:spPr>
-        <p:style>
-          <a:lnRef idx="1">
-            <a:schemeClr val="accent4"/>
-          </a:lnRef>
-          <a:fillRef idx="2">
-            <a:schemeClr val="accent4"/>
-          </a:fillRef>
-          <a:effectRef idx="1">
-            <a:schemeClr val="accent4"/>
-          </a:effectRef>
-          <a:fontRef idx="minor">
-            <a:schemeClr val="dk1"/>
-          </a:fontRef>
-        </p:style>
-        <p:txBody>
-          <a:bodyPr rtlCol="0" anchor="ctr"/>
-          <a:lstStyle/>
-          <a:p>
-            <a:pPr algn="ctr"/>
-            <a:r>
-              <a:rPr lang="en-US" sz="1050" dirty="0">
+        </p:spPr>
+        <p:txBody>
+          <a:bodyPr spcFirstLastPara="1" wrap="square" lIns="91425" tIns="45700" rIns="91425" bIns="45700" anchor="ctr" anchorCtr="0">
+            <a:noAutofit/>
+          </a:bodyPr>
+          <a:lstStyle/>
+          <a:p>
+            <a:pPr marL="0" marR="0" lvl="0" indent="0" algn="ctr" rtl="0">
+              <a:spcBef>
+                <a:spcPts val="0"/>
+              </a:spcBef>
+              <a:spcAft>
+                <a:spcPts val="0"/>
+              </a:spcAft>
+              <a:buNone/>
+            </a:pPr>
+            <a:r>
+              <a:rPr lang="en" sz="1050">
                 <a:solidFill>
                   <a:srgbClr val="7030A0"/>
                 </a:solidFill>
+                <a:latin typeface="Calibri"/>
+                <a:ea typeface="Calibri"/>
+                <a:cs typeface="Calibri"/>
+                <a:sym typeface="Calibri"/>
               </a:rPr>
               <a:t>&lt;&lt;interface&gt;&gt;</a:t>
             </a:r>
             <a:br>
-              <a:rPr lang="en-US" sz="1050" dirty="0">
+              <a:rPr lang="en" sz="1050">
                 <a:solidFill>
                   <a:srgbClr val="7030A0"/>
                 </a:solidFill>
+                <a:latin typeface="Calibri"/>
+                <a:ea typeface="Calibri"/>
+                <a:cs typeface="Calibri"/>
+                <a:sym typeface="Calibri"/>
               </a:rPr>
             </a:br>
             <a:r>
-              <a:rPr lang="en-US" sz="1050" dirty="0" err="1">
+              <a:rPr lang="en" sz="1050">
                 <a:solidFill>
                   <a:srgbClr val="7030A0"/>
                 </a:solidFill>
+                <a:latin typeface="Calibri"/>
+                <a:ea typeface="Calibri"/>
+                <a:cs typeface="Calibri"/>
+                <a:sym typeface="Calibri"/>
               </a:rPr>
-              <a:t>ReadOnlyAddressBook</a:t>
-            </a:r>
-            <a:endParaRPr lang="en-SG" sz="1050" dirty="0">
+              <a:t>ReadOnlyUltiStudent</a:t>
+            </a:r>
+            <a:endParaRPr sz="1050">
               <a:solidFill>
                 <a:srgbClr val="7030A0"/>
               </a:solidFill>
+              <a:latin typeface="Calibri"/>
+              <a:ea typeface="Calibri"/>
+              <a:cs typeface="Calibri"/>
+              <a:sym typeface="Calibri"/>
             </a:endParaRPr>
           </a:p>
         </p:txBody>
       </p:sp>
       <p:sp>
         <p:nvSpPr>
-          <p:cNvPr id="114" name="TextBox 113"/>
-          <p:cNvSpPr txBox="1"/>
+          <p:cNvPr id="273" name="Google Shape;395;p30"/>
+          <p:cNvSpPr/>
           <p:nvPr/>
         </p:nvSpPr>
         <p:spPr>
-          <a:xfrm rot="16200000">
-            <a:off x="6362886" y="3586305"/>
-            <a:ext cx="881018" cy="261610"/>
+          <a:xfrm>
+            <a:off x="1897750" y="4279427"/>
+            <a:ext cx="1066800" cy="328500"/>
           </a:xfrm>
           <a:prstGeom prst="rect">
             <a:avLst/>
           </a:prstGeom>
-          <a:noFill/>
-        </p:spPr>
-        <p:txBody>
-          <a:bodyPr wrap="square" rtlCol="0">
-            <a:spAutoFit/>
+          <a:gradFill>
+            <a:gsLst>
+              <a:gs pos="0">
+                <a:srgbClr val="C8B2E9"/>
+              </a:gs>
+              <a:gs pos="35000">
+                <a:srgbClr val="D6CAED"/>
+              </a:gs>
+              <a:gs pos="100000">
+                <a:srgbClr val="EFE8FA"/>
+              </a:gs>
+            </a:gsLst>
+            <a:lin ang="16200038" scaled="0"/>
+          </a:gradFill>
+          <a:ln w="19050" cap="flat" cmpd="sng">
+            <a:solidFill>
+              <a:srgbClr val="7030A0"/>
+            </a:solidFill>
+            <a:prstDash val="solid"/>
+            <a:round/>
+            <a:headEnd type="none" w="sm" len="sm"/>
+            <a:tailEnd type="none" w="sm" len="sm"/>
+          </a:ln>
+        </p:spPr>
+        <p:txBody>
+          <a:bodyPr spcFirstLastPara="1" wrap="square" lIns="91425" tIns="45700" rIns="91425" bIns="45700" anchor="ctr" anchorCtr="0">
+            <a:noAutofit/>
           </a:bodyPr>
           <a:lstStyle/>
           <a:p>
-            <a:pPr algn="r"/>
-            <a:r>
-              <a:rPr lang="en-US" sz="1100" dirty="0">
+            <a:pPr marL="0" marR="0" lvl="0" indent="0" algn="ctr" rtl="0">
+              <a:spcBef>
+                <a:spcPts val="0"/>
+              </a:spcBef>
+              <a:spcAft>
+                <a:spcPts val="0"/>
+              </a:spcAft>
+              <a:buNone/>
+            </a:pPr>
+            <a:r>
+              <a:rPr lang="en" sz="1050">
                 <a:solidFill>
                   <a:srgbClr val="7030A0"/>
                 </a:solidFill>
+                <a:latin typeface="Calibri"/>
+                <a:ea typeface="Calibri"/>
+                <a:cs typeface="Calibri"/>
+                <a:sym typeface="Calibri"/>
               </a:rPr>
-              <a:t>filtered list</a:t>
-            </a:r>
-            <a:endParaRPr lang="en-SG" sz="1100" dirty="0">
+              <a:t>&lt;&lt;interface&gt;&gt;</a:t>
+            </a:r>
+            <a:br>
+              <a:rPr lang="en" sz="1050">
+                <a:solidFill>
+                  <a:srgbClr val="7030A0"/>
+                </a:solidFill>
+                <a:latin typeface="Calibri"/>
+                <a:ea typeface="Calibri"/>
+                <a:cs typeface="Calibri"/>
+                <a:sym typeface="Calibri"/>
+              </a:rPr>
+            </a:br>
+            <a:r>
+              <a:rPr lang="en" sz="1050">
+                <a:solidFill>
+                  <a:srgbClr val="7030A0"/>
+                </a:solidFill>
+                <a:latin typeface="Calibri"/>
+                <a:ea typeface="Calibri"/>
+                <a:cs typeface="Calibri"/>
+                <a:sym typeface="Calibri"/>
+              </a:rPr>
+              <a:t>ObservableList</a:t>
+            </a:r>
+            <a:endParaRPr sz="1050">
               <a:solidFill>
                 <a:srgbClr val="7030A0"/>
               </a:solidFill>
+              <a:latin typeface="Calibri"/>
+              <a:ea typeface="Calibri"/>
+              <a:cs typeface="Calibri"/>
+              <a:sym typeface="Calibri"/>
             </a:endParaRPr>
           </a:p>
         </p:txBody>
       </p:sp>
-      <p:sp>
-        <p:nvSpPr>
-          <p:cNvPr id="122" name="Rectangle 8"/>
-          <p:cNvSpPr/>
+      <p:cxnSp>
+        <p:nvCxnSpPr>
+          <p:cNvPr id="274" name="Google Shape;396;p30"/>
+          <p:cNvCxnSpPr/>
           <p:nvPr/>
-        </p:nvSpPr>
-        <p:spPr>
-          <a:xfrm>
-            <a:off x="2057401" y="4239491"/>
-            <a:ext cx="1066800" cy="346760"/>
-          </a:xfrm>
-          <a:prstGeom prst="rect">
+        </p:nvCxnSpPr>
+        <p:spPr>
+          <a:xfrm rot="-5400000" flipH="1">
+            <a:off x="1081500" y="3627525"/>
+            <a:ext cx="621000" cy="1011600"/>
+          </a:xfrm>
+          <a:prstGeom prst="bentConnector2">
             <a:avLst/>
           </a:prstGeom>
-          <a:ln w="19050">
+          <a:gradFill>
+            <a:gsLst>
+              <a:gs pos="0">
+                <a:srgbClr val="FFA09D"/>
+              </a:gs>
+              <a:gs pos="35000">
+                <a:srgbClr val="FFBCBC"/>
+              </a:gs>
+              <a:gs pos="100000">
+                <a:srgbClr val="FFE2E2"/>
+              </a:gs>
+            </a:gsLst>
+            <a:lin ang="16200038" scaled="0"/>
+          </a:gradFill>
+          <a:ln w="19050" cap="flat" cmpd="sng">
             <a:solidFill>
               <a:srgbClr val="7030A0"/>
             </a:solidFill>
+            <a:prstDash val="dot"/>
+            <a:round/>
+            <a:headEnd type="none" w="sm" len="sm"/>
+            <a:tailEnd type="stealth" w="med" len="med"/>
           </a:ln>
-          <a:effectLst/>
-        </p:spPr>
-        <p:style>
-          <a:lnRef idx="1">
-            <a:schemeClr val="accent4"/>
-          </a:lnRef>
-          <a:fillRef idx="2">
-            <a:schemeClr val="accent4"/>
-          </a:fillRef>
-          <a:effectRef idx="1">
-            <a:schemeClr val="accent4"/>
-          </a:effectRef>
-          <a:fontRef idx="minor">
-            <a:schemeClr val="dk1"/>
-          </a:fontRef>
-        </p:style>
-        <p:txBody>
-          <a:bodyPr rtlCol="0" anchor="ctr"/>
-          <a:lstStyle/>
-          <a:p>
-            <a:pPr algn="ctr"/>
-            <a:r>
-              <a:rPr lang="en-US" sz="1050" dirty="0">
+        </p:spPr>
+      </p:cxnSp>
+      <p:sp>
+        <p:nvSpPr>
+          <p:cNvPr id="275" name="Google Shape;397;p30"/>
+          <p:cNvSpPr txBox="1"/>
+          <p:nvPr/>
+        </p:nvSpPr>
+        <p:spPr>
+          <a:xfrm>
+            <a:off x="3813129" y="3281009"/>
+            <a:ext cx="189300" cy="134100"/>
+          </a:xfrm>
+          <a:prstGeom prst="rect">
+            <a:avLst/>
+          </a:prstGeom>
+          <a:noFill/>
+          <a:ln>
+            <a:noFill/>
+          </a:ln>
+        </p:spPr>
+        <p:txBody>
+          <a:bodyPr spcFirstLastPara="1" wrap="square" lIns="0" tIns="0" rIns="0" bIns="0" anchor="t" anchorCtr="0">
+            <a:noAutofit/>
+          </a:bodyPr>
+          <a:lstStyle/>
+          <a:p>
+            <a:pPr marL="0" marR="0" lvl="0" indent="0" algn="ctr" rtl="0">
+              <a:spcBef>
+                <a:spcPts val="0"/>
+              </a:spcBef>
+              <a:spcAft>
+                <a:spcPts val="0"/>
+              </a:spcAft>
+              <a:buNone/>
+            </a:pPr>
+            <a:r>
+              <a:rPr lang="en" sz="1100">
                 <a:solidFill>
                   <a:srgbClr val="7030A0"/>
                 </a:solidFill>
+                <a:latin typeface="Calibri"/>
+                <a:ea typeface="Calibri"/>
+                <a:cs typeface="Calibri"/>
+                <a:sym typeface="Calibri"/>
               </a:rPr>
-              <a:t>&lt;&lt;interface&gt;&gt;</a:t>
-            </a:r>
-            <a:br>
-              <a:rPr lang="en-US" sz="1050">
+              <a:t>1</a:t>
+            </a:r>
+            <a:endParaRPr sz="1100">
+              <a:solidFill>
+                <a:srgbClr val="7030A0"/>
+              </a:solidFill>
+              <a:latin typeface="Calibri"/>
+              <a:ea typeface="Calibri"/>
+              <a:cs typeface="Calibri"/>
+              <a:sym typeface="Calibri"/>
+            </a:endParaRPr>
+          </a:p>
+        </p:txBody>
+      </p:sp>
+      <p:sp>
+        <p:nvSpPr>
+          <p:cNvPr id="276" name="Google Shape;398;p30"/>
+          <p:cNvSpPr txBox="1"/>
+          <p:nvPr/>
+        </p:nvSpPr>
+        <p:spPr>
+          <a:xfrm>
+            <a:off x="1956544" y="3014936"/>
+            <a:ext cx="170100" cy="103200"/>
+          </a:xfrm>
+          <a:prstGeom prst="rect">
+            <a:avLst/>
+          </a:prstGeom>
+          <a:noFill/>
+          <a:ln>
+            <a:noFill/>
+          </a:ln>
+        </p:spPr>
+        <p:txBody>
+          <a:bodyPr spcFirstLastPara="1" wrap="square" lIns="0" tIns="0" rIns="0" bIns="0" anchor="t" anchorCtr="0">
+            <a:noAutofit/>
+          </a:bodyPr>
+          <a:lstStyle/>
+          <a:p>
+            <a:pPr marL="0" marR="0" lvl="0" indent="0" algn="ctr" rtl="0">
+              <a:spcBef>
+                <a:spcPts val="0"/>
+              </a:spcBef>
+              <a:spcAft>
+                <a:spcPts val="0"/>
+              </a:spcAft>
+              <a:buNone/>
+            </a:pPr>
+            <a:r>
+              <a:rPr lang="en" sz="1100">
                 <a:solidFill>
                   <a:srgbClr val="7030A0"/>
                 </a:solidFill>
+                <a:latin typeface="Calibri"/>
+                <a:ea typeface="Calibri"/>
+                <a:cs typeface="Calibri"/>
+                <a:sym typeface="Calibri"/>
               </a:rPr>
-            </a:br>
-            <a:r>
-              <a:rPr lang="en-US" sz="1050" dirty="0" err="1">
+              <a:t>1</a:t>
+            </a:r>
+            <a:endParaRPr sz="1100">
+              <a:solidFill>
+                <a:srgbClr val="7030A0"/>
+              </a:solidFill>
+              <a:latin typeface="Calibri"/>
+              <a:ea typeface="Calibri"/>
+              <a:cs typeface="Calibri"/>
+              <a:sym typeface="Calibri"/>
+            </a:endParaRPr>
+          </a:p>
+        </p:txBody>
+      </p:sp>
+      <p:sp>
+        <p:nvSpPr>
+          <p:cNvPr id="277" name="Google Shape;399;p30"/>
+          <p:cNvSpPr txBox="1"/>
+          <p:nvPr/>
+        </p:nvSpPr>
+        <p:spPr>
+          <a:xfrm>
+            <a:off x="2013341" y="3698203"/>
+            <a:ext cx="189300" cy="134100"/>
+          </a:xfrm>
+          <a:prstGeom prst="rect">
+            <a:avLst/>
+          </a:prstGeom>
+          <a:noFill/>
+          <a:ln>
+            <a:noFill/>
+          </a:ln>
+        </p:spPr>
+        <p:txBody>
+          <a:bodyPr spcFirstLastPara="1" wrap="square" lIns="0" tIns="0" rIns="0" bIns="0" anchor="t" anchorCtr="0">
+            <a:noAutofit/>
+          </a:bodyPr>
+          <a:lstStyle/>
+          <a:p>
+            <a:pPr marL="0" marR="0" lvl="0" indent="0" algn="ctr" rtl="0">
+              <a:spcBef>
+                <a:spcPts val="0"/>
+              </a:spcBef>
+              <a:spcAft>
+                <a:spcPts val="0"/>
+              </a:spcAft>
+              <a:buNone/>
+            </a:pPr>
+            <a:r>
+              <a:rPr lang="en" sz="1100">
                 <a:solidFill>
                   <a:srgbClr val="7030A0"/>
                 </a:solidFill>
+                <a:latin typeface="Calibri"/>
+                <a:ea typeface="Calibri"/>
+                <a:cs typeface="Calibri"/>
+                <a:sym typeface="Calibri"/>
               </a:rPr>
-              <a:t>ObservableList</a:t>
-            </a:r>
-            <a:endParaRPr lang="en-SG" sz="1050" dirty="0">
+              <a:t>1</a:t>
+            </a:r>
+            <a:endParaRPr sz="1100">
               <a:solidFill>
                 <a:srgbClr val="7030A0"/>
               </a:solidFill>
+              <a:latin typeface="Calibri"/>
+              <a:ea typeface="Calibri"/>
+              <a:cs typeface="Calibri"/>
+              <a:sym typeface="Calibri"/>
             </a:endParaRPr>
           </a:p>
         </p:txBody>
       </p:sp>
-      <p:cxnSp>
-        <p:nvCxnSpPr>
-          <p:cNvPr id="124" name="Elbow Connector 122"/>
-          <p:cNvCxnSpPr>
-            <a:stCxn id="119" idx="1"/>
-            <a:endCxn id="122" idx="1"/>
-          </p:cNvCxnSpPr>
+      <p:sp>
+        <p:nvSpPr>
+          <p:cNvPr id="278" name="Google Shape;400;p30"/>
+          <p:cNvSpPr txBox="1"/>
           <p:nvPr/>
-        </p:nvCxnSpPr>
-        <p:spPr>
-          <a:xfrm rot="16200000" flipH="1">
-            <a:off x="1364475" y="3719944"/>
-            <a:ext cx="831471" cy="554381"/>
-          </a:xfrm>
-          <a:prstGeom prst="bentConnector2">
+        </p:nvSpPr>
+        <p:spPr>
+          <a:xfrm>
+            <a:off x="5833046" y="3351019"/>
+            <a:ext cx="189300" cy="134100"/>
+          </a:xfrm>
+          <a:prstGeom prst="rect">
             <a:avLst/>
           </a:prstGeom>
-          <a:ln w="19050">
+          <a:noFill/>
+          <a:ln>
+            <a:noFill/>
+          </a:ln>
+        </p:spPr>
+        <p:txBody>
+          <a:bodyPr spcFirstLastPara="1" wrap="square" lIns="0" tIns="0" rIns="0" bIns="0" anchor="t" anchorCtr="0">
+            <a:noAutofit/>
+          </a:bodyPr>
+          <a:lstStyle/>
+          <a:p>
+            <a:pPr marL="0" marR="0" lvl="0" indent="0" algn="ctr" rtl="0">
+              <a:spcBef>
+                <a:spcPts val="0"/>
+              </a:spcBef>
+              <a:spcAft>
+                <a:spcPts val="0"/>
+              </a:spcAft>
+              <a:buNone/>
+            </a:pPr>
+            <a:r>
+              <a:rPr lang="en" sz="1100">
+                <a:solidFill>
+                  <a:srgbClr val="7030A0"/>
+                </a:solidFill>
+                <a:latin typeface="Calibri"/>
+                <a:ea typeface="Calibri"/>
+                <a:cs typeface="Calibri"/>
+                <a:sym typeface="Calibri"/>
+              </a:rPr>
+              <a:t>1</a:t>
+            </a:r>
+            <a:endParaRPr sz="1100">
+              <a:solidFill>
+                <a:srgbClr val="7030A0"/>
+              </a:solidFill>
+              <a:latin typeface="Calibri"/>
+              <a:ea typeface="Calibri"/>
+              <a:cs typeface="Calibri"/>
+              <a:sym typeface="Calibri"/>
+            </a:endParaRPr>
+          </a:p>
+        </p:txBody>
+      </p:sp>
+      <p:sp>
+        <p:nvSpPr>
+          <p:cNvPr id="279" name="Google Shape;401;p30"/>
+          <p:cNvSpPr/>
+          <p:nvPr/>
+        </p:nvSpPr>
+        <p:spPr>
+          <a:xfrm>
+            <a:off x="2586394" y="2157263"/>
+            <a:ext cx="1060800" cy="273300"/>
+          </a:xfrm>
+          <a:prstGeom prst="rect">
+            <a:avLst/>
+          </a:prstGeom>
+          <a:gradFill>
+            <a:gsLst>
+              <a:gs pos="0">
+                <a:srgbClr val="C8B2E9"/>
+              </a:gs>
+              <a:gs pos="35000">
+                <a:srgbClr val="D6CAED"/>
+              </a:gs>
+              <a:gs pos="100000">
+                <a:srgbClr val="EFE8FA"/>
+              </a:gs>
+            </a:gsLst>
+            <a:lin ang="16200038" scaled="0"/>
+          </a:gradFill>
+          <a:ln w="19050" cap="flat" cmpd="sng">
             <a:solidFill>
               <a:srgbClr val="7030A0"/>
             </a:solidFill>
-            <a:prstDash val="sysDot"/>
-            <a:headEnd type="none" w="med" len="med"/>
-            <a:tailEnd type="arrow" w="med" len="med"/>
+            <a:prstDash val="solid"/>
+            <a:round/>
+            <a:headEnd type="none" w="sm" len="sm"/>
+            <a:tailEnd type="none" w="sm" len="sm"/>
           </a:ln>
-          <a:effectLst/>
-        </p:spPr>
-        <p:style>
-          <a:lnRef idx="1">
-            <a:schemeClr val="accent2"/>
-          </a:lnRef>
-          <a:fillRef idx="2">
-            <a:schemeClr val="accent2"/>
-          </a:fillRef>
-          <a:effectRef idx="1">
-            <a:schemeClr val="accent2"/>
-          </a:effectRef>
-          <a:fontRef idx="minor">
-            <a:schemeClr val="dk1"/>
-          </a:fontRef>
-        </p:style>
-      </p:cxnSp>
-      <p:sp>
-        <p:nvSpPr>
-          <p:cNvPr id="54" name="TextBox 53"/>
-          <p:cNvSpPr txBox="1"/>
-          <p:nvPr/>
-        </p:nvSpPr>
-        <p:spPr>
-          <a:xfrm>
-            <a:off x="4429979" y="3111479"/>
-            <a:ext cx="189257" cy="178683"/>
-          </a:xfrm>
-          <a:prstGeom prst="rect">
-            <a:avLst/>
-          </a:prstGeom>
-          <a:noFill/>
-        </p:spPr>
-        <p:txBody>
-          <a:bodyPr wrap="square" lIns="0" tIns="0" rIns="0" bIns="0" rtlCol="0">
+        </p:spPr>
+        <p:txBody>
+          <a:bodyPr spcFirstLastPara="1" wrap="square" lIns="91425" tIns="45700" rIns="91425" bIns="45700" anchor="ctr" anchorCtr="0">
             <a:noAutofit/>
           </a:bodyPr>
           <a:lstStyle/>
           <a:p>
-            <a:pPr algn="ctr"/>
-            <a:r>
-              <a:rPr lang="en-US" sz="1100" dirty="0">
+            <a:pPr marL="0" marR="0" lvl="0" indent="0" algn="ctr" rtl="0">
+              <a:spcBef>
+                <a:spcPts val="0"/>
+              </a:spcBef>
+              <a:spcAft>
+                <a:spcPts val="0"/>
+              </a:spcAft>
+              <a:buNone/>
+            </a:pPr>
+            <a:r>
+              <a:rPr lang="en" sz="1050">
                 <a:solidFill>
                   <a:srgbClr val="7030A0"/>
                 </a:solidFill>
+                <a:latin typeface="Calibri"/>
+                <a:ea typeface="Calibri"/>
+                <a:cs typeface="Calibri"/>
+                <a:sym typeface="Calibri"/>
               </a:rPr>
-              <a:t>1</a:t>
-            </a:r>
-            <a:endParaRPr lang="en-SG" sz="1100" dirty="0">
+              <a:t>UltiStudent</a:t>
+            </a:r>
+            <a:endParaRPr sz="1050">
               <a:solidFill>
                 <a:srgbClr val="7030A0"/>
               </a:solidFill>
+              <a:latin typeface="Calibri"/>
+              <a:ea typeface="Calibri"/>
+              <a:cs typeface="Calibri"/>
+              <a:sym typeface="Calibri"/>
             </a:endParaRPr>
           </a:p>
         </p:txBody>
       </p:sp>
       <p:sp>
         <p:nvSpPr>
-          <p:cNvPr id="61" name="TextBox 60"/>
-          <p:cNvSpPr txBox="1"/>
-          <p:nvPr/>
-        </p:nvSpPr>
-        <p:spPr>
-          <a:xfrm>
-            <a:off x="6135256" y="3097917"/>
-            <a:ext cx="189257" cy="178683"/>
-          </a:xfrm>
-          <a:prstGeom prst="rect">
-            <a:avLst/>
-          </a:prstGeom>
-          <a:noFill/>
-        </p:spPr>
-        <p:txBody>
-          <a:bodyPr wrap="square" lIns="0" tIns="0" rIns="0" bIns="0" rtlCol="0">
-            <a:noAutofit/>
-          </a:bodyPr>
-          <a:lstStyle/>
-          <a:p>
-            <a:pPr algn="ctr"/>
-            <a:r>
-              <a:rPr lang="en-US" sz="1100" dirty="0">
-                <a:solidFill>
-                  <a:srgbClr val="7030A0"/>
-                </a:solidFill>
-              </a:rPr>
-              <a:t>*</a:t>
-            </a:r>
-            <a:endParaRPr lang="en-SG" sz="1100" dirty="0">
-              <a:solidFill>
-                <a:srgbClr val="7030A0"/>
-              </a:solidFill>
-            </a:endParaRPr>
-          </a:p>
-        </p:txBody>
-      </p:sp>
-      <p:sp>
-        <p:nvSpPr>
-          <p:cNvPr id="65" name="TextBox 64"/>
-          <p:cNvSpPr txBox="1"/>
-          <p:nvPr/>
-        </p:nvSpPr>
-        <p:spPr>
-          <a:xfrm>
-            <a:off x="2573394" y="2756715"/>
-            <a:ext cx="170110" cy="137542"/>
-          </a:xfrm>
-          <a:prstGeom prst="rect">
-            <a:avLst/>
-          </a:prstGeom>
-          <a:noFill/>
-        </p:spPr>
-        <p:txBody>
-          <a:bodyPr wrap="square" lIns="0" tIns="0" rIns="0" bIns="0" rtlCol="0">
-            <a:noAutofit/>
-          </a:bodyPr>
-          <a:lstStyle/>
-          <a:p>
-            <a:pPr algn="ctr"/>
-            <a:r>
-              <a:rPr lang="en-US" sz="1100" dirty="0">
-                <a:solidFill>
-                  <a:srgbClr val="7030A0"/>
-                </a:solidFill>
-              </a:rPr>
-              <a:t>1</a:t>
-            </a:r>
-            <a:endParaRPr lang="en-SG" sz="1100" dirty="0">
-              <a:solidFill>
-                <a:srgbClr val="7030A0"/>
-              </a:solidFill>
-            </a:endParaRPr>
-          </a:p>
-        </p:txBody>
-      </p:sp>
-      <p:sp>
-        <p:nvSpPr>
-          <p:cNvPr id="66" name="TextBox 65"/>
-          <p:cNvSpPr txBox="1"/>
-          <p:nvPr/>
-        </p:nvSpPr>
-        <p:spPr>
-          <a:xfrm>
-            <a:off x="2630191" y="3667737"/>
-            <a:ext cx="189257" cy="178683"/>
-          </a:xfrm>
-          <a:prstGeom prst="rect">
-            <a:avLst/>
-          </a:prstGeom>
-          <a:noFill/>
-        </p:spPr>
-        <p:txBody>
-          <a:bodyPr wrap="square" lIns="0" tIns="0" rIns="0" bIns="0" rtlCol="0">
-            <a:noAutofit/>
-          </a:bodyPr>
-          <a:lstStyle/>
-          <a:p>
-            <a:pPr algn="ctr"/>
-            <a:r>
-              <a:rPr lang="en-US" sz="1100" dirty="0">
-                <a:solidFill>
-                  <a:srgbClr val="7030A0"/>
-                </a:solidFill>
-              </a:rPr>
-              <a:t>1</a:t>
-            </a:r>
-            <a:endParaRPr lang="en-SG" sz="1100" dirty="0">
-              <a:solidFill>
-                <a:srgbClr val="7030A0"/>
-              </a:solidFill>
-            </a:endParaRPr>
-          </a:p>
-        </p:txBody>
-      </p:sp>
-      <p:sp>
-        <p:nvSpPr>
-          <p:cNvPr id="70" name="TextBox 69"/>
-          <p:cNvSpPr txBox="1"/>
-          <p:nvPr/>
-        </p:nvSpPr>
-        <p:spPr>
-          <a:xfrm>
-            <a:off x="6449896" y="3204826"/>
-            <a:ext cx="189257" cy="178683"/>
-          </a:xfrm>
-          <a:prstGeom prst="rect">
-            <a:avLst/>
-          </a:prstGeom>
-          <a:noFill/>
-        </p:spPr>
-        <p:txBody>
-          <a:bodyPr wrap="square" lIns="0" tIns="0" rIns="0" bIns="0" rtlCol="0">
-            <a:noAutofit/>
-          </a:bodyPr>
-          <a:lstStyle/>
-          <a:p>
-            <a:pPr algn="ctr"/>
-            <a:r>
-              <a:rPr lang="en-US" sz="1100" dirty="0">
-                <a:solidFill>
-                  <a:srgbClr val="7030A0"/>
-                </a:solidFill>
-              </a:rPr>
-              <a:t>1</a:t>
-            </a:r>
-            <a:endParaRPr lang="en-SG" sz="1100" dirty="0">
-              <a:solidFill>
-                <a:srgbClr val="7030A0"/>
-              </a:solidFill>
-            </a:endParaRPr>
-          </a:p>
-        </p:txBody>
-      </p:sp>
-      <p:sp>
-        <p:nvSpPr>
-          <p:cNvPr id="52" name="Rectangle 8">
-            <a:extLst>
-              <a:ext uri="{FF2B5EF4-FFF2-40B4-BE49-F238E27FC236}">
-                <a16:creationId xmlns:a16="http://schemas.microsoft.com/office/drawing/2014/main" id="{ABDCDBD2-131A-4B66-A2F2-43BBEE82C773}"/>
-              </a:ext>
-            </a:extLst>
-          </p:cNvPr>
+          <p:cNvPr id="280" name="Google Shape;402;p30"/>
           <p:cNvSpPr/>
           <p:nvPr/>
         </p:nvSpPr>
         <p:spPr>
-          <a:xfrm>
-            <a:off x="7712397" y="2228817"/>
-            <a:ext cx="708186" cy="285783"/>
-          </a:xfrm>
-          <a:prstGeom prst="rect">
-            <a:avLst/>
-          </a:prstGeom>
-          <a:ln w="19050">
+          <a:xfrm rot="-5400000">
+            <a:off x="2093946" y="2197305"/>
+            <a:ext cx="203400" cy="187500"/>
+          </a:xfrm>
+          <a:prstGeom prst="triangle">
+            <a:avLst>
+              <a:gd name="adj" fmla="val 44517"/>
+            </a:avLst>
+          </a:prstGeom>
+          <a:solidFill>
+            <a:srgbClr val="E5DFEC"/>
+          </a:solidFill>
+          <a:ln w="19050" cap="flat" cmpd="sng">
             <a:solidFill>
               <a:srgbClr val="7030A0"/>
             </a:solidFill>
+            <a:prstDash val="solid"/>
+            <a:round/>
+            <a:headEnd type="none" w="sm" len="sm"/>
+            <a:tailEnd type="none" w="sm" len="sm"/>
           </a:ln>
-          <a:effectLst/>
-        </p:spPr>
-        <p:style>
-          <a:lnRef idx="1">
-            <a:schemeClr val="accent4"/>
-          </a:lnRef>
-          <a:fillRef idx="2">
-            <a:schemeClr val="accent4"/>
-          </a:fillRef>
-          <a:effectRef idx="1">
-            <a:schemeClr val="accent4"/>
-          </a:effectRef>
-          <a:fontRef idx="minor">
-            <a:schemeClr val="dk1"/>
-          </a:fontRef>
-        </p:style>
-        <p:txBody>
-          <a:bodyPr rtlCol="0" anchor="ctr"/>
-          <a:lstStyle/>
-          <a:p>
-            <a:pPr algn="ctr"/>
-            <a:r>
-              <a:rPr lang="en-US" sz="1050" dirty="0">
-                <a:solidFill>
-                  <a:srgbClr val="7030A0"/>
-                </a:solidFill>
-              </a:rPr>
-              <a:t>Tag</a:t>
-            </a:r>
-            <a:endParaRPr lang="en-SG" sz="1050" dirty="0">
+        </p:spPr>
+        <p:txBody>
+          <a:bodyPr spcFirstLastPara="1" wrap="square" lIns="91425" tIns="45700" rIns="91425" bIns="45700" anchor="ctr" anchorCtr="0">
+            <a:noAutofit/>
+          </a:bodyPr>
+          <a:lstStyle/>
+          <a:p>
+            <a:pPr marL="0" marR="0" lvl="0" indent="0" algn="ctr" rtl="0">
+              <a:spcBef>
+                <a:spcPts val="0"/>
+              </a:spcBef>
+              <a:spcAft>
+                <a:spcPts val="0"/>
+              </a:spcAft>
+              <a:buNone/>
+            </a:pPr>
+            <a:endParaRPr sz="1050">
               <a:solidFill>
-                <a:srgbClr val="7030A0"/>
+                <a:srgbClr val="000000"/>
               </a:solidFill>
+              <a:latin typeface="Calibri"/>
+              <a:ea typeface="Calibri"/>
+              <a:cs typeface="Calibri"/>
+              <a:sym typeface="Calibri"/>
             </a:endParaRPr>
           </a:p>
         </p:txBody>
       </p:sp>
       <p:cxnSp>
         <p:nvCxnSpPr>
-          <p:cNvPr id="53" name="Elbow Connector 78">
-            <a:extLst>
-              <a:ext uri="{FF2B5EF4-FFF2-40B4-BE49-F238E27FC236}">
-                <a16:creationId xmlns:a16="http://schemas.microsoft.com/office/drawing/2014/main" id="{B97967F8-618A-448B-81FD-CDFD4AF0EC64}"/>
-              </a:ext>
-            </a:extLst>
-          </p:cNvPr>
-          <p:cNvCxnSpPr>
-            <a:cxnSpLocks/>
-            <a:stCxn id="78" idx="3"/>
-            <a:endCxn id="52" idx="1"/>
-          </p:cNvCxnSpPr>
+          <p:cNvPr id="281" name="Google Shape;403;p30"/>
+          <p:cNvCxnSpPr/>
           <p:nvPr/>
         </p:nvCxnSpPr>
         <p:spPr>
-          <a:xfrm flipV="1">
-            <a:off x="7277995" y="2371709"/>
-            <a:ext cx="434402" cy="663182"/>
+          <a:xfrm rot="10800000" flipH="1">
+            <a:off x="2289396" y="2293808"/>
+            <a:ext cx="297000" cy="8400"/>
           </a:xfrm>
           <a:prstGeom prst="bentConnector3">
             <a:avLst>
               <a:gd name="adj1" fmla="val 50000"/>
             </a:avLst>
           </a:prstGeom>
-          <a:ln w="19050">
+          <a:gradFill>
+            <a:gsLst>
+              <a:gs pos="0">
+                <a:srgbClr val="FFA09D"/>
+              </a:gs>
+              <a:gs pos="35000">
+                <a:srgbClr val="FFBCBC"/>
+              </a:gs>
+              <a:gs pos="100000">
+                <a:srgbClr val="FFE2E2"/>
+              </a:gs>
+            </a:gsLst>
+            <a:lin ang="16200038" scaled="0"/>
+          </a:gradFill>
+          <a:ln w="19050" cap="flat" cmpd="sng">
             <a:solidFill>
               <a:srgbClr val="7030A0"/>
             </a:solidFill>
-            <a:headEnd type="none" w="med" len="med"/>
-            <a:tailEnd type="arrow" w="med" len="med"/>
+            <a:prstDash val="dot"/>
+            <a:round/>
+            <a:headEnd type="none" w="sm" len="sm"/>
+            <a:tailEnd type="none" w="sm" len="sm"/>
           </a:ln>
-          <a:effectLst/>
-        </p:spPr>
-        <p:style>
-          <a:lnRef idx="1">
-            <a:schemeClr val="accent2"/>
-          </a:lnRef>
-          <a:fillRef idx="2">
-            <a:schemeClr val="accent2"/>
-          </a:fillRef>
-          <a:effectRef idx="1">
-            <a:schemeClr val="accent2"/>
-          </a:effectRef>
-          <a:fontRef idx="minor">
-            <a:schemeClr val="dk1"/>
-          </a:fontRef>
-        </p:style>
+        </p:spPr>
       </p:cxnSp>
       <p:sp>
         <p:nvSpPr>
-          <p:cNvPr id="50" name="TextBox 49">
-            <a:extLst>
-              <a:ext uri="{FF2B5EF4-FFF2-40B4-BE49-F238E27FC236}">
-                <a16:creationId xmlns:a16="http://schemas.microsoft.com/office/drawing/2014/main" id="{B3FA9D57-880F-49C4-AD0B-A64E30D6F403}"/>
-              </a:ext>
-            </a:extLst>
-          </p:cNvPr>
-          <p:cNvSpPr txBox="1"/>
+          <p:cNvPr id="282" name="Google Shape;404;p30"/>
+          <p:cNvSpPr/>
           <p:nvPr/>
         </p:nvSpPr>
         <p:spPr>
           <a:xfrm>
-            <a:off x="7466243" y="2255711"/>
-            <a:ext cx="189257" cy="178683"/>
+            <a:off x="3622050" y="3543051"/>
+            <a:ext cx="1293600" cy="328500"/>
           </a:xfrm>
           <a:prstGeom prst="rect">
             <a:avLst/>
           </a:prstGeom>
-          <a:noFill/>
-        </p:spPr>
-        <p:txBody>
-          <a:bodyPr wrap="square" lIns="0" tIns="0" rIns="0" bIns="0" rtlCol="0">
+          <a:gradFill>
+            <a:gsLst>
+              <a:gs pos="0">
+                <a:srgbClr val="C8B2E9"/>
+              </a:gs>
+              <a:gs pos="35000">
+                <a:srgbClr val="D6CAED"/>
+              </a:gs>
+              <a:gs pos="100000">
+                <a:srgbClr val="EFE8FA"/>
+              </a:gs>
+            </a:gsLst>
+            <a:lin ang="16200038" scaled="0"/>
+          </a:gradFill>
+          <a:ln w="19050" cap="flat" cmpd="sng">
+            <a:solidFill>
+              <a:srgbClr val="7030A0"/>
+            </a:solidFill>
+            <a:prstDash val="solid"/>
+            <a:round/>
+            <a:headEnd type="none" w="sm" len="sm"/>
+            <a:tailEnd type="none" w="sm" len="sm"/>
+          </a:ln>
+        </p:spPr>
+        <p:txBody>
+          <a:bodyPr spcFirstLastPara="1" wrap="square" lIns="91425" tIns="45700" rIns="91425" bIns="45700" anchor="ctr" anchorCtr="0">
             <a:noAutofit/>
           </a:bodyPr>
           <a:lstStyle/>
           <a:p>
-            <a:pPr algn="ctr"/>
-            <a:r>
-              <a:rPr lang="en-US" sz="1100" dirty="0">
+            <a:pPr marL="0" marR="0" lvl="0" indent="0" algn="ctr" rtl="0">
+              <a:spcBef>
+                <a:spcPts val="0"/>
+              </a:spcBef>
+              <a:spcAft>
+                <a:spcPts val="0"/>
+              </a:spcAft>
+              <a:buNone/>
+            </a:pPr>
+            <a:r>
+              <a:rPr lang="en" sz="1050">
                 <a:solidFill>
                   <a:srgbClr val="7030A0"/>
                 </a:solidFill>
+                <a:latin typeface="Calibri"/>
+                <a:ea typeface="Calibri"/>
+                <a:cs typeface="Calibri"/>
+                <a:sym typeface="Calibri"/>
               </a:rPr>
-              <a:t>*</a:t>
-            </a:r>
-            <a:endParaRPr lang="en-SG" sz="1100" dirty="0">
+              <a:t>&lt;&lt;interface&gt;&gt;</a:t>
+            </a:r>
+            <a:endParaRPr/>
+          </a:p>
+          <a:p>
+            <a:pPr marL="0" marR="0" lvl="0" indent="0" algn="ctr" rtl="0">
+              <a:spcBef>
+                <a:spcPts val="0"/>
+              </a:spcBef>
+              <a:spcAft>
+                <a:spcPts val="0"/>
+              </a:spcAft>
+              <a:buNone/>
+            </a:pPr>
+            <a:r>
+              <a:rPr lang="en" sz="1050">
+                <a:solidFill>
+                  <a:srgbClr val="7030A0"/>
+                </a:solidFill>
+                <a:latin typeface="Calibri"/>
+                <a:ea typeface="Calibri"/>
+                <a:cs typeface="Calibri"/>
+                <a:sym typeface="Calibri"/>
+              </a:rPr>
+              <a:t>ReadOnlyUserPrefs</a:t>
+            </a:r>
+            <a:endParaRPr sz="1050">
               <a:solidFill>
                 <a:srgbClr val="7030A0"/>
               </a:solidFill>
+              <a:latin typeface="Calibri"/>
+              <a:ea typeface="Calibri"/>
+              <a:cs typeface="Calibri"/>
+              <a:sym typeface="Calibri"/>
             </a:endParaRPr>
           </a:p>
         </p:txBody>
       </p:sp>
       <p:sp>
         <p:nvSpPr>
-          <p:cNvPr id="55" name="Rectangle 8"/>
+          <p:cNvPr id="283" name="Google Shape;405;p30"/>
           <p:cNvSpPr/>
           <p:nvPr/>
         </p:nvSpPr>
         <p:spPr>
-          <a:xfrm>
-            <a:off x="3170181" y="1998350"/>
-            <a:ext cx="1060683" cy="364396"/>
-          </a:xfrm>
-          <a:prstGeom prst="rect">
-            <a:avLst/>
-          </a:prstGeom>
-          <a:ln w="19050">
-            <a:solidFill>
-              <a:srgbClr val="7030A0"/>
-            </a:solidFill>
-          </a:ln>
-          <a:effectLst/>
-        </p:spPr>
-        <p:style>
-          <a:lnRef idx="1">
-            <a:schemeClr val="accent4"/>
-          </a:lnRef>
-          <a:fillRef idx="2">
-            <a:schemeClr val="accent4"/>
-          </a:fillRef>
-          <a:effectRef idx="1">
-            <a:schemeClr val="accent4"/>
-          </a:effectRef>
-          <a:fontRef idx="minor">
-            <a:schemeClr val="dk1"/>
-          </a:fontRef>
-        </p:style>
-        <p:txBody>
-          <a:bodyPr rtlCol="0" anchor="ctr"/>
-          <a:lstStyle/>
-          <a:p>
-            <a:pPr algn="ctr"/>
-            <a:r>
-              <a:rPr lang="en-US" sz="1050" dirty="0" err="1">
-                <a:solidFill>
-                  <a:srgbClr val="7030A0"/>
-                </a:solidFill>
-              </a:rPr>
-              <a:t>AddressBook</a:t>
-            </a:r>
-            <a:endParaRPr lang="en-SG" sz="1050" dirty="0">
-              <a:solidFill>
-                <a:srgbClr val="7030A0"/>
-              </a:solidFill>
-            </a:endParaRPr>
-          </a:p>
-        </p:txBody>
-      </p:sp>
-      <p:cxnSp>
-        <p:nvCxnSpPr>
-          <p:cNvPr id="60" name="Straight Arrow Connector 59"/>
-          <p:cNvCxnSpPr>
-            <a:stCxn id="51" idx="1"/>
-            <a:endCxn id="49" idx="1"/>
-          </p:cNvCxnSpPr>
-          <p:nvPr/>
-        </p:nvCxnSpPr>
-        <p:spPr>
-          <a:xfrm>
-            <a:off x="4324972" y="3007222"/>
-            <a:ext cx="367678" cy="12320"/>
-          </a:xfrm>
-          <a:prstGeom prst="straightConnector1">
-            <a:avLst/>
-          </a:prstGeom>
-          <a:ln w="19050">
-            <a:solidFill>
-              <a:srgbClr val="7030A0"/>
-            </a:solidFill>
-            <a:headEnd type="none" w="med" len="med"/>
-            <a:tailEnd type="arrow" w="med" len="med"/>
-          </a:ln>
-          <a:effectLst/>
-        </p:spPr>
-        <p:style>
-          <a:lnRef idx="1">
-            <a:schemeClr val="accent2"/>
-          </a:lnRef>
-          <a:fillRef idx="2">
-            <a:schemeClr val="accent2"/>
-          </a:fillRef>
-          <a:effectRef idx="1">
-            <a:schemeClr val="accent2"/>
-          </a:effectRef>
-          <a:fontRef idx="minor">
-            <a:schemeClr val="dk1"/>
-          </a:fontRef>
-        </p:style>
-      </p:cxnSp>
-      <p:sp>
-        <p:nvSpPr>
-          <p:cNvPr id="68" name="Isosceles Triangle 102"/>
-          <p:cNvSpPr/>
-          <p:nvPr/>
-        </p:nvSpPr>
-        <p:spPr>
-          <a:xfrm rot="16200000">
-            <a:off x="2669073" y="2069158"/>
-            <a:ext cx="271014" cy="187417"/>
+          <a:xfrm rot="5400000" flipH="1">
+            <a:off x="3409641" y="3555502"/>
+            <a:ext cx="203400" cy="221400"/>
           </a:xfrm>
           <a:prstGeom prst="triangle">
             <a:avLst>
@@ -5559,267 +5511,2462 @@
             </a:avLst>
           </a:prstGeom>
           <a:solidFill>
-            <a:schemeClr val="accent4">
-              <a:lumMod val="20000"/>
-              <a:lumOff val="80000"/>
-            </a:schemeClr>
+            <a:srgbClr val="E5DFEC"/>
           </a:solidFill>
-          <a:ln w="19050">
+          <a:ln w="19050" cap="flat" cmpd="sng">
             <a:solidFill>
               <a:srgbClr val="7030A0"/>
             </a:solidFill>
+            <a:prstDash val="solid"/>
+            <a:round/>
+            <a:headEnd type="none" w="sm" len="sm"/>
+            <a:tailEnd type="none" w="sm" len="sm"/>
           </a:ln>
-          <a:effectLst/>
-        </p:spPr>
-        <p:style>
-          <a:lnRef idx="1">
-            <a:schemeClr val="accent6"/>
-          </a:lnRef>
-          <a:fillRef idx="2">
-            <a:schemeClr val="accent6"/>
-          </a:fillRef>
-          <a:effectRef idx="1">
-            <a:schemeClr val="accent6"/>
-          </a:effectRef>
-          <a:fontRef idx="minor">
-            <a:schemeClr val="dk1"/>
-          </a:fontRef>
-        </p:style>
-        <p:txBody>
-          <a:bodyPr rtlCol="0" anchor="ctr"/>
-          <a:lstStyle/>
-          <a:p>
-            <a:pPr algn="ctr"/>
-            <a:endParaRPr lang="en-SG" sz="1050"/>
+        </p:spPr>
+        <p:txBody>
+          <a:bodyPr spcFirstLastPara="1" wrap="square" lIns="91425" tIns="45700" rIns="91425" bIns="45700" anchor="ctr" anchorCtr="0">
+            <a:noAutofit/>
+          </a:bodyPr>
+          <a:lstStyle/>
+          <a:p>
+            <a:pPr marL="0" marR="0" lvl="0" indent="0" algn="ctr" rtl="0">
+              <a:spcBef>
+                <a:spcPts val="0"/>
+              </a:spcBef>
+              <a:spcAft>
+                <a:spcPts val="0"/>
+              </a:spcAft>
+              <a:buNone/>
+            </a:pPr>
+            <a:endParaRPr sz="1050">
+              <a:solidFill>
+                <a:srgbClr val="000000"/>
+              </a:solidFill>
+              <a:latin typeface="Calibri"/>
+              <a:ea typeface="Calibri"/>
+              <a:cs typeface="Calibri"/>
+              <a:sym typeface="Calibri"/>
+            </a:endParaRPr>
           </a:p>
         </p:txBody>
       </p:sp>
       <p:cxnSp>
         <p:nvCxnSpPr>
-          <p:cNvPr id="69" name="Elbow Connector 63"/>
-          <p:cNvCxnSpPr>
-            <a:stCxn id="68" idx="3"/>
-            <a:endCxn id="55" idx="1"/>
-          </p:cNvCxnSpPr>
+          <p:cNvPr id="284" name="Google Shape;406;p30"/>
+          <p:cNvCxnSpPr/>
           <p:nvPr/>
         </p:nvCxnSpPr>
         <p:spPr>
-          <a:xfrm>
-            <a:off x="2898289" y="2177727"/>
-            <a:ext cx="271892" cy="2821"/>
+          <a:xfrm rot="10800000">
+            <a:off x="3086541" y="3674955"/>
+            <a:ext cx="314100" cy="2400"/>
+          </a:xfrm>
+          <a:prstGeom prst="bentConnector3">
+            <a:avLst>
+              <a:gd name="adj1" fmla="val 50002"/>
+            </a:avLst>
+          </a:prstGeom>
+          <a:gradFill>
+            <a:gsLst>
+              <a:gs pos="0">
+                <a:srgbClr val="FFA09D"/>
+              </a:gs>
+              <a:gs pos="35000">
+                <a:srgbClr val="FFBCBC"/>
+              </a:gs>
+              <a:gs pos="100000">
+                <a:srgbClr val="FFE2E2"/>
+              </a:gs>
+            </a:gsLst>
+            <a:lin ang="16200038" scaled="0"/>
+          </a:gradFill>
+          <a:ln w="19050" cap="flat" cmpd="sng">
+            <a:solidFill>
+              <a:srgbClr val="7030A0"/>
+            </a:solidFill>
+            <a:prstDash val="dot"/>
+            <a:round/>
+            <a:headEnd type="none" w="sm" len="sm"/>
+            <a:tailEnd type="none" w="sm" len="sm"/>
+          </a:ln>
+        </p:spPr>
+      </p:cxnSp>
+      <p:sp>
+        <p:nvSpPr>
+          <p:cNvPr id="285" name="Google Shape;407;p30"/>
+          <p:cNvSpPr/>
+          <p:nvPr/>
+        </p:nvSpPr>
+        <p:spPr>
+          <a:xfrm>
+            <a:off x="4079775" y="2548375"/>
+            <a:ext cx="1443600" cy="260100"/>
+          </a:xfrm>
+          <a:prstGeom prst="rect">
+            <a:avLst/>
+          </a:prstGeom>
+          <a:gradFill>
+            <a:gsLst>
+              <a:gs pos="0">
+                <a:srgbClr val="C8B2E9"/>
+              </a:gs>
+              <a:gs pos="35000">
+                <a:srgbClr val="D6CAED"/>
+              </a:gs>
+              <a:gs pos="100000">
+                <a:srgbClr val="EFE8FA"/>
+              </a:gs>
+            </a:gsLst>
+            <a:lin ang="16200038" scaled="0"/>
+          </a:gradFill>
+          <a:ln w="19050" cap="flat" cmpd="sng">
+            <a:solidFill>
+              <a:srgbClr val="7030A0"/>
+            </a:solidFill>
+            <a:prstDash val="solid"/>
+            <a:round/>
+            <a:headEnd type="none" w="sm" len="sm"/>
+            <a:tailEnd type="none" w="sm" len="sm"/>
+          </a:ln>
+        </p:spPr>
+        <p:txBody>
+          <a:bodyPr spcFirstLastPara="1" wrap="square" lIns="91425" tIns="45700" rIns="91425" bIns="45700" anchor="ctr" anchorCtr="0">
+            <a:noAutofit/>
+          </a:bodyPr>
+          <a:lstStyle/>
+          <a:p>
+            <a:pPr marL="0" marR="0" lvl="0" indent="0" algn="ctr" rtl="0">
+              <a:spcBef>
+                <a:spcPts val="0"/>
+              </a:spcBef>
+              <a:spcAft>
+                <a:spcPts val="0"/>
+              </a:spcAft>
+              <a:buNone/>
+            </a:pPr>
+            <a:r>
+              <a:rPr lang="en" sz="1050">
+                <a:solidFill>
+                  <a:srgbClr val="7030A0"/>
+                </a:solidFill>
+                <a:latin typeface="Calibri"/>
+                <a:ea typeface="Calibri"/>
+                <a:cs typeface="Calibri"/>
+                <a:sym typeface="Calibri"/>
+              </a:rPr>
+              <a:t>UniqueNotesList</a:t>
+            </a:r>
+            <a:endParaRPr sz="1050">
+              <a:solidFill>
+                <a:srgbClr val="7030A0"/>
+              </a:solidFill>
+              <a:latin typeface="Calibri"/>
+              <a:ea typeface="Calibri"/>
+              <a:cs typeface="Calibri"/>
+              <a:sym typeface="Calibri"/>
+            </a:endParaRPr>
+          </a:p>
+        </p:txBody>
+      </p:sp>
+      <p:sp>
+        <p:nvSpPr>
+          <p:cNvPr id="286" name="Google Shape;408;p30"/>
+          <p:cNvSpPr/>
+          <p:nvPr/>
+        </p:nvSpPr>
+        <p:spPr>
+          <a:xfrm>
+            <a:off x="4079625" y="2014725"/>
+            <a:ext cx="1443600" cy="260100"/>
+          </a:xfrm>
+          <a:prstGeom prst="rect">
+            <a:avLst/>
+          </a:prstGeom>
+          <a:gradFill>
+            <a:gsLst>
+              <a:gs pos="0">
+                <a:srgbClr val="C8B2E9"/>
+              </a:gs>
+              <a:gs pos="35000">
+                <a:srgbClr val="D6CAED"/>
+              </a:gs>
+              <a:gs pos="100000">
+                <a:srgbClr val="EFE8FA"/>
+              </a:gs>
+            </a:gsLst>
+            <a:lin ang="16200038" scaled="0"/>
+          </a:gradFill>
+          <a:ln w="19050" cap="flat" cmpd="sng">
+            <a:solidFill>
+              <a:srgbClr val="7030A0"/>
+            </a:solidFill>
+            <a:prstDash val="solid"/>
+            <a:round/>
+            <a:headEnd type="none" w="sm" len="sm"/>
+            <a:tailEnd type="none" w="sm" len="sm"/>
+          </a:ln>
+        </p:spPr>
+        <p:txBody>
+          <a:bodyPr spcFirstLastPara="1" wrap="square" lIns="91425" tIns="45700" rIns="91425" bIns="45700" anchor="ctr" anchorCtr="0">
+            <a:noAutofit/>
+          </a:bodyPr>
+          <a:lstStyle/>
+          <a:p>
+            <a:pPr marL="0" marR="0" lvl="0" indent="0" algn="ctr" rtl="0">
+              <a:spcBef>
+                <a:spcPts val="0"/>
+              </a:spcBef>
+              <a:spcAft>
+                <a:spcPts val="0"/>
+              </a:spcAft>
+              <a:buNone/>
+            </a:pPr>
+            <a:r>
+              <a:rPr lang="en" sz="1050">
+                <a:solidFill>
+                  <a:srgbClr val="7030A0"/>
+                </a:solidFill>
+                <a:latin typeface="Calibri"/>
+                <a:ea typeface="Calibri"/>
+                <a:cs typeface="Calibri"/>
+                <a:sym typeface="Calibri"/>
+              </a:rPr>
+              <a:t>UniqueHomeworkList</a:t>
+            </a:r>
+            <a:endParaRPr sz="1050">
+              <a:solidFill>
+                <a:srgbClr val="7030A0"/>
+              </a:solidFill>
+              <a:latin typeface="Calibri"/>
+              <a:ea typeface="Calibri"/>
+              <a:cs typeface="Calibri"/>
+              <a:sym typeface="Calibri"/>
+            </a:endParaRPr>
+          </a:p>
+        </p:txBody>
+      </p:sp>
+      <p:sp>
+        <p:nvSpPr>
+          <p:cNvPr id="287" name="Google Shape;409;p30"/>
+          <p:cNvSpPr/>
+          <p:nvPr/>
+        </p:nvSpPr>
+        <p:spPr>
+          <a:xfrm>
+            <a:off x="7514150" y="1638975"/>
+            <a:ext cx="1156800" cy="214200"/>
+          </a:xfrm>
+          <a:prstGeom prst="rect">
+            <a:avLst/>
+          </a:prstGeom>
+          <a:gradFill>
+            <a:gsLst>
+              <a:gs pos="0">
+                <a:srgbClr val="C8B2E9"/>
+              </a:gs>
+              <a:gs pos="35000">
+                <a:srgbClr val="D6CAED"/>
+              </a:gs>
+              <a:gs pos="100000">
+                <a:srgbClr val="EFE8FA"/>
+              </a:gs>
+            </a:gsLst>
+            <a:lin ang="16200038" scaled="0"/>
+          </a:gradFill>
+          <a:ln w="19050" cap="flat" cmpd="sng">
+            <a:solidFill>
+              <a:srgbClr val="7030A0"/>
+            </a:solidFill>
+            <a:prstDash val="solid"/>
+            <a:round/>
+            <a:headEnd type="none" w="sm" len="sm"/>
+            <a:tailEnd type="none" w="sm" len="sm"/>
+          </a:ln>
+        </p:spPr>
+        <p:txBody>
+          <a:bodyPr spcFirstLastPara="1" wrap="square" lIns="91425" tIns="45700" rIns="91425" bIns="45700" anchor="ctr" anchorCtr="0">
+            <a:noAutofit/>
+          </a:bodyPr>
+          <a:lstStyle/>
+          <a:p>
+            <a:pPr marL="0" marR="0" lvl="0" indent="0" algn="ctr" rtl="0">
+              <a:spcBef>
+                <a:spcPts val="0"/>
+              </a:spcBef>
+              <a:spcAft>
+                <a:spcPts val="0"/>
+              </a:spcAft>
+              <a:buNone/>
+            </a:pPr>
+            <a:r>
+              <a:rPr lang="en" sz="1050">
+                <a:solidFill>
+                  <a:srgbClr val="7030A0"/>
+                </a:solidFill>
+                <a:latin typeface="Calibri"/>
+                <a:ea typeface="Calibri"/>
+                <a:cs typeface="Calibri"/>
+                <a:sym typeface="Calibri"/>
+              </a:rPr>
+              <a:t>ModuleCode</a:t>
+            </a:r>
+            <a:endParaRPr sz="1050" b="0" i="0" u="none" strike="noStrike" cap="none">
+              <a:solidFill>
+                <a:srgbClr val="7030A0"/>
+              </a:solidFill>
+              <a:latin typeface="Calibri"/>
+              <a:ea typeface="Calibri"/>
+              <a:cs typeface="Calibri"/>
+              <a:sym typeface="Calibri"/>
+            </a:endParaRPr>
+          </a:p>
+        </p:txBody>
+      </p:sp>
+      <p:sp>
+        <p:nvSpPr>
+          <p:cNvPr id="288" name="Google Shape;410;p30"/>
+          <p:cNvSpPr/>
+          <p:nvPr/>
+        </p:nvSpPr>
+        <p:spPr>
+          <a:xfrm>
+            <a:off x="6806103" y="2079758"/>
+            <a:ext cx="236048" cy="130035"/>
+          </a:xfrm>
+          <a:prstGeom prst="flowChartDecision">
+            <a:avLst/>
+          </a:prstGeom>
+          <a:solidFill>
+            <a:srgbClr val="7030A0"/>
+          </a:solidFill>
+          <a:ln w="19050" cap="flat" cmpd="sng">
+            <a:solidFill>
+              <a:srgbClr val="7030A0"/>
+            </a:solidFill>
+            <a:prstDash val="solid"/>
+            <a:round/>
+            <a:headEnd type="none" w="sm" len="sm"/>
+            <a:tailEnd type="none" w="sm" len="sm"/>
+          </a:ln>
+        </p:spPr>
+        <p:txBody>
+          <a:bodyPr spcFirstLastPara="1" wrap="square" lIns="91425" tIns="45700" rIns="91425" bIns="45700" anchor="ctr" anchorCtr="0">
+            <a:noAutofit/>
+          </a:bodyPr>
+          <a:lstStyle/>
+          <a:p>
+            <a:pPr marL="0" marR="0" lvl="0" indent="0" algn="ctr" rtl="0">
+              <a:spcBef>
+                <a:spcPts val="0"/>
+              </a:spcBef>
+              <a:spcAft>
+                <a:spcPts val="0"/>
+              </a:spcAft>
+              <a:buNone/>
+            </a:pPr>
+            <a:endParaRPr sz="1050" b="0" i="0" u="none" strike="noStrike" cap="none">
+              <a:solidFill>
+                <a:srgbClr val="000000"/>
+              </a:solidFill>
+              <a:latin typeface="Calibri"/>
+              <a:ea typeface="Calibri"/>
+              <a:cs typeface="Calibri"/>
+              <a:sym typeface="Calibri"/>
+            </a:endParaRPr>
+          </a:p>
+        </p:txBody>
+      </p:sp>
+      <p:sp>
+        <p:nvSpPr>
+          <p:cNvPr id="289" name="Google Shape;411;p30"/>
+          <p:cNvSpPr/>
+          <p:nvPr/>
+        </p:nvSpPr>
+        <p:spPr>
+          <a:xfrm>
+            <a:off x="7501000" y="1972613"/>
+            <a:ext cx="1156800" cy="214200"/>
+          </a:xfrm>
+          <a:prstGeom prst="rect">
+            <a:avLst/>
+          </a:prstGeom>
+          <a:gradFill>
+            <a:gsLst>
+              <a:gs pos="0">
+                <a:srgbClr val="C8B2E9"/>
+              </a:gs>
+              <a:gs pos="35000">
+                <a:srgbClr val="D6CAED"/>
+              </a:gs>
+              <a:gs pos="100000">
+                <a:srgbClr val="EFE8FA"/>
+              </a:gs>
+            </a:gsLst>
+            <a:lin ang="16200038" scaled="0"/>
+          </a:gradFill>
+          <a:ln w="19050" cap="flat" cmpd="sng">
+            <a:solidFill>
+              <a:srgbClr val="7030A0"/>
+            </a:solidFill>
+            <a:prstDash val="solid"/>
+            <a:round/>
+            <a:headEnd type="none" w="sm" len="sm"/>
+            <a:tailEnd type="none" w="sm" len="sm"/>
+          </a:ln>
+        </p:spPr>
+        <p:txBody>
+          <a:bodyPr spcFirstLastPara="1" wrap="square" lIns="91425" tIns="45700" rIns="91425" bIns="45700" anchor="ctr" anchorCtr="0">
+            <a:noAutofit/>
+          </a:bodyPr>
+          <a:lstStyle/>
+          <a:p>
+            <a:pPr marL="0" marR="0" lvl="0" indent="0" algn="ctr" rtl="0">
+              <a:spcBef>
+                <a:spcPts val="0"/>
+              </a:spcBef>
+              <a:spcAft>
+                <a:spcPts val="0"/>
+              </a:spcAft>
+              <a:buNone/>
+            </a:pPr>
+            <a:r>
+              <a:rPr lang="en" sz="1050">
+                <a:solidFill>
+                  <a:srgbClr val="7030A0"/>
+                </a:solidFill>
+                <a:latin typeface="Calibri"/>
+                <a:ea typeface="Calibri"/>
+                <a:cs typeface="Calibri"/>
+                <a:sym typeface="Calibri"/>
+              </a:rPr>
+              <a:t>HomeworkName</a:t>
+            </a:r>
+            <a:endParaRPr sz="1050" b="0" i="0" u="none" strike="noStrike" cap="none">
+              <a:solidFill>
+                <a:srgbClr val="7030A0"/>
+              </a:solidFill>
+              <a:latin typeface="Calibri"/>
+              <a:ea typeface="Calibri"/>
+              <a:cs typeface="Calibri"/>
+              <a:sym typeface="Calibri"/>
+            </a:endParaRPr>
+          </a:p>
+        </p:txBody>
+      </p:sp>
+      <p:sp>
+        <p:nvSpPr>
+          <p:cNvPr id="290" name="Google Shape;412;p30"/>
+          <p:cNvSpPr/>
+          <p:nvPr/>
+        </p:nvSpPr>
+        <p:spPr>
+          <a:xfrm>
+            <a:off x="7500948" y="2264338"/>
+            <a:ext cx="1156800" cy="214200"/>
+          </a:xfrm>
+          <a:prstGeom prst="rect">
+            <a:avLst/>
+          </a:prstGeom>
+          <a:gradFill>
+            <a:gsLst>
+              <a:gs pos="0">
+                <a:srgbClr val="C8B2E9"/>
+              </a:gs>
+              <a:gs pos="35000">
+                <a:srgbClr val="D6CAED"/>
+              </a:gs>
+              <a:gs pos="100000">
+                <a:srgbClr val="EFE8FA"/>
+              </a:gs>
+            </a:gsLst>
+            <a:lin ang="16200038" scaled="0"/>
+          </a:gradFill>
+          <a:ln w="19050" cap="flat" cmpd="sng">
+            <a:solidFill>
+              <a:srgbClr val="7030A0"/>
+            </a:solidFill>
+            <a:prstDash val="solid"/>
+            <a:round/>
+            <a:headEnd type="none" w="sm" len="sm"/>
+            <a:tailEnd type="none" w="sm" len="sm"/>
+          </a:ln>
+        </p:spPr>
+        <p:txBody>
+          <a:bodyPr spcFirstLastPara="1" wrap="square" lIns="91425" tIns="45700" rIns="91425" bIns="45700" anchor="ctr" anchorCtr="0">
+            <a:noAutofit/>
+          </a:bodyPr>
+          <a:lstStyle/>
+          <a:p>
+            <a:pPr marL="0" marR="0" lvl="0" indent="0" algn="ctr" rtl="0">
+              <a:spcBef>
+                <a:spcPts val="0"/>
+              </a:spcBef>
+              <a:spcAft>
+                <a:spcPts val="0"/>
+              </a:spcAft>
+              <a:buNone/>
+            </a:pPr>
+            <a:r>
+              <a:rPr lang="en" sz="1050">
+                <a:solidFill>
+                  <a:srgbClr val="7030A0"/>
+                </a:solidFill>
+                <a:latin typeface="Calibri"/>
+                <a:ea typeface="Calibri"/>
+                <a:cs typeface="Calibri"/>
+                <a:sym typeface="Calibri"/>
+              </a:rPr>
+              <a:t>Deadline</a:t>
+            </a:r>
+            <a:endParaRPr sz="1050" b="0" i="0" u="none" strike="noStrike" cap="none">
+              <a:solidFill>
+                <a:srgbClr val="7030A0"/>
+              </a:solidFill>
+              <a:latin typeface="Calibri"/>
+              <a:ea typeface="Calibri"/>
+              <a:cs typeface="Calibri"/>
+              <a:sym typeface="Calibri"/>
+            </a:endParaRPr>
+          </a:p>
+        </p:txBody>
+      </p:sp>
+      <p:cxnSp>
+        <p:nvCxnSpPr>
+          <p:cNvPr id="291" name="Google Shape;413;p30"/>
+          <p:cNvCxnSpPr/>
+          <p:nvPr/>
+        </p:nvCxnSpPr>
+        <p:spPr>
+          <a:xfrm rot="10800000" flipH="1">
+            <a:off x="7042151" y="1746076"/>
+            <a:ext cx="471900" cy="398700"/>
+          </a:xfrm>
+          <a:prstGeom prst="bentConnector3">
+            <a:avLst>
+              <a:gd name="adj1" fmla="val 50010"/>
+            </a:avLst>
+          </a:prstGeom>
+          <a:gradFill>
+            <a:gsLst>
+              <a:gs pos="0">
+                <a:srgbClr val="FFA09D"/>
+              </a:gs>
+              <a:gs pos="35000">
+                <a:srgbClr val="FFBCBC"/>
+              </a:gs>
+              <a:gs pos="100000">
+                <a:srgbClr val="FFE2E2"/>
+              </a:gs>
+            </a:gsLst>
+            <a:lin ang="16200038" scaled="0"/>
+          </a:gradFill>
+          <a:ln w="19050" cap="flat" cmpd="sng">
+            <a:solidFill>
+              <a:srgbClr val="7030A0"/>
+            </a:solidFill>
+            <a:prstDash val="solid"/>
+            <a:round/>
+            <a:headEnd type="none" w="sm" len="sm"/>
+            <a:tailEnd type="stealth" w="med" len="med"/>
+          </a:ln>
+        </p:spPr>
+      </p:cxnSp>
+      <p:sp>
+        <p:nvSpPr>
+          <p:cNvPr id="292" name="Google Shape;414;p30"/>
+          <p:cNvSpPr/>
+          <p:nvPr/>
+        </p:nvSpPr>
+        <p:spPr>
+          <a:xfrm>
+            <a:off x="5978275" y="2014725"/>
+            <a:ext cx="816300" cy="260100"/>
+          </a:xfrm>
+          <a:prstGeom prst="rect">
+            <a:avLst/>
+          </a:prstGeom>
+          <a:gradFill>
+            <a:gsLst>
+              <a:gs pos="0">
+                <a:srgbClr val="C8B2E9"/>
+              </a:gs>
+              <a:gs pos="35000">
+                <a:srgbClr val="D6CAED"/>
+              </a:gs>
+              <a:gs pos="100000">
+                <a:srgbClr val="EFE8FA"/>
+              </a:gs>
+            </a:gsLst>
+            <a:lin ang="16200038" scaled="0"/>
+          </a:gradFill>
+          <a:ln w="19050" cap="flat" cmpd="sng">
+            <a:solidFill>
+              <a:srgbClr val="7030A0"/>
+            </a:solidFill>
+            <a:prstDash val="solid"/>
+            <a:round/>
+            <a:headEnd type="none" w="sm" len="sm"/>
+            <a:tailEnd type="none" w="sm" len="sm"/>
+          </a:ln>
+        </p:spPr>
+        <p:txBody>
+          <a:bodyPr spcFirstLastPara="1" wrap="square" lIns="91425" tIns="45700" rIns="91425" bIns="45700" anchor="ctr" anchorCtr="0">
+            <a:noAutofit/>
+          </a:bodyPr>
+          <a:lstStyle/>
+          <a:p>
+            <a:pPr marL="0" marR="0" lvl="0" indent="0" algn="ctr" rtl="0">
+              <a:spcBef>
+                <a:spcPts val="0"/>
+              </a:spcBef>
+              <a:spcAft>
+                <a:spcPts val="0"/>
+              </a:spcAft>
+              <a:buNone/>
+            </a:pPr>
+            <a:r>
+              <a:rPr lang="en" sz="1050">
+                <a:solidFill>
+                  <a:srgbClr val="7030A0"/>
+                </a:solidFill>
+                <a:latin typeface="Calibri"/>
+                <a:ea typeface="Calibri"/>
+                <a:cs typeface="Calibri"/>
+                <a:sym typeface="Calibri"/>
+              </a:rPr>
+              <a:t>Homework</a:t>
+            </a:r>
+            <a:endParaRPr sz="1050" b="0" i="0" u="none" strike="noStrike" cap="none">
+              <a:solidFill>
+                <a:srgbClr val="7030A0"/>
+              </a:solidFill>
+              <a:latin typeface="Calibri"/>
+              <a:ea typeface="Calibri"/>
+              <a:cs typeface="Calibri"/>
+              <a:sym typeface="Calibri"/>
+            </a:endParaRPr>
+          </a:p>
+        </p:txBody>
+      </p:sp>
+      <p:cxnSp>
+        <p:nvCxnSpPr>
+          <p:cNvPr id="293" name="Google Shape;415;p30"/>
+          <p:cNvCxnSpPr/>
+          <p:nvPr/>
+        </p:nvCxnSpPr>
+        <p:spPr>
+          <a:xfrm rot="10800000" flipH="1">
+            <a:off x="7042151" y="2079676"/>
+            <a:ext cx="458700" cy="65100"/>
+          </a:xfrm>
+          <a:prstGeom prst="bentConnector3">
+            <a:avLst>
+              <a:gd name="adj1" fmla="val 50016"/>
+            </a:avLst>
+          </a:prstGeom>
+          <a:gradFill>
+            <a:gsLst>
+              <a:gs pos="0">
+                <a:srgbClr val="FFA09D"/>
+              </a:gs>
+              <a:gs pos="35000">
+                <a:srgbClr val="FFBCBC"/>
+              </a:gs>
+              <a:gs pos="100000">
+                <a:srgbClr val="FFE2E2"/>
+              </a:gs>
+            </a:gsLst>
+            <a:lin ang="16200038" scaled="0"/>
+          </a:gradFill>
+          <a:ln w="19050" cap="flat" cmpd="sng">
+            <a:solidFill>
+              <a:srgbClr val="7030A0"/>
+            </a:solidFill>
+            <a:prstDash val="solid"/>
+            <a:round/>
+            <a:headEnd type="none" w="sm" len="sm"/>
+            <a:tailEnd type="stealth" w="med" len="med"/>
+          </a:ln>
+        </p:spPr>
+      </p:cxnSp>
+      <p:cxnSp>
+        <p:nvCxnSpPr>
+          <p:cNvPr id="294" name="Google Shape;416;p30"/>
+          <p:cNvCxnSpPr/>
+          <p:nvPr/>
+        </p:nvCxnSpPr>
+        <p:spPr>
+          <a:xfrm>
+            <a:off x="7042151" y="2144776"/>
+            <a:ext cx="458700" cy="226800"/>
+          </a:xfrm>
+          <a:prstGeom prst="bentConnector3">
+            <a:avLst>
+              <a:gd name="adj1" fmla="val 50011"/>
+            </a:avLst>
+          </a:prstGeom>
+          <a:gradFill>
+            <a:gsLst>
+              <a:gs pos="0">
+                <a:srgbClr val="FFA09D"/>
+              </a:gs>
+              <a:gs pos="35000">
+                <a:srgbClr val="FFBCBC"/>
+              </a:gs>
+              <a:gs pos="100000">
+                <a:srgbClr val="FFE2E2"/>
+              </a:gs>
+            </a:gsLst>
+            <a:lin ang="16200038" scaled="0"/>
+          </a:gradFill>
+          <a:ln w="19050" cap="flat" cmpd="sng">
+            <a:solidFill>
+              <a:srgbClr val="7030A0"/>
+            </a:solidFill>
+            <a:prstDash val="solid"/>
+            <a:round/>
+            <a:headEnd type="none" w="sm" len="sm"/>
+            <a:tailEnd type="stealth" w="med" len="med"/>
+          </a:ln>
+        </p:spPr>
+      </p:cxnSp>
+      <p:sp>
+        <p:nvSpPr>
+          <p:cNvPr id="295" name="Google Shape;417;p30"/>
+          <p:cNvSpPr txBox="1"/>
+          <p:nvPr/>
+        </p:nvSpPr>
+        <p:spPr>
+          <a:xfrm>
+            <a:off x="5703968" y="3060463"/>
+            <a:ext cx="189300" cy="134100"/>
+          </a:xfrm>
+          <a:prstGeom prst="rect">
+            <a:avLst/>
+          </a:prstGeom>
+          <a:noFill/>
+          <a:ln>
+            <a:noFill/>
+          </a:ln>
+        </p:spPr>
+        <p:txBody>
+          <a:bodyPr spcFirstLastPara="1" wrap="square" lIns="0" tIns="0" rIns="0" bIns="0" anchor="t" anchorCtr="0">
+            <a:noAutofit/>
+          </a:bodyPr>
+          <a:lstStyle/>
+          <a:p>
+            <a:pPr marL="0" marR="0" lvl="0" indent="0" algn="ctr" rtl="0">
+              <a:spcBef>
+                <a:spcPts val="0"/>
+              </a:spcBef>
+              <a:spcAft>
+                <a:spcPts val="0"/>
+              </a:spcAft>
+              <a:buNone/>
+            </a:pPr>
+            <a:r>
+              <a:rPr lang="en" sz="1100">
+                <a:solidFill>
+                  <a:srgbClr val="7030A0"/>
+                </a:solidFill>
+                <a:latin typeface="Calibri"/>
+                <a:ea typeface="Calibri"/>
+                <a:cs typeface="Calibri"/>
+                <a:sym typeface="Calibri"/>
+              </a:rPr>
+              <a:t>*</a:t>
+            </a:r>
+            <a:endParaRPr sz="1100">
+              <a:solidFill>
+                <a:srgbClr val="7030A0"/>
+              </a:solidFill>
+              <a:latin typeface="Calibri"/>
+              <a:ea typeface="Calibri"/>
+              <a:cs typeface="Calibri"/>
+              <a:sym typeface="Calibri"/>
+            </a:endParaRPr>
+          </a:p>
+        </p:txBody>
+      </p:sp>
+      <p:sp>
+        <p:nvSpPr>
+          <p:cNvPr id="296" name="Google Shape;418;p30"/>
+          <p:cNvSpPr/>
+          <p:nvPr/>
+        </p:nvSpPr>
+        <p:spPr>
+          <a:xfrm>
+            <a:off x="5523226" y="2089532"/>
+            <a:ext cx="236048" cy="130035"/>
+          </a:xfrm>
+          <a:prstGeom prst="flowChartDecision">
+            <a:avLst/>
+          </a:prstGeom>
+          <a:noFill/>
+          <a:ln w="19050" cap="flat" cmpd="sng">
+            <a:solidFill>
+              <a:srgbClr val="7030A0"/>
+            </a:solidFill>
+            <a:prstDash val="solid"/>
+            <a:round/>
+            <a:headEnd type="none" w="sm" len="sm"/>
+            <a:tailEnd type="none" w="sm" len="sm"/>
+          </a:ln>
+        </p:spPr>
+        <p:txBody>
+          <a:bodyPr spcFirstLastPara="1" wrap="square" lIns="91425" tIns="45700" rIns="91425" bIns="45700" anchor="ctr" anchorCtr="0">
+            <a:noAutofit/>
+          </a:bodyPr>
+          <a:lstStyle/>
+          <a:p>
+            <a:pPr marL="0" marR="0" lvl="0" indent="0" algn="ctr" rtl="0">
+              <a:spcBef>
+                <a:spcPts val="0"/>
+              </a:spcBef>
+              <a:spcAft>
+                <a:spcPts val="0"/>
+              </a:spcAft>
+              <a:buNone/>
+            </a:pPr>
+            <a:endParaRPr sz="1050">
+              <a:solidFill>
+                <a:srgbClr val="000000"/>
+              </a:solidFill>
+              <a:latin typeface="Calibri"/>
+              <a:ea typeface="Calibri"/>
+              <a:cs typeface="Calibri"/>
+              <a:sym typeface="Calibri"/>
+            </a:endParaRPr>
+          </a:p>
+        </p:txBody>
+      </p:sp>
+      <p:cxnSp>
+        <p:nvCxnSpPr>
+          <p:cNvPr id="297" name="Google Shape;419;p30"/>
+          <p:cNvCxnSpPr/>
+          <p:nvPr/>
+        </p:nvCxnSpPr>
+        <p:spPr>
+          <a:xfrm>
+            <a:off x="5759274" y="2154549"/>
+            <a:ext cx="219000" cy="2400"/>
           </a:xfrm>
           <a:prstGeom prst="bentConnector3">
             <a:avLst>
               <a:gd name="adj1" fmla="val 50000"/>
             </a:avLst>
           </a:prstGeom>
-          <a:ln w="19050">
+          <a:gradFill>
+            <a:gsLst>
+              <a:gs pos="0">
+                <a:srgbClr val="FFA09D"/>
+              </a:gs>
+              <a:gs pos="35000">
+                <a:srgbClr val="FFBCBC"/>
+              </a:gs>
+              <a:gs pos="100000">
+                <a:srgbClr val="FFE2E2"/>
+              </a:gs>
+            </a:gsLst>
+            <a:lin ang="16200038" scaled="0"/>
+          </a:gradFill>
+          <a:ln w="19050" cap="flat" cmpd="sng">
             <a:solidFill>
               <a:srgbClr val="7030A0"/>
             </a:solidFill>
-            <a:prstDash val="sysDot"/>
-            <a:headEnd type="none" w="med" len="med"/>
-            <a:tailEnd type="none" w="med" len="med"/>
+            <a:prstDash val="solid"/>
+            <a:round/>
+            <a:headEnd type="none" w="sm" len="sm"/>
+            <a:tailEnd type="stealth" w="med" len="med"/>
           </a:ln>
-          <a:effectLst/>
-        </p:spPr>
-        <p:style>
-          <a:lnRef idx="1">
-            <a:schemeClr val="accent2"/>
-          </a:lnRef>
-          <a:fillRef idx="2">
-            <a:schemeClr val="accent2"/>
-          </a:fillRef>
-          <a:effectRef idx="1">
-            <a:schemeClr val="accent2"/>
-          </a:effectRef>
-          <a:fontRef idx="minor">
-            <a:schemeClr val="dk1"/>
-          </a:fontRef>
-        </p:style>
+        </p:spPr>
       </p:cxnSp>
       <p:sp>
         <p:nvSpPr>
-          <p:cNvPr id="57" name="Rectangle 8">
-            <a:extLst>
-              <a:ext uri="{FF2B5EF4-FFF2-40B4-BE49-F238E27FC236}">
-                <a16:creationId xmlns:a16="http://schemas.microsoft.com/office/drawing/2014/main" id="{6A42DA50-9012-4391-9EF3-285E4FA3FCD8}"/>
-              </a:ext>
-            </a:extLst>
-          </p:cNvPr>
+          <p:cNvPr id="298" name="Google Shape;420;p30"/>
+          <p:cNvSpPr txBox="1"/>
+          <p:nvPr/>
+        </p:nvSpPr>
+        <p:spPr>
+          <a:xfrm>
+            <a:off x="5707706" y="1945563"/>
+            <a:ext cx="189300" cy="134100"/>
+          </a:xfrm>
+          <a:prstGeom prst="rect">
+            <a:avLst/>
+          </a:prstGeom>
+          <a:noFill/>
+          <a:ln>
+            <a:noFill/>
+          </a:ln>
+        </p:spPr>
+        <p:txBody>
+          <a:bodyPr spcFirstLastPara="1" wrap="square" lIns="0" tIns="0" rIns="0" bIns="0" anchor="t" anchorCtr="0">
+            <a:noAutofit/>
+          </a:bodyPr>
+          <a:lstStyle/>
+          <a:p>
+            <a:pPr marL="0" marR="0" lvl="0" indent="0" algn="ctr" rtl="0">
+              <a:spcBef>
+                <a:spcPts val="0"/>
+              </a:spcBef>
+              <a:spcAft>
+                <a:spcPts val="0"/>
+              </a:spcAft>
+              <a:buNone/>
+            </a:pPr>
+            <a:r>
+              <a:rPr lang="en" sz="1100">
+                <a:solidFill>
+                  <a:srgbClr val="7030A0"/>
+                </a:solidFill>
+                <a:latin typeface="Calibri"/>
+                <a:ea typeface="Calibri"/>
+                <a:cs typeface="Calibri"/>
+                <a:sym typeface="Calibri"/>
+              </a:rPr>
+              <a:t>*</a:t>
+            </a:r>
+            <a:endParaRPr sz="1100">
+              <a:solidFill>
+                <a:srgbClr val="7030A0"/>
+              </a:solidFill>
+              <a:latin typeface="Calibri"/>
+              <a:ea typeface="Calibri"/>
+              <a:cs typeface="Calibri"/>
+              <a:sym typeface="Calibri"/>
+            </a:endParaRPr>
+          </a:p>
+        </p:txBody>
+      </p:sp>
+      <p:sp>
+        <p:nvSpPr>
+          <p:cNvPr id="299" name="Google Shape;421;p30"/>
           <p:cNvSpPr/>
           <p:nvPr/>
         </p:nvSpPr>
         <p:spPr>
           <a:xfrm>
-            <a:off x="4238892" y="3460864"/>
-            <a:ext cx="1293486" cy="346760"/>
-          </a:xfrm>
-          <a:prstGeom prst="rect">
+            <a:off x="5523226" y="2621594"/>
+            <a:ext cx="236048" cy="130035"/>
+          </a:xfrm>
+          <a:prstGeom prst="flowChartDecision">
             <a:avLst/>
           </a:prstGeom>
-          <a:ln w="19050">
+          <a:noFill/>
+          <a:ln w="19050" cap="flat" cmpd="sng">
             <a:solidFill>
               <a:srgbClr val="7030A0"/>
             </a:solidFill>
+            <a:prstDash val="solid"/>
+            <a:round/>
+            <a:headEnd type="none" w="sm" len="sm"/>
+            <a:tailEnd type="none" w="sm" len="sm"/>
           </a:ln>
-          <a:effectLst/>
-        </p:spPr>
-        <p:style>
-          <a:lnRef idx="1">
-            <a:schemeClr val="accent4"/>
-          </a:lnRef>
-          <a:fillRef idx="2">
-            <a:schemeClr val="accent4"/>
-          </a:fillRef>
-          <a:effectRef idx="1">
-            <a:schemeClr val="accent4"/>
-          </a:effectRef>
-          <a:fontRef idx="minor">
-            <a:schemeClr val="dk1"/>
-          </a:fontRef>
-        </p:style>
-        <p:txBody>
-          <a:bodyPr rtlCol="0" anchor="ctr"/>
-          <a:lstStyle/>
-          <a:p>
-            <a:pPr algn="ctr"/>
-            <a:r>
-              <a:rPr lang="en-US" sz="1050" dirty="0">
+        </p:spPr>
+        <p:txBody>
+          <a:bodyPr spcFirstLastPara="1" wrap="square" lIns="91425" tIns="45700" rIns="91425" bIns="45700" anchor="ctr" anchorCtr="0">
+            <a:noAutofit/>
+          </a:bodyPr>
+          <a:lstStyle/>
+          <a:p>
+            <a:pPr marL="0" marR="0" lvl="0" indent="0" algn="ctr" rtl="0">
+              <a:spcBef>
+                <a:spcPts val="0"/>
+              </a:spcBef>
+              <a:spcAft>
+                <a:spcPts val="0"/>
+              </a:spcAft>
+              <a:buNone/>
+            </a:pPr>
+            <a:endParaRPr sz="1050">
+              <a:solidFill>
+                <a:srgbClr val="000000"/>
+              </a:solidFill>
+              <a:latin typeface="Calibri"/>
+              <a:ea typeface="Calibri"/>
+              <a:cs typeface="Calibri"/>
+              <a:sym typeface="Calibri"/>
+            </a:endParaRPr>
+          </a:p>
+        </p:txBody>
+      </p:sp>
+      <p:sp>
+        <p:nvSpPr>
+          <p:cNvPr id="300" name="Google Shape;387;p30"/>
+          <p:cNvSpPr/>
+          <p:nvPr/>
+        </p:nvSpPr>
+        <p:spPr>
+          <a:xfrm>
+            <a:off x="7514150" y="3536825"/>
+            <a:ext cx="1169700" cy="214200"/>
+          </a:xfrm>
+          <a:prstGeom prst="rect">
+            <a:avLst/>
+          </a:prstGeom>
+          <a:gradFill>
+            <a:gsLst>
+              <a:gs pos="0">
+                <a:srgbClr val="C8B2E9"/>
+              </a:gs>
+              <a:gs pos="35000">
+                <a:srgbClr val="D6CAED"/>
+              </a:gs>
+              <a:gs pos="100000">
+                <a:srgbClr val="EFE8FA"/>
+              </a:gs>
+            </a:gsLst>
+            <a:lin ang="16200038" scaled="0"/>
+          </a:gradFill>
+          <a:ln w="19050" cap="flat" cmpd="sng">
+            <a:solidFill>
+              <a:srgbClr val="7030A0"/>
+            </a:solidFill>
+            <a:prstDash val="solid"/>
+            <a:round/>
+            <a:headEnd type="none" w="sm" len="sm"/>
+            <a:tailEnd type="none" w="sm" len="sm"/>
+          </a:ln>
+        </p:spPr>
+        <p:txBody>
+          <a:bodyPr spcFirstLastPara="1" wrap="square" lIns="91425" tIns="45700" rIns="91425" bIns="45700" anchor="ctr" anchorCtr="0">
+            <a:noAutofit/>
+          </a:bodyPr>
+          <a:lstStyle/>
+          <a:p>
+            <a:pPr marL="0" marR="0" lvl="0" indent="0" algn="ctr" rtl="0">
+              <a:spcBef>
+                <a:spcPts val="0"/>
+              </a:spcBef>
+              <a:spcAft>
+                <a:spcPts val="0"/>
+              </a:spcAft>
+              <a:buNone/>
+            </a:pPr>
+            <a:r>
+              <a:rPr lang="en" sz="1050">
                 <a:solidFill>
                   <a:srgbClr val="7030A0"/>
                 </a:solidFill>
+                <a:latin typeface="Calibri"/>
+                <a:ea typeface="Calibri"/>
+                <a:cs typeface="Calibri"/>
+                <a:sym typeface="Calibri"/>
               </a:rPr>
-              <a:t>&lt;&lt;interface&gt;&gt;</a:t>
-            </a:r>
-          </a:p>
-          <a:p>
-            <a:pPr algn="ctr"/>
-            <a:r>
-              <a:rPr lang="en-US" sz="1050" dirty="0" err="1">
+              <a:t>ModuleCode</a:t>
+            </a:r>
+            <a:endParaRPr sz="1050" b="0" i="0" u="none" strike="noStrike" cap="none">
+              <a:solidFill>
+                <a:srgbClr val="7030A0"/>
+              </a:solidFill>
+              <a:latin typeface="Calibri"/>
+              <a:ea typeface="Calibri"/>
+              <a:cs typeface="Calibri"/>
+              <a:sym typeface="Calibri"/>
+            </a:endParaRPr>
+          </a:p>
+        </p:txBody>
+      </p:sp>
+      <p:sp>
+        <p:nvSpPr>
+          <p:cNvPr id="301" name="Google Shape;389;p30"/>
+          <p:cNvSpPr/>
+          <p:nvPr/>
+        </p:nvSpPr>
+        <p:spPr>
+          <a:xfrm>
+            <a:off x="7526975" y="3807338"/>
+            <a:ext cx="1156800" cy="214200"/>
+          </a:xfrm>
+          <a:prstGeom prst="rect">
+            <a:avLst/>
+          </a:prstGeom>
+          <a:gradFill>
+            <a:gsLst>
+              <a:gs pos="0">
+                <a:srgbClr val="C8B2E9"/>
+              </a:gs>
+              <a:gs pos="35000">
+                <a:srgbClr val="D6CAED"/>
+              </a:gs>
+              <a:gs pos="100000">
+                <a:srgbClr val="EFE8FA"/>
+              </a:gs>
+            </a:gsLst>
+            <a:lin ang="16200038" scaled="0"/>
+          </a:gradFill>
+          <a:ln w="19050" cap="flat" cmpd="sng">
+            <a:solidFill>
+              <a:srgbClr val="7030A0"/>
+            </a:solidFill>
+            <a:prstDash val="solid"/>
+            <a:round/>
+            <a:headEnd type="none" w="sm" len="sm"/>
+            <a:tailEnd type="none" w="sm" len="sm"/>
+          </a:ln>
+        </p:spPr>
+        <p:txBody>
+          <a:bodyPr spcFirstLastPara="1" wrap="square" lIns="91425" tIns="45700" rIns="91425" bIns="45700" anchor="ctr" anchorCtr="0">
+            <a:noAutofit/>
+          </a:bodyPr>
+          <a:lstStyle/>
+          <a:p>
+            <a:pPr marL="0" marR="0" lvl="0" indent="0" algn="ctr" rtl="0">
+              <a:spcBef>
+                <a:spcPts val="0"/>
+              </a:spcBef>
+              <a:spcAft>
+                <a:spcPts val="0"/>
+              </a:spcAft>
+              <a:buNone/>
+            </a:pPr>
+            <a:r>
+              <a:rPr lang="en" sz="1050">
                 <a:solidFill>
                   <a:srgbClr val="7030A0"/>
                 </a:solidFill>
+                <a:latin typeface="Calibri"/>
+                <a:ea typeface="Calibri"/>
+                <a:cs typeface="Calibri"/>
+                <a:sym typeface="Calibri"/>
               </a:rPr>
-              <a:t>ReadOnlyUserPrefs</a:t>
-            </a:r>
-            <a:endParaRPr lang="en-SG" sz="1050" dirty="0">
+              <a:t>ModuleGrade</a:t>
+            </a:r>
+            <a:endParaRPr sz="1050" b="0" i="0" u="none" strike="noStrike" cap="none">
               <a:solidFill>
                 <a:srgbClr val="7030A0"/>
               </a:solidFill>
+              <a:latin typeface="Calibri"/>
+              <a:ea typeface="Calibri"/>
+              <a:cs typeface="Calibri"/>
+              <a:sym typeface="Calibri"/>
             </a:endParaRPr>
           </a:p>
         </p:txBody>
       </p:sp>
       <p:sp>
         <p:nvSpPr>
-          <p:cNvPr id="59" name="Isosceles Triangle 102">
-            <a:extLst>
-              <a:ext uri="{FF2B5EF4-FFF2-40B4-BE49-F238E27FC236}">
-                <a16:creationId xmlns:a16="http://schemas.microsoft.com/office/drawing/2014/main" id="{B263B2D7-6E76-465E-B40E-7E2A46254A84}"/>
-              </a:ext>
-            </a:extLst>
-          </p:cNvPr>
+          <p:cNvPr id="302" name="Google Shape;391;p30"/>
           <p:cNvSpPr/>
           <p:nvPr/>
         </p:nvSpPr>
         <p:spPr>
-          <a:xfrm rot="5400000" flipH="1">
-            <a:off x="3992636" y="3514414"/>
-            <a:ext cx="271014" cy="221497"/>
-          </a:xfrm>
-          <a:prstGeom prst="triangle">
-            <a:avLst>
-              <a:gd name="adj" fmla="val 44517"/>
-            </a:avLst>
-          </a:prstGeom>
-          <a:solidFill>
-            <a:schemeClr val="accent4">
-              <a:lumMod val="20000"/>
-              <a:lumOff val="80000"/>
-            </a:schemeClr>
-          </a:solidFill>
-          <a:ln w="19050">
+          <a:xfrm>
+            <a:off x="7526975" y="4077863"/>
+            <a:ext cx="1156800" cy="214200"/>
+          </a:xfrm>
+          <a:prstGeom prst="rect">
+            <a:avLst/>
+          </a:prstGeom>
+          <a:gradFill>
+            <a:gsLst>
+              <a:gs pos="0">
+                <a:srgbClr val="C8B2E9"/>
+              </a:gs>
+              <a:gs pos="35000">
+                <a:srgbClr val="D6CAED"/>
+              </a:gs>
+              <a:gs pos="100000">
+                <a:srgbClr val="EFE8FA"/>
+              </a:gs>
+            </a:gsLst>
+            <a:lin ang="16200038" scaled="0"/>
+          </a:gradFill>
+          <a:ln w="19050" cap="flat" cmpd="sng">
             <a:solidFill>
               <a:srgbClr val="7030A0"/>
             </a:solidFill>
+            <a:prstDash val="solid"/>
+            <a:round/>
+            <a:headEnd type="none" w="sm" len="sm"/>
+            <a:tailEnd type="none" w="sm" len="sm"/>
           </a:ln>
-          <a:effectLst/>
-        </p:spPr>
-        <p:style>
-          <a:lnRef idx="1">
-            <a:schemeClr val="accent6"/>
-          </a:lnRef>
-          <a:fillRef idx="2">
-            <a:schemeClr val="accent6"/>
-          </a:fillRef>
-          <a:effectRef idx="1">
-            <a:schemeClr val="accent6"/>
-          </a:effectRef>
-          <a:fontRef idx="minor">
-            <a:schemeClr val="dk1"/>
-          </a:fontRef>
-        </p:style>
-        <p:txBody>
-          <a:bodyPr rtlCol="0" anchor="ctr"/>
-          <a:lstStyle/>
-          <a:p>
-            <a:pPr algn="ctr"/>
-            <a:endParaRPr lang="en-SG" sz="1050"/>
+        </p:spPr>
+        <p:txBody>
+          <a:bodyPr spcFirstLastPara="1" wrap="square" lIns="91425" tIns="45700" rIns="91425" bIns="45700" anchor="ctr" anchorCtr="0">
+            <a:noAutofit/>
+          </a:bodyPr>
+          <a:lstStyle/>
+          <a:p>
+            <a:pPr marL="0" marR="0" lvl="0" indent="0" algn="ctr" rtl="0">
+              <a:spcBef>
+                <a:spcPts val="0"/>
+              </a:spcBef>
+              <a:spcAft>
+                <a:spcPts val="0"/>
+              </a:spcAft>
+              <a:buNone/>
+            </a:pPr>
+            <a:r>
+              <a:rPr lang="en" sz="1050">
+                <a:solidFill>
+                  <a:srgbClr val="7030A0"/>
+                </a:solidFill>
+                <a:latin typeface="Calibri"/>
+                <a:ea typeface="Calibri"/>
+                <a:cs typeface="Calibri"/>
+                <a:sym typeface="Calibri"/>
+              </a:rPr>
+              <a:t>ModuleCredits</a:t>
+            </a:r>
+            <a:endParaRPr sz="1050" b="0" i="0" u="none" strike="noStrike" cap="none">
+              <a:solidFill>
+                <a:srgbClr val="7030A0"/>
+              </a:solidFill>
+              <a:latin typeface="Calibri"/>
+              <a:ea typeface="Calibri"/>
+              <a:cs typeface="Calibri"/>
+              <a:sym typeface="Calibri"/>
+            </a:endParaRPr>
+          </a:p>
+        </p:txBody>
+      </p:sp>
+      <p:sp>
+        <p:nvSpPr>
+          <p:cNvPr id="303" name="Google Shape;422;p30"/>
+          <p:cNvSpPr/>
+          <p:nvPr/>
+        </p:nvSpPr>
+        <p:spPr>
+          <a:xfrm>
+            <a:off x="7526975" y="4348388"/>
+            <a:ext cx="1156800" cy="214200"/>
+          </a:xfrm>
+          <a:prstGeom prst="rect">
+            <a:avLst/>
+          </a:prstGeom>
+          <a:gradFill>
+            <a:gsLst>
+              <a:gs pos="0">
+                <a:srgbClr val="C8B2E9"/>
+              </a:gs>
+              <a:gs pos="35000">
+                <a:srgbClr val="D6CAED"/>
+              </a:gs>
+              <a:gs pos="100000">
+                <a:srgbClr val="EFE8FA"/>
+              </a:gs>
+            </a:gsLst>
+            <a:lin ang="16200038" scaled="0"/>
+          </a:gradFill>
+          <a:ln w="19050" cap="flat" cmpd="sng">
+            <a:solidFill>
+              <a:srgbClr val="7030A0"/>
+            </a:solidFill>
+            <a:prstDash val="solid"/>
+            <a:round/>
+            <a:headEnd type="none" w="sm" len="sm"/>
+            <a:tailEnd type="none" w="sm" len="sm"/>
+          </a:ln>
+        </p:spPr>
+        <p:txBody>
+          <a:bodyPr spcFirstLastPara="1" wrap="square" lIns="91425" tIns="45700" rIns="91425" bIns="45700" anchor="ctr" anchorCtr="0">
+            <a:noAutofit/>
+          </a:bodyPr>
+          <a:lstStyle/>
+          <a:p>
+            <a:pPr marL="0" marR="0" lvl="0" indent="0" algn="ctr" rtl="0">
+              <a:spcBef>
+                <a:spcPts val="0"/>
+              </a:spcBef>
+              <a:spcAft>
+                <a:spcPts val="0"/>
+              </a:spcAft>
+              <a:buNone/>
+            </a:pPr>
+            <a:r>
+              <a:rPr lang="en" sz="1050">
+                <a:solidFill>
+                  <a:srgbClr val="7030A0"/>
+                </a:solidFill>
+                <a:latin typeface="Calibri"/>
+                <a:ea typeface="Calibri"/>
+                <a:cs typeface="Calibri"/>
+                <a:sym typeface="Calibri"/>
+              </a:rPr>
+              <a:t>ModuleSemester</a:t>
+            </a:r>
+            <a:endParaRPr sz="1050" b="0" i="0" u="none" strike="noStrike" cap="none">
+              <a:solidFill>
+                <a:srgbClr val="7030A0"/>
+              </a:solidFill>
+              <a:latin typeface="Calibri"/>
+              <a:ea typeface="Calibri"/>
+              <a:cs typeface="Calibri"/>
+              <a:sym typeface="Calibri"/>
+            </a:endParaRPr>
           </a:p>
         </p:txBody>
       </p:sp>
       <p:cxnSp>
         <p:nvCxnSpPr>
-          <p:cNvPr id="67" name="Elbow Connector 63">
-            <a:extLst>
-              <a:ext uri="{FF2B5EF4-FFF2-40B4-BE49-F238E27FC236}">
-                <a16:creationId xmlns:a16="http://schemas.microsoft.com/office/drawing/2014/main" id="{BA3A25CD-7C1D-4B3B-B294-1B05ABCFECFD}"/>
-              </a:ext>
-            </a:extLst>
-          </p:cNvPr>
-          <p:cNvCxnSpPr>
-            <a:cxnSpLocks/>
-            <a:stCxn id="59" idx="3"/>
-            <a:endCxn id="2" idx="3"/>
-          </p:cNvCxnSpPr>
+          <p:cNvPr id="304" name="Google Shape;423;p30"/>
+          <p:cNvCxnSpPr/>
           <p:nvPr/>
         </p:nvCxnSpPr>
         <p:spPr>
-          <a:xfrm rot="10800000">
-            <a:off x="3703491" y="3636621"/>
-            <a:ext cx="313904" cy="3403"/>
+          <a:xfrm>
+            <a:off x="7042145" y="3223568"/>
+            <a:ext cx="484800" cy="1231800"/>
+          </a:xfrm>
+          <a:prstGeom prst="bentConnector3">
+            <a:avLst>
+              <a:gd name="adj1" fmla="val 50003"/>
+            </a:avLst>
+          </a:prstGeom>
+          <a:gradFill>
+            <a:gsLst>
+              <a:gs pos="0">
+                <a:srgbClr val="FFA09D"/>
+              </a:gs>
+              <a:gs pos="35000">
+                <a:srgbClr val="FFBCBC"/>
+              </a:gs>
+              <a:gs pos="100000">
+                <a:srgbClr val="FFE2E2"/>
+              </a:gs>
+            </a:gsLst>
+            <a:lin ang="16200038" scaled="0"/>
+          </a:gradFill>
+          <a:ln w="19050" cap="flat" cmpd="sng">
+            <a:solidFill>
+              <a:srgbClr val="7030A0"/>
+            </a:solidFill>
+            <a:prstDash val="solid"/>
+            <a:round/>
+            <a:headEnd type="none" w="sm" len="sm"/>
+            <a:tailEnd type="stealth" w="med" len="med"/>
+          </a:ln>
+        </p:spPr>
+      </p:cxnSp>
+      <p:sp>
+        <p:nvSpPr>
+          <p:cNvPr id="305" name="Google Shape;424;p30"/>
+          <p:cNvSpPr txBox="1"/>
+          <p:nvPr/>
+        </p:nvSpPr>
+        <p:spPr>
+          <a:xfrm>
+            <a:off x="5707693" y="2502433"/>
+            <a:ext cx="189300" cy="134100"/>
+          </a:xfrm>
+          <a:prstGeom prst="rect">
+            <a:avLst/>
+          </a:prstGeom>
+          <a:noFill/>
+          <a:ln>
+            <a:noFill/>
+          </a:ln>
+        </p:spPr>
+        <p:txBody>
+          <a:bodyPr spcFirstLastPara="1" wrap="square" lIns="0" tIns="0" rIns="0" bIns="0" anchor="t" anchorCtr="0">
+            <a:noAutofit/>
+          </a:bodyPr>
+          <a:lstStyle/>
+          <a:p>
+            <a:pPr marL="0" marR="0" lvl="0" indent="0" algn="ctr" rtl="0">
+              <a:spcBef>
+                <a:spcPts val="0"/>
+              </a:spcBef>
+              <a:spcAft>
+                <a:spcPts val="0"/>
+              </a:spcAft>
+              <a:buNone/>
+            </a:pPr>
+            <a:r>
+              <a:rPr lang="en" sz="1100">
+                <a:solidFill>
+                  <a:srgbClr val="7030A0"/>
+                </a:solidFill>
+                <a:latin typeface="Calibri"/>
+                <a:ea typeface="Calibri"/>
+                <a:cs typeface="Calibri"/>
+                <a:sym typeface="Calibri"/>
+              </a:rPr>
+              <a:t>*</a:t>
+            </a:r>
+            <a:endParaRPr sz="1100">
+              <a:solidFill>
+                <a:srgbClr val="7030A0"/>
+              </a:solidFill>
+              <a:latin typeface="Calibri"/>
+              <a:ea typeface="Calibri"/>
+              <a:cs typeface="Calibri"/>
+              <a:sym typeface="Calibri"/>
+            </a:endParaRPr>
+          </a:p>
+        </p:txBody>
+      </p:sp>
+      <p:sp>
+        <p:nvSpPr>
+          <p:cNvPr id="306" name="Google Shape;425;p30"/>
+          <p:cNvSpPr/>
+          <p:nvPr/>
+        </p:nvSpPr>
+        <p:spPr>
+          <a:xfrm>
+            <a:off x="5978275" y="2552838"/>
+            <a:ext cx="816300" cy="260100"/>
+          </a:xfrm>
+          <a:prstGeom prst="rect">
+            <a:avLst/>
+          </a:prstGeom>
+          <a:gradFill>
+            <a:gsLst>
+              <a:gs pos="0">
+                <a:srgbClr val="C8B2E9"/>
+              </a:gs>
+              <a:gs pos="35000">
+                <a:srgbClr val="D6CAED"/>
+              </a:gs>
+              <a:gs pos="100000">
+                <a:srgbClr val="EFE8FA"/>
+              </a:gs>
+            </a:gsLst>
+            <a:lin ang="16200038" scaled="0"/>
+          </a:gradFill>
+          <a:ln w="19050" cap="flat" cmpd="sng">
+            <a:solidFill>
+              <a:srgbClr val="7030A0"/>
+            </a:solidFill>
+            <a:prstDash val="solid"/>
+            <a:round/>
+            <a:headEnd type="none" w="sm" len="sm"/>
+            <a:tailEnd type="none" w="sm" len="sm"/>
+          </a:ln>
+        </p:spPr>
+        <p:txBody>
+          <a:bodyPr spcFirstLastPara="1" wrap="square" lIns="91425" tIns="45700" rIns="91425" bIns="45700" anchor="ctr" anchorCtr="0">
+            <a:noAutofit/>
+          </a:bodyPr>
+          <a:lstStyle/>
+          <a:p>
+            <a:pPr marL="0" marR="0" lvl="0" indent="0" algn="ctr" rtl="0">
+              <a:spcBef>
+                <a:spcPts val="0"/>
+              </a:spcBef>
+              <a:spcAft>
+                <a:spcPts val="0"/>
+              </a:spcAft>
+              <a:buNone/>
+            </a:pPr>
+            <a:r>
+              <a:rPr lang="en" sz="1050">
+                <a:solidFill>
+                  <a:srgbClr val="7030A0"/>
+                </a:solidFill>
+                <a:latin typeface="Calibri"/>
+                <a:ea typeface="Calibri"/>
+                <a:cs typeface="Calibri"/>
+                <a:sym typeface="Calibri"/>
+              </a:rPr>
+              <a:t>Note</a:t>
+            </a:r>
+            <a:endParaRPr sz="1050" b="0" i="0" u="none" strike="noStrike" cap="none">
+              <a:solidFill>
+                <a:srgbClr val="7030A0"/>
+              </a:solidFill>
+              <a:latin typeface="Calibri"/>
+              <a:ea typeface="Calibri"/>
+              <a:cs typeface="Calibri"/>
+              <a:sym typeface="Calibri"/>
+            </a:endParaRPr>
+          </a:p>
+        </p:txBody>
+      </p:sp>
+      <p:cxnSp>
+        <p:nvCxnSpPr>
+          <p:cNvPr id="307" name="Google Shape;426;p30"/>
+          <p:cNvCxnSpPr/>
+          <p:nvPr/>
+        </p:nvCxnSpPr>
+        <p:spPr>
+          <a:xfrm>
+            <a:off x="5744649" y="2686612"/>
+            <a:ext cx="219000" cy="2400"/>
           </a:xfrm>
           <a:prstGeom prst="bentConnector3">
             <a:avLst>
               <a:gd name="adj1" fmla="val 50000"/>
             </a:avLst>
           </a:prstGeom>
-          <a:ln w="19050">
+          <a:gradFill>
+            <a:gsLst>
+              <a:gs pos="0">
+                <a:srgbClr val="FFA09D"/>
+              </a:gs>
+              <a:gs pos="35000">
+                <a:srgbClr val="FFBCBC"/>
+              </a:gs>
+              <a:gs pos="100000">
+                <a:srgbClr val="FFE2E2"/>
+              </a:gs>
+            </a:gsLst>
+            <a:lin ang="16200038" scaled="0"/>
+          </a:gradFill>
+          <a:ln w="19050" cap="flat" cmpd="sng">
             <a:solidFill>
               <a:srgbClr val="7030A0"/>
             </a:solidFill>
-            <a:prstDash val="sysDot"/>
+            <a:prstDash val="solid"/>
+            <a:round/>
+            <a:headEnd type="none" w="sm" len="sm"/>
+            <a:tailEnd type="stealth" w="med" len="med"/>
+          </a:ln>
+        </p:spPr>
+      </p:cxnSp>
+      <p:cxnSp>
+        <p:nvCxnSpPr>
+          <p:cNvPr id="308" name="Google Shape;427;p30"/>
+          <p:cNvCxnSpPr/>
+          <p:nvPr/>
+        </p:nvCxnSpPr>
+        <p:spPr>
+          <a:xfrm rot="10800000" flipH="1">
+            <a:off x="3898795" y="2144729"/>
+            <a:ext cx="180900" cy="830700"/>
+          </a:xfrm>
+          <a:prstGeom prst="bentConnector3">
+            <a:avLst>
+              <a:gd name="adj1" fmla="val 16587"/>
+            </a:avLst>
+          </a:prstGeom>
+          <a:gradFill>
+            <a:gsLst>
+              <a:gs pos="0">
+                <a:srgbClr val="FFA09D"/>
+              </a:gs>
+              <a:gs pos="35000">
+                <a:srgbClr val="FFBCBC"/>
+              </a:gs>
+              <a:gs pos="100000">
+                <a:srgbClr val="FFE2E2"/>
+              </a:gs>
+            </a:gsLst>
+            <a:lin ang="16200038" scaled="0"/>
+          </a:gradFill>
+          <a:ln w="19050" cap="flat" cmpd="sng">
+            <a:solidFill>
+              <a:srgbClr val="7030A0"/>
+            </a:solidFill>
+            <a:prstDash val="solid"/>
+            <a:round/>
+            <a:headEnd type="none" w="sm" len="sm"/>
+            <a:tailEnd type="stealth" w="med" len="med"/>
+          </a:ln>
+        </p:spPr>
+      </p:cxnSp>
+      <p:sp>
+        <p:nvSpPr>
+          <p:cNvPr id="309" name="Google Shape;428;p30"/>
+          <p:cNvSpPr/>
+          <p:nvPr/>
+        </p:nvSpPr>
+        <p:spPr>
+          <a:xfrm>
+            <a:off x="6809203" y="2620658"/>
+            <a:ext cx="236048" cy="130035"/>
+          </a:xfrm>
+          <a:prstGeom prst="flowChartDecision">
+            <a:avLst/>
+          </a:prstGeom>
+          <a:solidFill>
+            <a:srgbClr val="7030A0"/>
+          </a:solidFill>
+          <a:ln w="19050" cap="flat" cmpd="sng">
+            <a:solidFill>
+              <a:srgbClr val="7030A0"/>
+            </a:solidFill>
+            <a:prstDash val="solid"/>
+            <a:round/>
+            <a:headEnd type="none" w="sm" len="sm"/>
+            <a:tailEnd type="none" w="sm" len="sm"/>
+          </a:ln>
+        </p:spPr>
+        <p:txBody>
+          <a:bodyPr spcFirstLastPara="1" wrap="square" lIns="91425" tIns="45700" rIns="91425" bIns="45700" anchor="ctr" anchorCtr="0">
+            <a:noAutofit/>
+          </a:bodyPr>
+          <a:lstStyle/>
+          <a:p>
+            <a:pPr marL="0" marR="0" lvl="0" indent="0" algn="ctr" rtl="0">
+              <a:spcBef>
+                <a:spcPts val="0"/>
+              </a:spcBef>
+              <a:spcAft>
+                <a:spcPts val="0"/>
+              </a:spcAft>
+              <a:buNone/>
+            </a:pPr>
+            <a:endParaRPr sz="1050" b="0" i="0" u="none" strike="noStrike" cap="none">
+              <a:solidFill>
+                <a:srgbClr val="000000"/>
+              </a:solidFill>
+              <a:latin typeface="Calibri"/>
+              <a:ea typeface="Calibri"/>
+              <a:cs typeface="Calibri"/>
+              <a:sym typeface="Calibri"/>
+            </a:endParaRPr>
+          </a:p>
+        </p:txBody>
+      </p:sp>
+      <p:sp>
+        <p:nvSpPr>
+          <p:cNvPr id="310" name="Google Shape;429;p30"/>
+          <p:cNvSpPr/>
+          <p:nvPr/>
+        </p:nvSpPr>
+        <p:spPr>
+          <a:xfrm>
+            <a:off x="7662200" y="2575800"/>
+            <a:ext cx="1156800" cy="214200"/>
+          </a:xfrm>
+          <a:prstGeom prst="rect">
+            <a:avLst/>
+          </a:prstGeom>
+          <a:gradFill>
+            <a:gsLst>
+              <a:gs pos="0">
+                <a:srgbClr val="C8B2E9"/>
+              </a:gs>
+              <a:gs pos="35000">
+                <a:srgbClr val="D6CAED"/>
+              </a:gs>
+              <a:gs pos="100000">
+                <a:srgbClr val="EFE8FA"/>
+              </a:gs>
+            </a:gsLst>
+            <a:lin ang="16200038" scaled="0"/>
+          </a:gradFill>
+          <a:ln w="19050" cap="flat" cmpd="sng">
+            <a:solidFill>
+              <a:srgbClr val="7030A0"/>
+            </a:solidFill>
+            <a:prstDash val="solid"/>
+            <a:round/>
+            <a:headEnd type="none" w="sm" len="sm"/>
+            <a:tailEnd type="none" w="sm" len="sm"/>
+          </a:ln>
+        </p:spPr>
+        <p:txBody>
+          <a:bodyPr spcFirstLastPara="1" wrap="square" lIns="91425" tIns="45700" rIns="91425" bIns="45700" anchor="ctr" anchorCtr="0">
+            <a:noAutofit/>
+          </a:bodyPr>
+          <a:lstStyle/>
+          <a:p>
+            <a:pPr marL="0" marR="0" lvl="0" indent="0" algn="ctr" rtl="0">
+              <a:spcBef>
+                <a:spcPts val="0"/>
+              </a:spcBef>
+              <a:spcAft>
+                <a:spcPts val="0"/>
+              </a:spcAft>
+              <a:buNone/>
+            </a:pPr>
+            <a:r>
+              <a:rPr lang="en" sz="1050">
+                <a:solidFill>
+                  <a:srgbClr val="7030A0"/>
+                </a:solidFill>
+                <a:latin typeface="Calibri"/>
+                <a:ea typeface="Calibri"/>
+                <a:cs typeface="Calibri"/>
+                <a:sym typeface="Calibri"/>
+              </a:rPr>
+              <a:t>ModuleCode</a:t>
+            </a:r>
+            <a:endParaRPr sz="1050" b="0" i="0" u="none" strike="noStrike" cap="none">
+              <a:solidFill>
+                <a:srgbClr val="7030A0"/>
+              </a:solidFill>
+              <a:latin typeface="Calibri"/>
+              <a:ea typeface="Calibri"/>
+              <a:cs typeface="Calibri"/>
+              <a:sym typeface="Calibri"/>
+            </a:endParaRPr>
+          </a:p>
+        </p:txBody>
+      </p:sp>
+      <p:sp>
+        <p:nvSpPr>
+          <p:cNvPr id="311" name="Google Shape;430;p30"/>
+          <p:cNvSpPr/>
+          <p:nvPr/>
+        </p:nvSpPr>
+        <p:spPr>
+          <a:xfrm>
+            <a:off x="7653400" y="2845338"/>
+            <a:ext cx="1156800" cy="214200"/>
+          </a:xfrm>
+          <a:prstGeom prst="rect">
+            <a:avLst/>
+          </a:prstGeom>
+          <a:gradFill>
+            <a:gsLst>
+              <a:gs pos="0">
+                <a:srgbClr val="C8B2E9"/>
+              </a:gs>
+              <a:gs pos="35000">
+                <a:srgbClr val="D6CAED"/>
+              </a:gs>
+              <a:gs pos="100000">
+                <a:srgbClr val="EFE8FA"/>
+              </a:gs>
+            </a:gsLst>
+            <a:lin ang="16200038" scaled="0"/>
+          </a:gradFill>
+          <a:ln w="19050" cap="flat" cmpd="sng">
+            <a:solidFill>
+              <a:srgbClr val="7030A0"/>
+            </a:solidFill>
+            <a:prstDash val="solid"/>
+            <a:round/>
+            <a:headEnd type="none" w="sm" len="sm"/>
+            <a:tailEnd type="none" w="sm" len="sm"/>
+          </a:ln>
+        </p:spPr>
+        <p:txBody>
+          <a:bodyPr spcFirstLastPara="1" wrap="square" lIns="91425" tIns="45700" rIns="91425" bIns="45700" anchor="ctr" anchorCtr="0">
+            <a:noAutofit/>
+          </a:bodyPr>
+          <a:lstStyle/>
+          <a:p>
+            <a:pPr marL="0" marR="0" lvl="0" indent="0" algn="ctr" rtl="0">
+              <a:spcBef>
+                <a:spcPts val="0"/>
+              </a:spcBef>
+              <a:spcAft>
+                <a:spcPts val="0"/>
+              </a:spcAft>
+              <a:buNone/>
+            </a:pPr>
+            <a:r>
+              <a:rPr lang="en" sz="1050">
+                <a:solidFill>
+                  <a:srgbClr val="7030A0"/>
+                </a:solidFill>
+                <a:latin typeface="Calibri"/>
+                <a:ea typeface="Calibri"/>
+                <a:cs typeface="Calibri"/>
+                <a:sym typeface="Calibri"/>
+              </a:rPr>
+              <a:t>NoteName</a:t>
+            </a:r>
+            <a:endParaRPr sz="1050" b="0" i="0" u="none" strike="noStrike" cap="none">
+              <a:solidFill>
+                <a:srgbClr val="7030A0"/>
+              </a:solidFill>
+              <a:latin typeface="Calibri"/>
+              <a:ea typeface="Calibri"/>
+              <a:cs typeface="Calibri"/>
+              <a:sym typeface="Calibri"/>
+            </a:endParaRPr>
+          </a:p>
+        </p:txBody>
+      </p:sp>
+      <p:sp>
+        <p:nvSpPr>
+          <p:cNvPr id="312" name="Google Shape;431;p30"/>
+          <p:cNvSpPr/>
+          <p:nvPr/>
+        </p:nvSpPr>
+        <p:spPr>
+          <a:xfrm>
+            <a:off x="7669875" y="3114900"/>
+            <a:ext cx="1140300" cy="214200"/>
+          </a:xfrm>
+          <a:prstGeom prst="rect">
+            <a:avLst/>
+          </a:prstGeom>
+          <a:gradFill>
+            <a:gsLst>
+              <a:gs pos="0">
+                <a:srgbClr val="C8B2E9"/>
+              </a:gs>
+              <a:gs pos="35000">
+                <a:srgbClr val="D6CAED"/>
+              </a:gs>
+              <a:gs pos="100000">
+                <a:srgbClr val="EFE8FA"/>
+              </a:gs>
+            </a:gsLst>
+            <a:lin ang="16200038" scaled="0"/>
+          </a:gradFill>
+          <a:ln w="19050" cap="flat" cmpd="sng">
+            <a:solidFill>
+              <a:srgbClr val="7030A0"/>
+            </a:solidFill>
+            <a:prstDash val="solid"/>
+            <a:round/>
+            <a:headEnd type="none" w="sm" len="sm"/>
+            <a:tailEnd type="none" w="sm" len="sm"/>
+          </a:ln>
+        </p:spPr>
+        <p:txBody>
+          <a:bodyPr spcFirstLastPara="1" wrap="square" lIns="91425" tIns="45700" rIns="91425" bIns="45700" anchor="ctr" anchorCtr="0">
+            <a:noAutofit/>
+          </a:bodyPr>
+          <a:lstStyle/>
+          <a:p>
+            <a:pPr marL="0" marR="0" lvl="0" indent="0" algn="ctr" rtl="0">
+              <a:spcBef>
+                <a:spcPts val="0"/>
+              </a:spcBef>
+              <a:spcAft>
+                <a:spcPts val="0"/>
+              </a:spcAft>
+              <a:buNone/>
+            </a:pPr>
+            <a:r>
+              <a:rPr lang="en" sz="1050">
+                <a:solidFill>
+                  <a:srgbClr val="7030A0"/>
+                </a:solidFill>
+                <a:latin typeface="Calibri"/>
+                <a:ea typeface="Calibri"/>
+                <a:cs typeface="Calibri"/>
+                <a:sym typeface="Calibri"/>
+              </a:rPr>
+              <a:t>Content</a:t>
+            </a:r>
+            <a:endParaRPr sz="1050" b="0" i="0" u="none" strike="noStrike" cap="none">
+              <a:solidFill>
+                <a:srgbClr val="7030A0"/>
+              </a:solidFill>
+              <a:latin typeface="Calibri"/>
+              <a:ea typeface="Calibri"/>
+              <a:cs typeface="Calibri"/>
+              <a:sym typeface="Calibri"/>
+            </a:endParaRPr>
+          </a:p>
+        </p:txBody>
+      </p:sp>
+      <p:cxnSp>
+        <p:nvCxnSpPr>
+          <p:cNvPr id="313" name="Google Shape;432;p30"/>
+          <p:cNvCxnSpPr/>
+          <p:nvPr/>
+        </p:nvCxnSpPr>
+        <p:spPr>
+          <a:xfrm rot="10800000" flipH="1">
+            <a:off x="7045251" y="2682976"/>
+            <a:ext cx="616800" cy="2700"/>
+          </a:xfrm>
+          <a:prstGeom prst="bentConnector3">
+            <a:avLst>
+              <a:gd name="adj1" fmla="val 50012"/>
+            </a:avLst>
+          </a:prstGeom>
+          <a:gradFill>
+            <a:gsLst>
+              <a:gs pos="0">
+                <a:srgbClr val="FFA09D"/>
+              </a:gs>
+              <a:gs pos="35000">
+                <a:srgbClr val="FFBCBC"/>
+              </a:gs>
+              <a:gs pos="100000">
+                <a:srgbClr val="FFE2E2"/>
+              </a:gs>
+            </a:gsLst>
+            <a:lin ang="16200038" scaled="0"/>
+          </a:gradFill>
+          <a:ln w="19050" cap="flat" cmpd="sng">
+            <a:solidFill>
+              <a:srgbClr val="7030A0"/>
+            </a:solidFill>
+            <a:prstDash val="solid"/>
+            <a:round/>
+            <a:headEnd type="none" w="sm" len="sm"/>
+            <a:tailEnd type="stealth" w="med" len="med"/>
+          </a:ln>
+        </p:spPr>
+      </p:cxnSp>
+      <p:cxnSp>
+        <p:nvCxnSpPr>
+          <p:cNvPr id="314" name="Google Shape;433;p30"/>
+          <p:cNvCxnSpPr/>
+          <p:nvPr/>
+        </p:nvCxnSpPr>
+        <p:spPr>
+          <a:xfrm>
+            <a:off x="7045251" y="2685676"/>
+            <a:ext cx="608100" cy="266700"/>
+          </a:xfrm>
+          <a:prstGeom prst="bentConnector3">
+            <a:avLst>
+              <a:gd name="adj1" fmla="val 50004"/>
+            </a:avLst>
+          </a:prstGeom>
+          <a:gradFill>
+            <a:gsLst>
+              <a:gs pos="0">
+                <a:srgbClr val="FFA09D"/>
+              </a:gs>
+              <a:gs pos="35000">
+                <a:srgbClr val="FFBCBC"/>
+              </a:gs>
+              <a:gs pos="100000">
+                <a:srgbClr val="FFE2E2"/>
+              </a:gs>
+            </a:gsLst>
+            <a:lin ang="16200038" scaled="0"/>
+          </a:gradFill>
+          <a:ln w="19050" cap="flat" cmpd="sng">
+            <a:solidFill>
+              <a:srgbClr val="7030A0"/>
+            </a:solidFill>
+            <a:prstDash val="solid"/>
+            <a:round/>
+            <a:headEnd type="none" w="sm" len="sm"/>
+            <a:tailEnd type="stealth" w="med" len="med"/>
+          </a:ln>
+        </p:spPr>
+      </p:cxnSp>
+      <p:cxnSp>
+        <p:nvCxnSpPr>
+          <p:cNvPr id="315" name="Google Shape;434;p30"/>
+          <p:cNvCxnSpPr/>
+          <p:nvPr/>
+        </p:nvCxnSpPr>
+        <p:spPr>
+          <a:xfrm>
+            <a:off x="7045251" y="2685676"/>
+            <a:ext cx="624600" cy="536400"/>
+          </a:xfrm>
+          <a:prstGeom prst="bentConnector3">
+            <a:avLst>
+              <a:gd name="adj1" fmla="val 50002"/>
+            </a:avLst>
+          </a:prstGeom>
+          <a:gradFill>
+            <a:gsLst>
+              <a:gs pos="0">
+                <a:srgbClr val="FFA09D"/>
+              </a:gs>
+              <a:gs pos="35000">
+                <a:srgbClr val="FFBCBC"/>
+              </a:gs>
+              <a:gs pos="100000">
+                <a:srgbClr val="FFE2E2"/>
+              </a:gs>
+            </a:gsLst>
+            <a:lin ang="16200038" scaled="0"/>
+          </a:gradFill>
+          <a:ln w="19050" cap="flat" cmpd="sng">
+            <a:solidFill>
+              <a:srgbClr val="7030A0"/>
+            </a:solidFill>
+            <a:prstDash val="solid"/>
+            <a:round/>
+            <a:headEnd type="none" w="sm" len="sm"/>
+            <a:tailEnd type="stealth" w="med" len="med"/>
+          </a:ln>
+        </p:spPr>
+      </p:cxnSp>
+      <p:sp>
+        <p:nvSpPr>
+          <p:cNvPr id="316" name="Google Shape;435;p30"/>
+          <p:cNvSpPr txBox="1"/>
+          <p:nvPr/>
+        </p:nvSpPr>
+        <p:spPr>
+          <a:xfrm>
+            <a:off x="5774346" y="2739069"/>
+            <a:ext cx="189300" cy="134100"/>
+          </a:xfrm>
+          <a:prstGeom prst="rect">
+            <a:avLst/>
+          </a:prstGeom>
+          <a:noFill/>
+          <a:ln>
+            <a:noFill/>
+          </a:ln>
+        </p:spPr>
+        <p:txBody>
+          <a:bodyPr spcFirstLastPara="1" wrap="square" lIns="0" tIns="0" rIns="0" bIns="0" anchor="t" anchorCtr="0">
+            <a:noAutofit/>
+          </a:bodyPr>
+          <a:lstStyle/>
+          <a:p>
+            <a:pPr marL="0" marR="0" lvl="0" indent="0" algn="ctr" rtl="0">
+              <a:spcBef>
+                <a:spcPts val="0"/>
+              </a:spcBef>
+              <a:spcAft>
+                <a:spcPts val="0"/>
+              </a:spcAft>
+              <a:buNone/>
+            </a:pPr>
+            <a:r>
+              <a:rPr lang="en" sz="1100">
+                <a:solidFill>
+                  <a:srgbClr val="7030A0"/>
+                </a:solidFill>
+                <a:latin typeface="Calibri"/>
+                <a:ea typeface="Calibri"/>
+                <a:cs typeface="Calibri"/>
+                <a:sym typeface="Calibri"/>
+              </a:rPr>
+              <a:t>1</a:t>
+            </a:r>
+            <a:endParaRPr sz="1100">
+              <a:solidFill>
+                <a:srgbClr val="7030A0"/>
+              </a:solidFill>
+              <a:latin typeface="Calibri"/>
+              <a:ea typeface="Calibri"/>
+              <a:cs typeface="Calibri"/>
+              <a:sym typeface="Calibri"/>
+            </a:endParaRPr>
+          </a:p>
+        </p:txBody>
+      </p:sp>
+      <p:sp>
+        <p:nvSpPr>
+          <p:cNvPr id="317" name="Google Shape;436;p30"/>
+          <p:cNvSpPr txBox="1"/>
+          <p:nvPr/>
+        </p:nvSpPr>
+        <p:spPr>
+          <a:xfrm>
+            <a:off x="5774121" y="2223994"/>
+            <a:ext cx="189300" cy="134100"/>
+          </a:xfrm>
+          <a:prstGeom prst="rect">
+            <a:avLst/>
+          </a:prstGeom>
+          <a:noFill/>
+          <a:ln>
+            <a:noFill/>
+          </a:ln>
+        </p:spPr>
+        <p:txBody>
+          <a:bodyPr spcFirstLastPara="1" wrap="square" lIns="0" tIns="0" rIns="0" bIns="0" anchor="t" anchorCtr="0">
+            <a:noAutofit/>
+          </a:bodyPr>
+          <a:lstStyle/>
+          <a:p>
+            <a:pPr marL="0" marR="0" lvl="0" indent="0" algn="ctr" rtl="0">
+              <a:spcBef>
+                <a:spcPts val="0"/>
+              </a:spcBef>
+              <a:spcAft>
+                <a:spcPts val="0"/>
+              </a:spcAft>
+              <a:buNone/>
+            </a:pPr>
+            <a:r>
+              <a:rPr lang="en" sz="1100">
+                <a:solidFill>
+                  <a:srgbClr val="7030A0"/>
+                </a:solidFill>
+                <a:latin typeface="Calibri"/>
+                <a:ea typeface="Calibri"/>
+                <a:cs typeface="Calibri"/>
+                <a:sym typeface="Calibri"/>
+              </a:rPr>
+              <a:t>1</a:t>
+            </a:r>
+            <a:endParaRPr sz="1100">
+              <a:solidFill>
+                <a:srgbClr val="7030A0"/>
+              </a:solidFill>
+              <a:latin typeface="Calibri"/>
+              <a:ea typeface="Calibri"/>
+              <a:cs typeface="Calibri"/>
+              <a:sym typeface="Calibri"/>
+            </a:endParaRPr>
+          </a:p>
+        </p:txBody>
+      </p:sp>
+      <p:cxnSp>
+        <p:nvCxnSpPr>
+          <p:cNvPr id="318" name="Google Shape;437;p30"/>
+          <p:cNvCxnSpPr/>
+          <p:nvPr/>
+        </p:nvCxnSpPr>
+        <p:spPr>
+          <a:xfrm rot="10800000">
+            <a:off x="6386425" y="2812938"/>
+            <a:ext cx="759300" cy="193800"/>
+          </a:xfrm>
+          <a:prstGeom prst="bentConnector2">
+            <a:avLst/>
+          </a:prstGeom>
+          <a:gradFill>
+            <a:gsLst>
+              <a:gs pos="0">
+                <a:srgbClr val="FFA09D"/>
+              </a:gs>
+              <a:gs pos="35000">
+                <a:srgbClr val="FFBCBC"/>
+              </a:gs>
+              <a:gs pos="100000">
+                <a:srgbClr val="FFE2E2"/>
+              </a:gs>
+            </a:gsLst>
+            <a:lin ang="16200038" scaled="0"/>
+          </a:gradFill>
+          <a:ln w="19050" cap="flat" cmpd="sng">
+            <a:solidFill>
+              <a:srgbClr val="7030A0"/>
+            </a:solidFill>
+            <a:prstDash val="solid"/>
+            <a:round/>
+            <a:headEnd type="none" w="sm" len="sm"/>
+            <a:tailEnd type="stealth" w="med" len="med"/>
+          </a:ln>
+        </p:spPr>
+      </p:cxnSp>
+      <p:cxnSp>
+        <p:nvCxnSpPr>
+          <p:cNvPr id="319" name="Google Shape;438;p30"/>
+          <p:cNvCxnSpPr/>
+          <p:nvPr/>
+        </p:nvCxnSpPr>
+        <p:spPr>
+          <a:xfrm rot="10800000">
+            <a:off x="6386425" y="2274825"/>
+            <a:ext cx="768900" cy="181500"/>
+          </a:xfrm>
+          <a:prstGeom prst="bentConnector2">
+            <a:avLst/>
+          </a:prstGeom>
+          <a:gradFill>
+            <a:gsLst>
+              <a:gs pos="0">
+                <a:srgbClr val="FFA09D"/>
+              </a:gs>
+              <a:gs pos="35000">
+                <a:srgbClr val="FFBCBC"/>
+              </a:gs>
+              <a:gs pos="100000">
+                <a:srgbClr val="FFE2E2"/>
+              </a:gs>
+            </a:gsLst>
+            <a:lin ang="16200038" scaled="0"/>
+          </a:gradFill>
+          <a:ln w="19050" cap="flat" cmpd="sng">
+            <a:solidFill>
+              <a:srgbClr val="7030A0"/>
+            </a:solidFill>
+            <a:prstDash val="solid"/>
+            <a:round/>
+            <a:headEnd type="none" w="sm" len="sm"/>
+            <a:tailEnd type="stealth" w="med" len="med"/>
+          </a:ln>
+        </p:spPr>
+      </p:cxnSp>
+      <p:cxnSp>
+        <p:nvCxnSpPr>
+          <p:cNvPr id="320" name="Google Shape;439;p30"/>
+          <p:cNvCxnSpPr/>
+          <p:nvPr/>
+        </p:nvCxnSpPr>
+        <p:spPr>
+          <a:xfrm>
+            <a:off x="6319950" y="4164450"/>
+            <a:ext cx="835500" cy="0"/>
+          </a:xfrm>
+          <a:prstGeom prst="straightConnector1">
+            <a:avLst/>
+          </a:prstGeom>
+          <a:noFill/>
+          <a:ln w="19050" cap="flat" cmpd="sng">
+            <a:solidFill>
+              <a:srgbClr val="7030A0"/>
+            </a:solidFill>
+            <a:prstDash val="solid"/>
+            <a:round/>
             <a:headEnd type="none" w="med" len="med"/>
             <a:tailEnd type="none" w="med" len="med"/>
           </a:ln>
-          <a:effectLst/>
-        </p:spPr>
-        <p:style>
-          <a:lnRef idx="1">
-            <a:schemeClr val="accent2"/>
-          </a:lnRef>
-          <a:fillRef idx="2">
-            <a:schemeClr val="accent2"/>
-          </a:fillRef>
-          <a:effectRef idx="1">
-            <a:schemeClr val="accent2"/>
-          </a:effectRef>
-          <a:fontRef idx="minor">
-            <a:schemeClr val="dk1"/>
-          </a:fontRef>
-        </p:style>
+        </p:spPr>
       </p:cxnSp>
+      <p:cxnSp>
+        <p:nvCxnSpPr>
+          <p:cNvPr id="321" name="Google Shape;440;p30"/>
+          <p:cNvCxnSpPr/>
+          <p:nvPr/>
+        </p:nvCxnSpPr>
+        <p:spPr>
+          <a:xfrm rot="10800000">
+            <a:off x="7145250" y="2445750"/>
+            <a:ext cx="600" cy="1718700"/>
+          </a:xfrm>
+          <a:prstGeom prst="straightConnector1">
+            <a:avLst/>
+          </a:prstGeom>
+          <a:noFill/>
+          <a:ln w="19050" cap="flat" cmpd="sng">
+            <a:solidFill>
+              <a:srgbClr val="7030A0"/>
+            </a:solidFill>
+            <a:prstDash val="solid"/>
+            <a:round/>
+            <a:headEnd type="none" w="med" len="med"/>
+            <a:tailEnd type="none" w="med" len="med"/>
+          </a:ln>
+        </p:spPr>
+      </p:cxnSp>
+      <p:sp>
+        <p:nvSpPr>
+          <p:cNvPr id="322" name="Google Shape;441;p30"/>
+          <p:cNvSpPr txBox="1"/>
+          <p:nvPr/>
+        </p:nvSpPr>
+        <p:spPr>
+          <a:xfrm>
+            <a:off x="6433740" y="3773352"/>
+            <a:ext cx="660900" cy="261600"/>
+          </a:xfrm>
+          <a:prstGeom prst="rect">
+            <a:avLst/>
+          </a:prstGeom>
+          <a:noFill/>
+          <a:ln>
+            <a:noFill/>
+          </a:ln>
+        </p:spPr>
+        <p:txBody>
+          <a:bodyPr spcFirstLastPara="1" wrap="square" lIns="91425" tIns="45700" rIns="91425" bIns="45700" anchor="t" anchorCtr="0">
+            <a:noAutofit/>
+          </a:bodyPr>
+          <a:lstStyle/>
+          <a:p>
+            <a:pPr marL="0" marR="0" lvl="0" indent="0" algn="r" rtl="0">
+              <a:spcBef>
+                <a:spcPts val="0"/>
+              </a:spcBef>
+              <a:spcAft>
+                <a:spcPts val="0"/>
+              </a:spcAft>
+              <a:buNone/>
+            </a:pPr>
+            <a:r>
+              <a:rPr lang="en" sz="1100">
+                <a:solidFill>
+                  <a:srgbClr val="7030A0"/>
+                </a:solidFill>
+                <a:latin typeface="Calibri"/>
+                <a:ea typeface="Calibri"/>
+                <a:cs typeface="Calibri"/>
+                <a:sym typeface="Calibri"/>
+              </a:rPr>
+              <a:t>filtered list</a:t>
+            </a:r>
+            <a:endParaRPr sz="1100">
+              <a:solidFill>
+                <a:srgbClr val="7030A0"/>
+              </a:solidFill>
+              <a:latin typeface="Calibri"/>
+              <a:ea typeface="Calibri"/>
+              <a:cs typeface="Calibri"/>
+              <a:sym typeface="Calibri"/>
+            </a:endParaRPr>
+          </a:p>
+        </p:txBody>
+      </p:sp>
+      <p:cxnSp>
+        <p:nvCxnSpPr>
+          <p:cNvPr id="323" name="Google Shape;442;p30"/>
+          <p:cNvCxnSpPr/>
+          <p:nvPr/>
+        </p:nvCxnSpPr>
+        <p:spPr>
+          <a:xfrm>
+            <a:off x="3898795" y="2975429"/>
+            <a:ext cx="177000" cy="236700"/>
+          </a:xfrm>
+          <a:prstGeom prst="bentConnector3">
+            <a:avLst>
+              <a:gd name="adj1" fmla="val 16952"/>
+            </a:avLst>
+          </a:prstGeom>
+          <a:gradFill>
+            <a:gsLst>
+              <a:gs pos="0">
+                <a:srgbClr val="FFA09D"/>
+              </a:gs>
+              <a:gs pos="35000">
+                <a:srgbClr val="FFBCBC"/>
+              </a:gs>
+              <a:gs pos="100000">
+                <a:srgbClr val="FFE2E2"/>
+              </a:gs>
+            </a:gsLst>
+            <a:lin ang="16200038" scaled="0"/>
+          </a:gradFill>
+          <a:ln w="19050" cap="flat" cmpd="sng">
+            <a:solidFill>
+              <a:srgbClr val="7030A0"/>
+            </a:solidFill>
+            <a:prstDash val="solid"/>
+            <a:round/>
+            <a:headEnd type="none" w="sm" len="sm"/>
+            <a:tailEnd type="stealth" w="med" len="med"/>
+          </a:ln>
+        </p:spPr>
+      </p:cxnSp>
+      <p:cxnSp>
+        <p:nvCxnSpPr>
+          <p:cNvPr id="324" name="Google Shape;443;p30"/>
+          <p:cNvCxnSpPr/>
+          <p:nvPr/>
+        </p:nvCxnSpPr>
+        <p:spPr>
+          <a:xfrm rot="10800000" flipH="1">
+            <a:off x="3898795" y="2678429"/>
+            <a:ext cx="180900" cy="297000"/>
+          </a:xfrm>
+          <a:prstGeom prst="bentConnector3">
+            <a:avLst>
+              <a:gd name="adj1" fmla="val 21838"/>
+            </a:avLst>
+          </a:prstGeom>
+          <a:gradFill>
+            <a:gsLst>
+              <a:gs pos="0">
+                <a:srgbClr val="FFA09D"/>
+              </a:gs>
+              <a:gs pos="35000">
+                <a:srgbClr val="FFBCBC"/>
+              </a:gs>
+              <a:gs pos="100000">
+                <a:srgbClr val="FFE2E2"/>
+              </a:gs>
+            </a:gsLst>
+            <a:lin ang="16200038" scaled="0"/>
+          </a:gradFill>
+          <a:ln w="19050" cap="flat" cmpd="sng">
+            <a:solidFill>
+              <a:srgbClr val="7030A0"/>
+            </a:solidFill>
+            <a:prstDash val="solid"/>
+            <a:round/>
+            <a:headEnd type="none" w="sm" len="sm"/>
+            <a:tailEnd type="stealth" w="med" len="med"/>
+          </a:ln>
+        </p:spPr>
+      </p:cxnSp>
+      <p:sp>
+        <p:nvSpPr>
+          <p:cNvPr id="325" name="Google Shape;444;p30"/>
+          <p:cNvSpPr txBox="1"/>
+          <p:nvPr/>
+        </p:nvSpPr>
+        <p:spPr>
+          <a:xfrm>
+            <a:off x="3965529" y="2823809"/>
+            <a:ext cx="189300" cy="134100"/>
+          </a:xfrm>
+          <a:prstGeom prst="rect">
+            <a:avLst/>
+          </a:prstGeom>
+          <a:noFill/>
+          <a:ln>
+            <a:noFill/>
+          </a:ln>
+        </p:spPr>
+        <p:txBody>
+          <a:bodyPr spcFirstLastPara="1" wrap="square" lIns="0" tIns="0" rIns="0" bIns="0" anchor="t" anchorCtr="0">
+            <a:noAutofit/>
+          </a:bodyPr>
+          <a:lstStyle/>
+          <a:p>
+            <a:pPr marL="0" marR="0" lvl="0" indent="0" algn="ctr" rtl="0">
+              <a:spcBef>
+                <a:spcPts val="0"/>
+              </a:spcBef>
+              <a:spcAft>
+                <a:spcPts val="0"/>
+              </a:spcAft>
+              <a:buNone/>
+            </a:pPr>
+            <a:r>
+              <a:rPr lang="en" sz="1100">
+                <a:solidFill>
+                  <a:srgbClr val="7030A0"/>
+                </a:solidFill>
+                <a:latin typeface="Calibri"/>
+                <a:ea typeface="Calibri"/>
+                <a:cs typeface="Calibri"/>
+                <a:sym typeface="Calibri"/>
+              </a:rPr>
+              <a:t>1</a:t>
+            </a:r>
+            <a:endParaRPr sz="1100">
+              <a:solidFill>
+                <a:srgbClr val="7030A0"/>
+              </a:solidFill>
+              <a:latin typeface="Calibri"/>
+              <a:ea typeface="Calibri"/>
+              <a:cs typeface="Calibri"/>
+              <a:sym typeface="Calibri"/>
+            </a:endParaRPr>
+          </a:p>
+        </p:txBody>
+      </p:sp>
+      <p:sp>
+        <p:nvSpPr>
+          <p:cNvPr id="326" name="Google Shape;445;p30"/>
+          <p:cNvSpPr txBox="1"/>
+          <p:nvPr/>
+        </p:nvSpPr>
+        <p:spPr>
+          <a:xfrm>
+            <a:off x="3889329" y="1909409"/>
+            <a:ext cx="189300" cy="134100"/>
+          </a:xfrm>
+          <a:prstGeom prst="rect">
+            <a:avLst/>
+          </a:prstGeom>
+          <a:noFill/>
+          <a:ln>
+            <a:noFill/>
+          </a:ln>
+        </p:spPr>
+        <p:txBody>
+          <a:bodyPr spcFirstLastPara="1" wrap="square" lIns="0" tIns="0" rIns="0" bIns="0" anchor="t" anchorCtr="0">
+            <a:noAutofit/>
+          </a:bodyPr>
+          <a:lstStyle/>
+          <a:p>
+            <a:pPr marL="0" marR="0" lvl="0" indent="0" algn="ctr" rtl="0">
+              <a:spcBef>
+                <a:spcPts val="0"/>
+              </a:spcBef>
+              <a:spcAft>
+                <a:spcPts val="0"/>
+              </a:spcAft>
+              <a:buNone/>
+            </a:pPr>
+            <a:r>
+              <a:rPr lang="en" sz="1100">
+                <a:solidFill>
+                  <a:srgbClr val="7030A0"/>
+                </a:solidFill>
+                <a:latin typeface="Calibri"/>
+                <a:ea typeface="Calibri"/>
+                <a:cs typeface="Calibri"/>
+                <a:sym typeface="Calibri"/>
+              </a:rPr>
+              <a:t>1</a:t>
+            </a:r>
+            <a:endParaRPr sz="1100">
+              <a:solidFill>
+                <a:srgbClr val="7030A0"/>
+              </a:solidFill>
+              <a:latin typeface="Calibri"/>
+              <a:ea typeface="Calibri"/>
+              <a:cs typeface="Calibri"/>
+              <a:sym typeface="Calibri"/>
+            </a:endParaRPr>
+          </a:p>
+        </p:txBody>
+      </p:sp>
     </p:spTree>
     <p:extLst>
       <p:ext uri="{BB962C8B-B14F-4D97-AF65-F5344CB8AC3E}">
